--- a/Analyzing Business Location in Haiti.pptx
+++ b/Analyzing Business Location in Haiti.pptx
@@ -5,10 +5,10 @@
     <p:sldMasterId id="2147483648" r:id="rId4"/>
   </p:sldMasterIdLst>
   <p:notesMasterIdLst>
-    <p:notesMasterId r:id="rId29"/>
+    <p:notesMasterId r:id="rId31"/>
   </p:notesMasterIdLst>
   <p:handoutMasterIdLst>
-    <p:handoutMasterId r:id="rId30"/>
+    <p:handoutMasterId r:id="rId32"/>
   </p:handoutMasterIdLst>
   <p:sldIdLst>
     <p:sldId id="256" r:id="rId5"/>
@@ -18,23 +18,25 @@
     <p:sldId id="277" r:id="rId9"/>
     <p:sldId id="268" r:id="rId10"/>
     <p:sldId id="279" r:id="rId11"/>
-    <p:sldId id="270" r:id="rId12"/>
-    <p:sldId id="271" r:id="rId13"/>
-    <p:sldId id="272" r:id="rId14"/>
-    <p:sldId id="273" r:id="rId15"/>
-    <p:sldId id="274" r:id="rId16"/>
-    <p:sldId id="275" r:id="rId17"/>
-    <p:sldId id="276" r:id="rId18"/>
-    <p:sldId id="257" r:id="rId19"/>
-    <p:sldId id="258" r:id="rId20"/>
-    <p:sldId id="259" r:id="rId21"/>
-    <p:sldId id="260" r:id="rId22"/>
-    <p:sldId id="261" r:id="rId23"/>
-    <p:sldId id="262" r:id="rId24"/>
-    <p:sldId id="263" r:id="rId25"/>
-    <p:sldId id="264" r:id="rId26"/>
-    <p:sldId id="265" r:id="rId27"/>
-    <p:sldId id="266" r:id="rId28"/>
+    <p:sldId id="281" r:id="rId12"/>
+    <p:sldId id="270" r:id="rId13"/>
+    <p:sldId id="271" r:id="rId14"/>
+    <p:sldId id="272" r:id="rId15"/>
+    <p:sldId id="273" r:id="rId16"/>
+    <p:sldId id="274" r:id="rId17"/>
+    <p:sldId id="275" r:id="rId18"/>
+    <p:sldId id="280" r:id="rId19"/>
+    <p:sldId id="276" r:id="rId20"/>
+    <p:sldId id="257" r:id="rId21"/>
+    <p:sldId id="258" r:id="rId22"/>
+    <p:sldId id="259" r:id="rId23"/>
+    <p:sldId id="260" r:id="rId24"/>
+    <p:sldId id="261" r:id="rId25"/>
+    <p:sldId id="262" r:id="rId26"/>
+    <p:sldId id="263" r:id="rId27"/>
+    <p:sldId id="264" r:id="rId28"/>
+    <p:sldId id="265" r:id="rId29"/>
+    <p:sldId id="266" r:id="rId30"/>
   </p:sldIdLst>
   <p:sldSz cx="12192000" cy="6858000"/>
   <p:notesSz cx="6858000" cy="9144000"/>
@@ -145,12 +147,14 @@
             <p14:sldId id="277"/>
             <p14:sldId id="268"/>
             <p14:sldId id="279"/>
+            <p14:sldId id="281"/>
             <p14:sldId id="270"/>
             <p14:sldId id="271"/>
             <p14:sldId id="272"/>
             <p14:sldId id="273"/>
             <p14:sldId id="274"/>
             <p14:sldId id="275"/>
+            <p14:sldId id="280"/>
             <p14:sldId id="276"/>
             <p14:sldId id="257"/>
             <p14:sldId id="258"/>
@@ -1802,7 +1806,7 @@
             <a:pPr rtl="0"/>
             <a:fld id="{53D78A92-0141-4330-8F3E-FAADFAC23844}" type="slidenum">
               <a:rPr lang="fr-FR" smtClean="0"/>
-              <a:t>23</a:t>
+              <a:t>25</a:t>
             </a:fld>
             <a:endParaRPr lang="fr-FR"/>
           </a:p>
@@ -1888,7 +1892,7 @@
             <a:pPr rtl="0"/>
             <a:fld id="{53D78A92-0141-4330-8F3E-FAADFAC23844}" type="slidenum">
               <a:rPr lang="fr-FR" smtClean="0"/>
-              <a:t>24</a:t>
+              <a:t>26</a:t>
             </a:fld>
             <a:endParaRPr lang="fr-FR"/>
           </a:p>
@@ -1974,7 +1978,7 @@
             <a:pPr rtl="0"/>
             <a:fld id="{53D78A92-0141-4330-8F3E-FAADFAC23844}" type="slidenum">
               <a:rPr lang="fr-FR" smtClean="0"/>
-              <a:t>15</a:t>
+              <a:t>17</a:t>
             </a:fld>
             <a:endParaRPr lang="fr-FR"/>
           </a:p>
@@ -2060,7 +2064,7 @@
             <a:pPr rtl="0"/>
             <a:fld id="{53D78A92-0141-4330-8F3E-FAADFAC23844}" type="slidenum">
               <a:rPr lang="fr-FR" smtClean="0"/>
-              <a:t>16</a:t>
+              <a:t>18</a:t>
             </a:fld>
             <a:endParaRPr lang="fr-FR"/>
           </a:p>
@@ -2146,7 +2150,7 @@
             <a:pPr rtl="0"/>
             <a:fld id="{53D78A92-0141-4330-8F3E-FAADFAC23844}" type="slidenum">
               <a:rPr lang="fr-FR" smtClean="0"/>
-              <a:t>17</a:t>
+              <a:t>19</a:t>
             </a:fld>
             <a:endParaRPr lang="fr-FR"/>
           </a:p>
@@ -2232,7 +2236,7 @@
             <a:pPr rtl="0"/>
             <a:fld id="{53D78A92-0141-4330-8F3E-FAADFAC23844}" type="slidenum">
               <a:rPr lang="fr-FR" smtClean="0"/>
-              <a:t>18</a:t>
+              <a:t>20</a:t>
             </a:fld>
             <a:endParaRPr lang="fr-FR"/>
           </a:p>
@@ -2318,7 +2322,7 @@
             <a:pPr rtl="0"/>
             <a:fld id="{53D78A92-0141-4330-8F3E-FAADFAC23844}" type="slidenum">
               <a:rPr lang="fr-FR" smtClean="0"/>
-              <a:t>19</a:t>
+              <a:t>21</a:t>
             </a:fld>
             <a:endParaRPr lang="fr-FR"/>
           </a:p>
@@ -2404,7 +2408,7 @@
             <a:pPr rtl="0"/>
             <a:fld id="{53D78A92-0141-4330-8F3E-FAADFAC23844}" type="slidenum">
               <a:rPr lang="fr-FR" smtClean="0"/>
-              <a:t>20</a:t>
+              <a:t>22</a:t>
             </a:fld>
             <a:endParaRPr lang="fr-FR"/>
           </a:p>
@@ -2490,7 +2494,7 @@
             <a:pPr rtl="0"/>
             <a:fld id="{53D78A92-0141-4330-8F3E-FAADFAC23844}" type="slidenum">
               <a:rPr lang="fr-FR" smtClean="0"/>
-              <a:t>21</a:t>
+              <a:t>23</a:t>
             </a:fld>
             <a:endParaRPr lang="fr-FR"/>
           </a:p>
@@ -2576,7 +2580,7 @@
             <a:pPr rtl="0"/>
             <a:fld id="{53D78A92-0141-4330-8F3E-FAADFAC23844}" type="slidenum">
               <a:rPr lang="fr-FR" smtClean="0"/>
-              <a:t>22</a:t>
+              <a:t>24</a:t>
             </a:fld>
             <a:endParaRPr lang="fr-FR"/>
           </a:p>
@@ -16012,7 +16016,7 @@
       </p:sp>
       <p:pic>
         <p:nvPicPr>
-          <p:cNvPr id="3" name="Image 2"/>
+          <p:cNvPr id="4" name="Image 3"/>
           <p:cNvPicPr>
             <a:picLocks noChangeAspect="1"/>
           </p:cNvPicPr>
@@ -16032,8 +16036,8 @@
         </p:blipFill>
         <p:spPr>
           <a:xfrm>
-            <a:off x="4738255" y="0"/>
-            <a:ext cx="7453744" cy="6858000"/>
+            <a:off x="4738254" y="0"/>
+            <a:ext cx="7453745" cy="6858000"/>
           </a:xfrm>
           <a:prstGeom prst="rect">
             <a:avLst/>
@@ -16048,8 +16052,8 @@
         </p:nvSpPr>
         <p:spPr>
           <a:xfrm>
-            <a:off x="484123" y="401781"/>
-            <a:ext cx="3770007" cy="1200329"/>
+            <a:off x="360218" y="387927"/>
+            <a:ext cx="3893127" cy="1200329"/>
           </a:xfrm>
           <a:prstGeom prst="rect">
             <a:avLst/>
@@ -16057,66 +16061,117 @@
           <a:noFill/>
         </p:spPr>
         <p:txBody>
-          <a:bodyPr wrap="none" rtlCol="0">
+          <a:bodyPr wrap="square" rtlCol="0">
             <a:spAutoFit/>
           </a:bodyPr>
           <a:lstStyle/>
           <a:p>
             <a:pPr algn="ctr"/>
             <a:r>
-              <a:rPr lang="en-US" sz="2400" b="1" dirty="0">
+              <a:rPr lang="en-US" sz="2400" b="1" dirty="0" smtClean="0">
                 <a:solidFill>
                   <a:schemeClr val="bg1"/>
                 </a:solidFill>
+                <a:effectLst>
+                  <a:outerShdw blurRad="38100" dist="38100" dir="2700000" algn="tl">
+                    <a:srgbClr val="000000">
+                      <a:alpha val="43137"/>
+                    </a:srgbClr>
+                  </a:outerShdw>
+                </a:effectLst>
                 <a:latin typeface="Bell MT" panose="02020503060305020303" pitchFamily="18" charset="0"/>
               </a:rPr>
               <a:t>Distribution </a:t>
             </a:r>
             <a:r>
-              <a:rPr lang="en-US" sz="2400" b="1" dirty="0" smtClean="0">
+              <a:rPr lang="en-US" sz="2400" b="1" dirty="0">
                 <a:solidFill>
                   <a:schemeClr val="bg1"/>
                 </a:solidFill>
+                <a:effectLst>
+                  <a:outerShdw blurRad="38100" dist="38100" dir="2700000" algn="tl">
+                    <a:srgbClr val="000000">
+                      <a:alpha val="43137"/>
+                    </a:srgbClr>
+                  </a:outerShdw>
+                </a:effectLst>
                 <a:latin typeface="Bell MT" panose="02020503060305020303" pitchFamily="18" charset="0"/>
               </a:rPr>
-              <a:t>of</a:t>
-            </a:r>
-          </a:p>
-          <a:p>
-            <a:pPr algn="ctr"/>
-            <a:r>
-              <a:rPr lang="en-US" sz="2400" b="1" dirty="0" smtClean="0">
-                <a:solidFill>
-                  <a:schemeClr val="bg1"/>
-                </a:solidFill>
-                <a:latin typeface="Bell MT" panose="02020503060305020303" pitchFamily="18" charset="0"/>
-              </a:rPr>
-              <a:t> restaurant sector business</a:t>
-            </a:r>
-            <a:endParaRPr lang="en-US" sz="2400" b="1" dirty="0">
+              <a:t>of </a:t>
+            </a:r>
+            <a:endParaRPr lang="en-US" sz="2400" b="1" dirty="0" smtClean="0">
               <a:solidFill>
                 <a:schemeClr val="bg1"/>
               </a:solidFill>
+              <a:effectLst>
+                <a:outerShdw blurRad="38100" dist="38100" dir="2700000" algn="tl">
+                  <a:srgbClr val="000000">
+                    <a:alpha val="43137"/>
+                  </a:srgbClr>
+                </a:outerShdw>
+              </a:effectLst>
               <a:latin typeface="Bell MT" panose="02020503060305020303" pitchFamily="18" charset="0"/>
             </a:endParaRPr>
           </a:p>
           <a:p>
             <a:pPr algn="ctr"/>
             <a:r>
-              <a:rPr lang="en-US" sz="2400" b="1" dirty="0">
+              <a:rPr lang="en-US" sz="2400" b="1" dirty="0" smtClean="0">
                 <a:solidFill>
                   <a:schemeClr val="bg1"/>
                 </a:solidFill>
+                <a:effectLst>
+                  <a:outerShdw blurRad="38100" dist="38100" dir="2700000" algn="tl">
+                    <a:srgbClr val="000000">
+                      <a:alpha val="43137"/>
+                    </a:srgbClr>
+                  </a:outerShdw>
+                </a:effectLst>
                 <a:latin typeface="Bell MT" panose="02020503060305020303" pitchFamily="18" charset="0"/>
               </a:rPr>
-              <a:t>by municipality </a:t>
+              <a:t>health sector business </a:t>
+            </a:r>
+          </a:p>
+          <a:p>
+            <a:pPr algn="ctr"/>
+            <a:r>
+              <a:rPr lang="en-US" sz="2400" b="1" dirty="0" smtClean="0">
+                <a:solidFill>
+                  <a:schemeClr val="bg1"/>
+                </a:solidFill>
+                <a:effectLst>
+                  <a:outerShdw blurRad="38100" dist="38100" dir="2700000" algn="tl">
+                    <a:srgbClr val="000000">
+                      <a:alpha val="43137"/>
+                    </a:srgbClr>
+                  </a:outerShdw>
+                </a:effectLst>
+                <a:latin typeface="Bell MT" panose="02020503060305020303" pitchFamily="18" charset="0"/>
+              </a:rPr>
+              <a:t>by </a:t>
+            </a:r>
+            <a:r>
+              <a:rPr lang="en-US" sz="2400" b="1" dirty="0">
+                <a:solidFill>
+                  <a:schemeClr val="bg1"/>
+                </a:solidFill>
+                <a:effectLst>
+                  <a:outerShdw blurRad="38100" dist="38100" dir="2700000" algn="tl">
+                    <a:srgbClr val="000000">
+                      <a:alpha val="43137"/>
+                    </a:srgbClr>
+                  </a:outerShdw>
+                </a:effectLst>
+                <a:latin typeface="Bell MT" panose="02020503060305020303" pitchFamily="18" charset="0"/>
+              </a:rPr>
+              <a:t>municipality </a:t>
             </a:r>
           </a:p>
         </p:txBody>
       </p:sp>
       <p:sp>
         <p:nvSpPr>
-          <p:cNvPr id="6" name="ZoneTexte 5"/>
+          <p:cNvPr id="7" name="ZoneTexte 6"/>
           <p:cNvSpPr txBox="1"/>
           <p:nvPr/>
         </p:nvSpPr>
@@ -16144,7 +16199,7 @@
                 </a:solidFill>
                 <a:latin typeface="Bell MT" panose="02020503060305020303" pitchFamily="18" charset="0"/>
               </a:rPr>
-              <a:t>37.5% </a:t>
+              <a:t>55.1% </a:t>
             </a:r>
             <a:r>
               <a:rPr lang="en-US" sz="2000" b="1" dirty="0">
@@ -16192,7 +16247,7 @@
                 </a:solidFill>
                 <a:latin typeface="Bell MT" panose="02020503060305020303" pitchFamily="18" charset="0"/>
               </a:rPr>
-              <a:t> restaurant </a:t>
+              <a:t> </a:t>
             </a:r>
             <a:r>
               <a:rPr lang="en-US" sz="2000" b="1" dirty="0">
@@ -16201,17 +16256,8 @@
                 </a:solidFill>
                 <a:latin typeface="Bell MT" panose="02020503060305020303" pitchFamily="18" charset="0"/>
               </a:rPr>
-              <a:t>sector </a:t>
-            </a:r>
-            <a:endParaRPr lang="en-US" sz="2000" b="1" dirty="0" smtClean="0">
-              <a:solidFill>
-                <a:schemeClr val="bg1"/>
-              </a:solidFill>
-              <a:latin typeface="Bell MT" panose="02020503060305020303" pitchFamily="18" charset="0"/>
-            </a:endParaRPr>
-          </a:p>
-          <a:p>
-            <a:pPr algn="ctr"/>
+              <a:t>health sector are located in </a:t>
+            </a:r>
             <a:r>
               <a:rPr lang="en-US" sz="2000" b="1" dirty="0" smtClean="0">
                 <a:solidFill>
@@ -16219,17 +16265,23 @@
                 </a:solidFill>
                 <a:latin typeface="Bell MT" panose="02020503060305020303" pitchFamily="18" charset="0"/>
               </a:rPr>
-              <a:t>are </a:t>
-            </a:r>
-            <a:r>
-              <a:rPr lang="en-US" sz="2000" b="1" dirty="0">
+              <a:t>Port-au-Prince,</a:t>
+            </a:r>
+          </a:p>
+          <a:p>
+            <a:pPr algn="ctr"/>
+            <a:r>
+              <a:rPr lang="en-US" sz="2000" b="1" dirty="0" smtClean="0">
                 <a:solidFill>
                   <a:schemeClr val="bg1"/>
                 </a:solidFill>
                 <a:latin typeface="Bell MT" panose="02020503060305020303" pitchFamily="18" charset="0"/>
               </a:rPr>
-              <a:t>located in </a:t>
-            </a:r>
+              <a:t>22.7% in Petion-Ville,</a:t>
+            </a:r>
+          </a:p>
+          <a:p>
+            <a:pPr algn="ctr"/>
             <a:r>
               <a:rPr lang="en-US" sz="2000" b="1" dirty="0" smtClean="0">
                 <a:solidFill>
@@ -16237,28 +16289,16 @@
                 </a:solidFill>
                 <a:latin typeface="Bell MT" panose="02020503060305020303" pitchFamily="18" charset="0"/>
               </a:rPr>
-              <a:t>Petion-Ville,</a:t>
-            </a:r>
-          </a:p>
-          <a:p>
-            <a:pPr algn="ctr"/>
-            <a:r>
-              <a:rPr lang="en-US" sz="2000" b="1" dirty="0" smtClean="0">
+              <a:t> 9.7% in </a:t>
+            </a:r>
+            <a:r>
+              <a:rPr lang="en-US" sz="2000" b="1" dirty="0" err="1" smtClean="0">
                 <a:solidFill>
                   <a:schemeClr val="bg1"/>
                 </a:solidFill>
                 <a:latin typeface="Bell MT" panose="02020503060305020303" pitchFamily="18" charset="0"/>
               </a:rPr>
-              <a:t>18.8% in </a:t>
-            </a:r>
-            <a:r>
-              <a:rPr lang="en-US" sz="2000" b="1" dirty="0" err="1" smtClean="0">
-                <a:solidFill>
-                  <a:schemeClr val="bg1"/>
-                </a:solidFill>
-                <a:latin typeface="Bell MT" panose="02020503060305020303" pitchFamily="18" charset="0"/>
-              </a:rPr>
-              <a:t>Port-au-prince</a:t>
+              <a:t>Delmas</a:t>
             </a:r>
             <a:r>
               <a:rPr lang="en-US" sz="2000" b="1" dirty="0" smtClean="0">
@@ -16279,85 +16319,19 @@
                 </a:solidFill>
                 <a:latin typeface="Bell MT" panose="02020503060305020303" pitchFamily="18" charset="0"/>
               </a:rPr>
-              <a:t> 9.7% in </a:t>
-            </a:r>
-            <a:r>
-              <a:rPr lang="en-US" sz="2000" b="1" dirty="0" err="1" smtClean="0">
+              <a:t> 3.4% in Carrefour,</a:t>
+            </a:r>
+          </a:p>
+          <a:p>
+            <a:pPr algn="ctr"/>
+            <a:r>
+              <a:rPr lang="en-US" sz="2000" b="1" dirty="0" smtClean="0">
                 <a:solidFill>
                   <a:schemeClr val="bg1"/>
                 </a:solidFill>
                 <a:latin typeface="Bell MT" panose="02020503060305020303" pitchFamily="18" charset="0"/>
               </a:rPr>
-              <a:t>Delmas</a:t>
-            </a:r>
-            <a:r>
-              <a:rPr lang="en-US" sz="2000" b="1" dirty="0" smtClean="0">
-                <a:solidFill>
-                  <a:schemeClr val="bg1"/>
-                </a:solidFill>
-                <a:latin typeface="Bell MT" panose="02020503060305020303" pitchFamily="18" charset="0"/>
-              </a:rPr>
-              <a:t>,</a:t>
-            </a:r>
-          </a:p>
-          <a:p>
-            <a:pPr algn="ctr"/>
-            <a:r>
-              <a:rPr lang="en-US" sz="2000" b="1" dirty="0" smtClean="0">
-                <a:solidFill>
-                  <a:schemeClr val="bg1"/>
-                </a:solidFill>
-                <a:latin typeface="Bell MT" panose="02020503060305020303" pitchFamily="18" charset="0"/>
-              </a:rPr>
-              <a:t> 6.9% in </a:t>
-            </a:r>
-            <a:r>
-              <a:rPr lang="en-US" sz="2000" b="1" dirty="0" err="1" smtClean="0">
-                <a:solidFill>
-                  <a:schemeClr val="bg1"/>
-                </a:solidFill>
-                <a:latin typeface="Bell MT" panose="02020503060305020303" pitchFamily="18" charset="0"/>
-              </a:rPr>
-              <a:t>Jacmel</a:t>
-            </a:r>
-            <a:r>
-              <a:rPr lang="en-US" sz="2000" b="1" dirty="0" smtClean="0">
-                <a:solidFill>
-                  <a:schemeClr val="bg1"/>
-                </a:solidFill>
-                <a:latin typeface="Bell MT" panose="02020503060305020303" pitchFamily="18" charset="0"/>
-              </a:rPr>
-              <a:t>,</a:t>
-            </a:r>
-          </a:p>
-          <a:p>
-            <a:pPr algn="ctr"/>
-            <a:r>
-              <a:rPr lang="en-US" sz="2000" b="1" dirty="0" smtClean="0">
-                <a:solidFill>
-                  <a:schemeClr val="bg1"/>
-                </a:solidFill>
-                <a:latin typeface="Bell MT" panose="02020503060305020303" pitchFamily="18" charset="0"/>
-              </a:rPr>
-              <a:t>6.7% in Cap-</a:t>
-            </a:r>
-            <a:r>
-              <a:rPr lang="en-US" sz="2000" b="1" dirty="0" err="1" smtClean="0">
-                <a:solidFill>
-                  <a:schemeClr val="bg1"/>
-                </a:solidFill>
-                <a:latin typeface="Bell MT" panose="02020503060305020303" pitchFamily="18" charset="0"/>
-              </a:rPr>
-              <a:t>Haïtien</a:t>
-            </a:r>
-            <a:r>
-              <a:rPr lang="en-US" sz="2000" b="1" dirty="0" smtClean="0">
-                <a:solidFill>
-                  <a:schemeClr val="bg1"/>
-                </a:solidFill>
-                <a:latin typeface="Bell MT" panose="02020503060305020303" pitchFamily="18" charset="0"/>
-              </a:rPr>
-              <a:t>.</a:t>
+              <a:t>2.6% in Tabarre.</a:t>
             </a:r>
           </a:p>
           <a:p>
@@ -16390,7 +16364,7 @@
                 </a:solidFill>
                 <a:latin typeface="Bell MT" panose="02020503060305020303" pitchFamily="18" charset="0"/>
               </a:rPr>
-              <a:t>in the restaurant sector business</a:t>
+              <a:t>in the health sector business</a:t>
             </a:r>
           </a:p>
           <a:p>
@@ -16406,7 +16380,7 @@
     </p:spTree>
     <p:extLst>
       <p:ext uri="{BB962C8B-B14F-4D97-AF65-F5344CB8AC3E}">
-        <p14:creationId xmlns:p14="http://schemas.microsoft.com/office/powerpoint/2010/main" val="2247307957"/>
+        <p14:creationId xmlns:p14="http://schemas.microsoft.com/office/powerpoint/2010/main" val="94561202"/>
       </p:ext>
     </p:extLst>
   </p:cSld>
@@ -16497,14 +16471,14 @@
       </p:pic>
       <p:sp>
         <p:nvSpPr>
-          <p:cNvPr id="4" name="ZoneTexte 3"/>
+          <p:cNvPr id="5" name="ZoneTexte 4"/>
           <p:cNvSpPr txBox="1"/>
           <p:nvPr/>
         </p:nvSpPr>
         <p:spPr>
           <a:xfrm>
-            <a:off x="322992" y="401781"/>
-            <a:ext cx="4092274" cy="1200329"/>
+            <a:off x="484123" y="401781"/>
+            <a:ext cx="3770007" cy="1200329"/>
           </a:xfrm>
           <a:prstGeom prst="rect">
             <a:avLst/>
@@ -16546,7 +16520,7 @@
                 </a:solidFill>
                 <a:latin typeface="Bell MT" panose="02020503060305020303" pitchFamily="18" charset="0"/>
               </a:rPr>
-              <a:t> construction sector business</a:t>
+              <a:t> restaurant sector business</a:t>
             </a:r>
             <a:endParaRPr lang="en-US" sz="2400" b="1" dirty="0">
               <a:solidFill>
@@ -16571,7 +16545,7 @@
       </p:sp>
       <p:sp>
         <p:nvSpPr>
-          <p:cNvPr id="5" name="ZoneTexte 4"/>
+          <p:cNvPr id="6" name="ZoneTexte 5"/>
           <p:cNvSpPr txBox="1"/>
           <p:nvPr/>
         </p:nvSpPr>
@@ -16599,7 +16573,7 @@
                 </a:solidFill>
                 <a:latin typeface="Bell MT" panose="02020503060305020303" pitchFamily="18" charset="0"/>
               </a:rPr>
-              <a:t>29.3% </a:t>
+              <a:t>37.5% </a:t>
             </a:r>
             <a:r>
               <a:rPr lang="en-US" sz="2000" b="1" dirty="0">
@@ -16647,7 +16621,7 @@
                 </a:solidFill>
                 <a:latin typeface="Bell MT" panose="02020503060305020303" pitchFamily="18" charset="0"/>
               </a:rPr>
-              <a:t> construction </a:t>
+              <a:t> restaurant </a:t>
             </a:r>
             <a:r>
               <a:rPr lang="en-US" sz="2000" b="1" dirty="0">
@@ -16704,7 +16678,7 @@
                 </a:solidFill>
                 <a:latin typeface="Bell MT" panose="02020503060305020303" pitchFamily="18" charset="0"/>
               </a:rPr>
-              <a:t>28.2% in </a:t>
+              <a:t>18.8% in </a:t>
             </a:r>
             <a:r>
               <a:rPr lang="en-US" sz="2000" b="1" dirty="0" err="1" smtClean="0">
@@ -16734,7 +16708,7 @@
                 </a:solidFill>
                 <a:latin typeface="Bell MT" panose="02020503060305020303" pitchFamily="18" charset="0"/>
               </a:rPr>
-              <a:t> 15.3% in </a:t>
+              <a:t> 9.7% in </a:t>
             </a:r>
             <a:r>
               <a:rPr lang="en-US" sz="2000" b="1" dirty="0" err="1" smtClean="0">
@@ -16764,19 +16738,55 @@
                 </a:solidFill>
                 <a:latin typeface="Bell MT" panose="02020503060305020303" pitchFamily="18" charset="0"/>
               </a:rPr>
-              <a:t> 9.8% in Tabarre,</a:t>
-            </a:r>
-          </a:p>
-          <a:p>
-            <a:pPr algn="ctr"/>
-            <a:r>
-              <a:rPr lang="en-US" sz="2000" b="1" dirty="0" smtClean="0">
+              <a:t> 6.9% in </a:t>
+            </a:r>
+            <a:r>
+              <a:rPr lang="en-US" sz="2000" b="1" dirty="0" err="1" smtClean="0">
                 <a:solidFill>
                   <a:schemeClr val="bg1"/>
                 </a:solidFill>
                 <a:latin typeface="Bell MT" panose="02020503060305020303" pitchFamily="18" charset="0"/>
               </a:rPr>
-              <a:t>3.8% in Carrefour.</a:t>
+              <a:t>Jacmel</a:t>
+            </a:r>
+            <a:r>
+              <a:rPr lang="en-US" sz="2000" b="1" dirty="0" smtClean="0">
+                <a:solidFill>
+                  <a:schemeClr val="bg1"/>
+                </a:solidFill>
+                <a:latin typeface="Bell MT" panose="02020503060305020303" pitchFamily="18" charset="0"/>
+              </a:rPr>
+              <a:t>,</a:t>
+            </a:r>
+          </a:p>
+          <a:p>
+            <a:pPr algn="ctr"/>
+            <a:r>
+              <a:rPr lang="en-US" sz="2000" b="1" dirty="0" smtClean="0">
+                <a:solidFill>
+                  <a:schemeClr val="bg1"/>
+                </a:solidFill>
+                <a:latin typeface="Bell MT" panose="02020503060305020303" pitchFamily="18" charset="0"/>
+              </a:rPr>
+              <a:t>6.7% in Cap-</a:t>
+            </a:r>
+            <a:r>
+              <a:rPr lang="en-US" sz="2000" b="1" dirty="0" err="1" smtClean="0">
+                <a:solidFill>
+                  <a:schemeClr val="bg1"/>
+                </a:solidFill>
+                <a:latin typeface="Bell MT" panose="02020503060305020303" pitchFamily="18" charset="0"/>
+              </a:rPr>
+              <a:t>Haïtien</a:t>
+            </a:r>
+            <a:r>
+              <a:rPr lang="en-US" sz="2000" b="1" dirty="0" smtClean="0">
+                <a:solidFill>
+                  <a:schemeClr val="bg1"/>
+                </a:solidFill>
+                <a:latin typeface="Bell MT" panose="02020503060305020303" pitchFamily="18" charset="0"/>
+              </a:rPr>
+              <a:t>.</a:t>
             </a:r>
           </a:p>
           <a:p>
@@ -16809,7 +16819,7 @@
                 </a:solidFill>
                 <a:latin typeface="Bell MT" panose="02020503060305020303" pitchFamily="18" charset="0"/>
               </a:rPr>
-              <a:t>in the construction sector business</a:t>
+              <a:t>in the restaurant sector business</a:t>
             </a:r>
           </a:p>
           <a:p>
@@ -16825,7 +16835,7 @@
     </p:spTree>
     <p:extLst>
       <p:ext uri="{BB962C8B-B14F-4D97-AF65-F5344CB8AC3E}">
-        <p14:creationId xmlns:p14="http://schemas.microsoft.com/office/powerpoint/2010/main" val="3425357356"/>
+        <p14:creationId xmlns:p14="http://schemas.microsoft.com/office/powerpoint/2010/main" val="2247307957"/>
       </p:ext>
     </p:extLst>
   </p:cSld>
@@ -16906,8 +16916,8 @@
         </p:blipFill>
         <p:spPr>
           <a:xfrm>
-            <a:off x="4752108" y="0"/>
-            <a:ext cx="7439891" cy="6858000"/>
+            <a:off x="4738255" y="0"/>
+            <a:ext cx="7453744" cy="6858000"/>
           </a:xfrm>
           <a:prstGeom prst="rect">
             <a:avLst/>
@@ -16922,8 +16932,82 @@
         </p:nvSpPr>
         <p:spPr>
           <a:xfrm>
-            <a:off x="0" y="401781"/>
-            <a:ext cx="4752108" cy="1200329"/>
+            <a:off x="322992" y="401781"/>
+            <a:ext cx="4092274" cy="1200329"/>
+          </a:xfrm>
+          <a:prstGeom prst="rect">
+            <a:avLst/>
+          </a:prstGeom>
+          <a:noFill/>
+        </p:spPr>
+        <p:txBody>
+          <a:bodyPr wrap="none" rtlCol="0">
+            <a:spAutoFit/>
+          </a:bodyPr>
+          <a:lstStyle/>
+          <a:p>
+            <a:pPr algn="ctr"/>
+            <a:r>
+              <a:rPr lang="en-US" sz="2400" b="1" dirty="0">
+                <a:solidFill>
+                  <a:schemeClr val="bg1"/>
+                </a:solidFill>
+                <a:latin typeface="Bell MT" panose="02020503060305020303" pitchFamily="18" charset="0"/>
+              </a:rPr>
+              <a:t>Distribution </a:t>
+            </a:r>
+            <a:r>
+              <a:rPr lang="en-US" sz="2400" b="1" dirty="0" smtClean="0">
+                <a:solidFill>
+                  <a:schemeClr val="bg1"/>
+                </a:solidFill>
+                <a:latin typeface="Bell MT" panose="02020503060305020303" pitchFamily="18" charset="0"/>
+              </a:rPr>
+              <a:t>of</a:t>
+            </a:r>
+          </a:p>
+          <a:p>
+            <a:pPr algn="ctr"/>
+            <a:r>
+              <a:rPr lang="en-US" sz="2400" b="1" dirty="0" smtClean="0">
+                <a:solidFill>
+                  <a:schemeClr val="bg1"/>
+                </a:solidFill>
+                <a:latin typeface="Bell MT" panose="02020503060305020303" pitchFamily="18" charset="0"/>
+              </a:rPr>
+              <a:t> construction sector business</a:t>
+            </a:r>
+            <a:endParaRPr lang="en-US" sz="2400" b="1" dirty="0">
+              <a:solidFill>
+                <a:schemeClr val="bg1"/>
+              </a:solidFill>
+              <a:latin typeface="Bell MT" panose="02020503060305020303" pitchFamily="18" charset="0"/>
+            </a:endParaRPr>
+          </a:p>
+          <a:p>
+            <a:pPr algn="ctr"/>
+            <a:r>
+              <a:rPr lang="en-US" sz="2400" b="1" dirty="0">
+                <a:solidFill>
+                  <a:schemeClr val="bg1"/>
+                </a:solidFill>
+                <a:latin typeface="Bell MT" panose="02020503060305020303" pitchFamily="18" charset="0"/>
+              </a:rPr>
+              <a:t>by municipality </a:t>
+            </a:r>
+          </a:p>
+        </p:txBody>
+      </p:sp>
+      <p:sp>
+        <p:nvSpPr>
+          <p:cNvPr id="5" name="ZoneTexte 4"/>
+          <p:cNvSpPr txBox="1"/>
+          <p:nvPr/>
+        </p:nvSpPr>
+        <p:spPr>
+          <a:xfrm>
+            <a:off x="0" y="2648634"/>
+            <a:ext cx="4738254" cy="3447098"/>
           </a:xfrm>
           <a:prstGeom prst="rect">
             <a:avLst/>
@@ -16938,78 +17022,13 @@
           <a:p>
             <a:pPr algn="ctr"/>
             <a:r>
-              <a:rPr lang="en-US" sz="2400" b="1" dirty="0">
+              <a:rPr lang="en-US" sz="2000" b="1" dirty="0" smtClean="0">
                 <a:solidFill>
                   <a:schemeClr val="bg1"/>
                 </a:solidFill>
                 <a:latin typeface="Bell MT" panose="02020503060305020303" pitchFamily="18" charset="0"/>
               </a:rPr>
-              <a:t>Distribution </a:t>
-            </a:r>
-            <a:r>
-              <a:rPr lang="en-US" sz="2400" b="1" dirty="0" smtClean="0">
-                <a:solidFill>
-                  <a:schemeClr val="bg1"/>
-                </a:solidFill>
-                <a:latin typeface="Bell MT" panose="02020503060305020303" pitchFamily="18" charset="0"/>
-              </a:rPr>
-              <a:t>of</a:t>
-            </a:r>
-          </a:p>
-          <a:p>
-            <a:pPr algn="ctr"/>
-            <a:r>
-              <a:rPr lang="en-US" sz="2400" b="1" dirty="0" smtClean="0">
-                <a:solidFill>
-                  <a:schemeClr val="bg1"/>
-                </a:solidFill>
-                <a:latin typeface="Bell MT" panose="02020503060305020303" pitchFamily="18" charset="0"/>
-              </a:rPr>
-              <a:t> professional services sector business by </a:t>
-            </a:r>
-            <a:r>
-              <a:rPr lang="en-US" sz="2400" b="1" dirty="0">
-                <a:solidFill>
-                  <a:schemeClr val="bg1"/>
-                </a:solidFill>
-                <a:latin typeface="Bell MT" panose="02020503060305020303" pitchFamily="18" charset="0"/>
-              </a:rPr>
-              <a:t>municipality </a:t>
-            </a:r>
-          </a:p>
-        </p:txBody>
-      </p:sp>
-      <p:sp>
-        <p:nvSpPr>
-          <p:cNvPr id="5" name="ZoneTexte 4"/>
-          <p:cNvSpPr txBox="1"/>
-          <p:nvPr/>
-        </p:nvSpPr>
-        <p:spPr>
-          <a:xfrm>
-            <a:off x="0" y="2648634"/>
-            <a:ext cx="4738254" cy="3754874"/>
-          </a:xfrm>
-          <a:prstGeom prst="rect">
-            <a:avLst/>
-          </a:prstGeom>
-          <a:noFill/>
-        </p:spPr>
-        <p:txBody>
-          <a:bodyPr wrap="square" rtlCol="0">
-            <a:spAutoFit/>
-          </a:bodyPr>
-          <a:lstStyle/>
-          <a:p>
-            <a:pPr algn="ctr"/>
-            <a:r>
-              <a:rPr lang="en-US" sz="2000" b="1" dirty="0" smtClean="0">
-                <a:solidFill>
-                  <a:schemeClr val="bg1"/>
-                </a:solidFill>
-                <a:latin typeface="Bell MT" panose="02020503060305020303" pitchFamily="18" charset="0"/>
-              </a:rPr>
-              <a:t>50.3% </a:t>
+              <a:t>29.3% </a:t>
             </a:r>
             <a:r>
               <a:rPr lang="en-US" sz="2000" b="1" dirty="0">
@@ -17057,28 +17076,43 @@
                 </a:solidFill>
                 <a:latin typeface="Bell MT" panose="02020503060305020303" pitchFamily="18" charset="0"/>
               </a:rPr>
-              <a:t> professional services sector</a:t>
-            </a:r>
-          </a:p>
-          <a:p>
-            <a:pPr algn="ctr"/>
-            <a:r>
-              <a:rPr lang="en-US" sz="2000" b="1" dirty="0" smtClean="0">
+              <a:t> construction </a:t>
+            </a:r>
+            <a:r>
+              <a:rPr lang="en-US" sz="2000" b="1" dirty="0">
                 <a:solidFill>
                   <a:schemeClr val="bg1"/>
                 </a:solidFill>
                 <a:latin typeface="Bell MT" panose="02020503060305020303" pitchFamily="18" charset="0"/>
               </a:rPr>
-              <a:t> </a:t>
-            </a:r>
-            <a:r>
-              <a:rPr lang="en-US" sz="2000" b="1" dirty="0">
+              <a:t>sector </a:t>
+            </a:r>
+            <a:endParaRPr lang="en-US" sz="2000" b="1" dirty="0" smtClean="0">
+              <a:solidFill>
+                <a:schemeClr val="bg1"/>
+              </a:solidFill>
+              <a:latin typeface="Bell MT" panose="02020503060305020303" pitchFamily="18" charset="0"/>
+            </a:endParaRPr>
+          </a:p>
+          <a:p>
+            <a:pPr algn="ctr"/>
+            <a:r>
+              <a:rPr lang="en-US" sz="2000" b="1" dirty="0" smtClean="0">
                 <a:solidFill>
                   <a:schemeClr val="bg1"/>
                 </a:solidFill>
                 <a:latin typeface="Bell MT" panose="02020503060305020303" pitchFamily="18" charset="0"/>
               </a:rPr>
-              <a:t>are located in </a:t>
+              <a:t>are </a:t>
+            </a:r>
+            <a:r>
+              <a:rPr lang="en-US" sz="2000" b="1" dirty="0">
+                <a:solidFill>
+                  <a:schemeClr val="bg1"/>
+                </a:solidFill>
+                <a:latin typeface="Bell MT" panose="02020503060305020303" pitchFamily="18" charset="0"/>
+              </a:rPr>
+              <a:t>located in </a:t>
             </a:r>
             <a:r>
               <a:rPr lang="en-US" sz="2000" b="1" dirty="0" smtClean="0">
@@ -17099,7 +17133,7 @@
                 </a:solidFill>
                 <a:latin typeface="Bell MT" panose="02020503060305020303" pitchFamily="18" charset="0"/>
               </a:rPr>
-              <a:t>29.8% in </a:t>
+              <a:t>28.2% in </a:t>
             </a:r>
             <a:r>
               <a:rPr lang="en-US" sz="2000" b="1" dirty="0" err="1" smtClean="0">
@@ -17129,7 +17163,7 @@
                 </a:solidFill>
                 <a:latin typeface="Bell MT" panose="02020503060305020303" pitchFamily="18" charset="0"/>
               </a:rPr>
-              <a:t> 8.9% in </a:t>
+              <a:t> 15.3% in </a:t>
             </a:r>
             <a:r>
               <a:rPr lang="en-US" sz="2000" b="1" dirty="0" err="1" smtClean="0">
@@ -17159,55 +17193,19 @@
                 </a:solidFill>
                 <a:latin typeface="Bell MT" panose="02020503060305020303" pitchFamily="18" charset="0"/>
               </a:rPr>
-              <a:t> 3.3% in Cap-</a:t>
-            </a:r>
-            <a:r>
-              <a:rPr lang="en-US" sz="2000" b="1" dirty="0" err="1" smtClean="0">
+              <a:t> 9.8% in Tabarre,</a:t>
+            </a:r>
+          </a:p>
+          <a:p>
+            <a:pPr algn="ctr"/>
+            <a:r>
+              <a:rPr lang="en-US" sz="2000" b="1" dirty="0" smtClean="0">
                 <a:solidFill>
                   <a:schemeClr val="bg1"/>
                 </a:solidFill>
                 <a:latin typeface="Bell MT" panose="02020503060305020303" pitchFamily="18" charset="0"/>
               </a:rPr>
-              <a:t>Haïtien</a:t>
-            </a:r>
-            <a:r>
-              <a:rPr lang="en-US" sz="2000" b="1" dirty="0" smtClean="0">
-                <a:solidFill>
-                  <a:schemeClr val="bg1"/>
-                </a:solidFill>
-                <a:latin typeface="Bell MT" panose="02020503060305020303" pitchFamily="18" charset="0"/>
-              </a:rPr>
-              <a:t>,</a:t>
-            </a:r>
-          </a:p>
-          <a:p>
-            <a:pPr algn="ctr"/>
-            <a:r>
-              <a:rPr lang="en-US" sz="2000" b="1" dirty="0" smtClean="0">
-                <a:solidFill>
-                  <a:schemeClr val="bg1"/>
-                </a:solidFill>
-                <a:latin typeface="Bell MT" panose="02020503060305020303" pitchFamily="18" charset="0"/>
-              </a:rPr>
-              <a:t>1.5% in </a:t>
-            </a:r>
-            <a:r>
-              <a:rPr lang="en-US" sz="2000" b="1" dirty="0" err="1" smtClean="0">
-                <a:solidFill>
-                  <a:schemeClr val="bg1"/>
-                </a:solidFill>
-                <a:latin typeface="Bell MT" panose="02020503060305020303" pitchFamily="18" charset="0"/>
-              </a:rPr>
-              <a:t>Jacmel</a:t>
-            </a:r>
-            <a:r>
-              <a:rPr lang="en-US" sz="2000" b="1" dirty="0" smtClean="0">
-                <a:solidFill>
-                  <a:schemeClr val="bg1"/>
-                </a:solidFill>
-                <a:latin typeface="Bell MT" panose="02020503060305020303" pitchFamily="18" charset="0"/>
-              </a:rPr>
-              <a:t>.</a:t>
+              <a:t>3.8% in Carrefour.</a:t>
             </a:r>
           </a:p>
           <a:p>
@@ -17240,19 +17238,7 @@
                 </a:solidFill>
                 <a:latin typeface="Bell MT" panose="02020503060305020303" pitchFamily="18" charset="0"/>
               </a:rPr>
-              <a:t>in the professional services</a:t>
-            </a:r>
-          </a:p>
-          <a:p>
-            <a:pPr algn="ctr"/>
-            <a:r>
-              <a:rPr lang="en-US" sz="2000" b="1" dirty="0" smtClean="0">
-                <a:solidFill>
-                  <a:schemeClr val="bg1"/>
-                </a:solidFill>
-                <a:latin typeface="Bell MT" panose="02020503060305020303" pitchFamily="18" charset="0"/>
-              </a:rPr>
-              <a:t> sector business</a:t>
+              <a:t>in the construction sector business</a:t>
             </a:r>
           </a:p>
           <a:p>
@@ -17268,7 +17254,7 @@
     </p:spTree>
     <p:extLst>
       <p:ext uri="{BB962C8B-B14F-4D97-AF65-F5344CB8AC3E}">
-        <p14:creationId xmlns:p14="http://schemas.microsoft.com/office/powerpoint/2010/main" val="1255242950"/>
+        <p14:creationId xmlns:p14="http://schemas.microsoft.com/office/powerpoint/2010/main" val="3425357356"/>
       </p:ext>
     </p:extLst>
   </p:cSld>
@@ -17349,7 +17335,7 @@
         </p:blipFill>
         <p:spPr>
           <a:xfrm>
-            <a:off x="4752109" y="0"/>
+            <a:off x="4752108" y="0"/>
             <a:ext cx="7439891" cy="6858000"/>
           </a:xfrm>
           <a:prstGeom prst="rect">
@@ -17408,7 +17394,7 @@
                 </a:solidFill>
                 <a:latin typeface="Bell MT" panose="02020503060305020303" pitchFamily="18" charset="0"/>
               </a:rPr>
-              <a:t> fashion sector business by </a:t>
+              <a:t> professional services sector business by </a:t>
             </a:r>
             <a:r>
               <a:rPr lang="en-US" sz="2400" b="1" dirty="0">
@@ -17431,7 +17417,7 @@
         <p:spPr>
           <a:xfrm>
             <a:off x="0" y="2648634"/>
-            <a:ext cx="4738254" cy="3447098"/>
+            <a:ext cx="4738254" cy="3754874"/>
           </a:xfrm>
           <a:prstGeom prst="rect">
             <a:avLst/>
@@ -17452,7 +17438,7 @@
                 </a:solidFill>
                 <a:latin typeface="Bell MT" panose="02020503060305020303" pitchFamily="18" charset="0"/>
               </a:rPr>
-              <a:t>59.8% </a:t>
+              <a:t>50.3% </a:t>
             </a:r>
             <a:r>
               <a:rPr lang="en-US" sz="2000" b="1" dirty="0">
@@ -17500,7 +17486,7 @@
                 </a:solidFill>
                 <a:latin typeface="Bell MT" panose="02020503060305020303" pitchFamily="18" charset="0"/>
               </a:rPr>
-              <a:t> fashion sector</a:t>
+              <a:t> professional services sector</a:t>
             </a:r>
           </a:p>
           <a:p>
@@ -17542,7 +17528,7 @@
                 </a:solidFill>
                 <a:latin typeface="Bell MT" panose="02020503060305020303" pitchFamily="18" charset="0"/>
               </a:rPr>
-              <a:t>19.6% in </a:t>
+              <a:t>29.8% in </a:t>
             </a:r>
             <a:r>
               <a:rPr lang="en-US" sz="2000" b="1" dirty="0" err="1" smtClean="0">
@@ -17572,7 +17558,7 @@
                 </a:solidFill>
                 <a:latin typeface="Bell MT" panose="02020503060305020303" pitchFamily="18" charset="0"/>
               </a:rPr>
-              <a:t> 12.6% in </a:t>
+              <a:t> 8.9% in </a:t>
             </a:r>
             <a:r>
               <a:rPr lang="en-US" sz="2000" b="1" dirty="0" err="1" smtClean="0">
@@ -17602,19 +17588,55 @@
                 </a:solidFill>
                 <a:latin typeface="Bell MT" panose="02020503060305020303" pitchFamily="18" charset="0"/>
               </a:rPr>
-              <a:t> 3.1% in Tabarre,</a:t>
-            </a:r>
-          </a:p>
-          <a:p>
-            <a:pPr algn="ctr"/>
-            <a:r>
-              <a:rPr lang="en-US" sz="2000" b="1" dirty="0" smtClean="0">
+              <a:t> 3.3% in Cap-</a:t>
+            </a:r>
+            <a:r>
+              <a:rPr lang="en-US" sz="2000" b="1" dirty="0" err="1" smtClean="0">
                 <a:solidFill>
                   <a:schemeClr val="bg1"/>
                 </a:solidFill>
                 <a:latin typeface="Bell MT" panose="02020503060305020303" pitchFamily="18" charset="0"/>
               </a:rPr>
-              <a:t>1.5% in Carrefour.</a:t>
+              <a:t>Haïtien</a:t>
+            </a:r>
+            <a:r>
+              <a:rPr lang="en-US" sz="2000" b="1" dirty="0" smtClean="0">
+                <a:solidFill>
+                  <a:schemeClr val="bg1"/>
+                </a:solidFill>
+                <a:latin typeface="Bell MT" panose="02020503060305020303" pitchFamily="18" charset="0"/>
+              </a:rPr>
+              <a:t>,</a:t>
+            </a:r>
+          </a:p>
+          <a:p>
+            <a:pPr algn="ctr"/>
+            <a:r>
+              <a:rPr lang="en-US" sz="2000" b="1" dirty="0" smtClean="0">
+                <a:solidFill>
+                  <a:schemeClr val="bg1"/>
+                </a:solidFill>
+                <a:latin typeface="Bell MT" panose="02020503060305020303" pitchFamily="18" charset="0"/>
+              </a:rPr>
+              <a:t>1.5% in </a:t>
+            </a:r>
+            <a:r>
+              <a:rPr lang="en-US" sz="2000" b="1" dirty="0" err="1" smtClean="0">
+                <a:solidFill>
+                  <a:schemeClr val="bg1"/>
+                </a:solidFill>
+                <a:latin typeface="Bell MT" panose="02020503060305020303" pitchFamily="18" charset="0"/>
+              </a:rPr>
+              <a:t>Jacmel</a:t>
+            </a:r>
+            <a:r>
+              <a:rPr lang="en-US" sz="2000" b="1" dirty="0" smtClean="0">
+                <a:solidFill>
+                  <a:schemeClr val="bg1"/>
+                </a:solidFill>
+                <a:latin typeface="Bell MT" panose="02020503060305020303" pitchFamily="18" charset="0"/>
+              </a:rPr>
+              <a:t>.</a:t>
             </a:r>
           </a:p>
           <a:p>
@@ -17647,7 +17669,19 @@
                 </a:solidFill>
                 <a:latin typeface="Bell MT" panose="02020503060305020303" pitchFamily="18" charset="0"/>
               </a:rPr>
-              <a:t>in the fashion sector business</a:t>
+              <a:t>in the professional services</a:t>
+            </a:r>
+          </a:p>
+          <a:p>
+            <a:pPr algn="ctr"/>
+            <a:r>
+              <a:rPr lang="en-US" sz="2000" b="1" dirty="0" smtClean="0">
+                <a:solidFill>
+                  <a:schemeClr val="bg1"/>
+                </a:solidFill>
+                <a:latin typeface="Bell MT" panose="02020503060305020303" pitchFamily="18" charset="0"/>
+              </a:rPr>
+              <a:t> sector business</a:t>
             </a:r>
           </a:p>
           <a:p>
@@ -17663,7 +17697,7 @@
     </p:spTree>
     <p:extLst>
       <p:ext uri="{BB962C8B-B14F-4D97-AF65-F5344CB8AC3E}">
-        <p14:creationId xmlns:p14="http://schemas.microsoft.com/office/powerpoint/2010/main" val="265405303"/>
+        <p14:creationId xmlns:p14="http://schemas.microsoft.com/office/powerpoint/2010/main" val="1255242950"/>
       </p:ext>
     </p:extLst>
   </p:cSld>
@@ -17717,6 +17751,511 @@
               <a:rPr lang="fr-FR" noProof="0" smtClean="0"/>
               <a:pPr rtl="0"/>
               <a:t>14</a:t>
+            </a:fld>
+            <a:endParaRPr lang="fr-FR" noProof="0"/>
+          </a:p>
+        </p:txBody>
+      </p:sp>
+      <p:pic>
+        <p:nvPicPr>
+          <p:cNvPr id="3" name="Image 2"/>
+          <p:cNvPicPr>
+            <a:picLocks noChangeAspect="1"/>
+          </p:cNvPicPr>
+          <p:nvPr/>
+        </p:nvPicPr>
+        <p:blipFill>
+          <a:blip r:embed="rId2">
+            <a:extLst>
+              <a:ext uri="{28A0092B-C50C-407E-A947-70E740481C1C}">
+                <a14:useLocalDpi xmlns:a14="http://schemas.microsoft.com/office/drawing/2010/main" val="0"/>
+              </a:ext>
+            </a:extLst>
+          </a:blip>
+          <a:stretch>
+            <a:fillRect/>
+          </a:stretch>
+        </p:blipFill>
+        <p:spPr>
+          <a:xfrm>
+            <a:off x="4752109" y="0"/>
+            <a:ext cx="7439891" cy="6858000"/>
+          </a:xfrm>
+          <a:prstGeom prst="rect">
+            <a:avLst/>
+          </a:prstGeom>
+        </p:spPr>
+      </p:pic>
+      <p:sp>
+        <p:nvSpPr>
+          <p:cNvPr id="4" name="ZoneTexte 3"/>
+          <p:cNvSpPr txBox="1"/>
+          <p:nvPr/>
+        </p:nvSpPr>
+        <p:spPr>
+          <a:xfrm>
+            <a:off x="0" y="401781"/>
+            <a:ext cx="4752108" cy="1200329"/>
+          </a:xfrm>
+          <a:prstGeom prst="rect">
+            <a:avLst/>
+          </a:prstGeom>
+          <a:noFill/>
+        </p:spPr>
+        <p:txBody>
+          <a:bodyPr wrap="square" rtlCol="0">
+            <a:spAutoFit/>
+          </a:bodyPr>
+          <a:lstStyle/>
+          <a:p>
+            <a:pPr algn="ctr"/>
+            <a:r>
+              <a:rPr lang="en-US" sz="2400" b="1" dirty="0">
+                <a:solidFill>
+                  <a:schemeClr val="bg1"/>
+                </a:solidFill>
+                <a:latin typeface="Bell MT" panose="02020503060305020303" pitchFamily="18" charset="0"/>
+              </a:rPr>
+              <a:t>Distribution </a:t>
+            </a:r>
+            <a:r>
+              <a:rPr lang="en-US" sz="2400" b="1" dirty="0" smtClean="0">
+                <a:solidFill>
+                  <a:schemeClr val="bg1"/>
+                </a:solidFill>
+                <a:latin typeface="Bell MT" panose="02020503060305020303" pitchFamily="18" charset="0"/>
+              </a:rPr>
+              <a:t>of</a:t>
+            </a:r>
+          </a:p>
+          <a:p>
+            <a:pPr algn="ctr"/>
+            <a:r>
+              <a:rPr lang="en-US" sz="2400" b="1" dirty="0" smtClean="0">
+                <a:solidFill>
+                  <a:schemeClr val="bg1"/>
+                </a:solidFill>
+                <a:latin typeface="Bell MT" panose="02020503060305020303" pitchFamily="18" charset="0"/>
+              </a:rPr>
+              <a:t> fashion sector business by </a:t>
+            </a:r>
+            <a:r>
+              <a:rPr lang="en-US" sz="2400" b="1" dirty="0">
+                <a:solidFill>
+                  <a:schemeClr val="bg1"/>
+                </a:solidFill>
+                <a:latin typeface="Bell MT" panose="02020503060305020303" pitchFamily="18" charset="0"/>
+              </a:rPr>
+              <a:t>municipality </a:t>
+            </a:r>
+          </a:p>
+        </p:txBody>
+      </p:sp>
+      <p:sp>
+        <p:nvSpPr>
+          <p:cNvPr id="5" name="ZoneTexte 4"/>
+          <p:cNvSpPr txBox="1"/>
+          <p:nvPr/>
+        </p:nvSpPr>
+        <p:spPr>
+          <a:xfrm>
+            <a:off x="0" y="2648634"/>
+            <a:ext cx="4738254" cy="3447098"/>
+          </a:xfrm>
+          <a:prstGeom prst="rect">
+            <a:avLst/>
+          </a:prstGeom>
+          <a:noFill/>
+        </p:spPr>
+        <p:txBody>
+          <a:bodyPr wrap="square" rtlCol="0">
+            <a:spAutoFit/>
+          </a:bodyPr>
+          <a:lstStyle/>
+          <a:p>
+            <a:pPr algn="ctr"/>
+            <a:r>
+              <a:rPr lang="en-US" sz="2000" b="1" dirty="0" smtClean="0">
+                <a:solidFill>
+                  <a:schemeClr val="bg1"/>
+                </a:solidFill>
+                <a:latin typeface="Bell MT" panose="02020503060305020303" pitchFamily="18" charset="0"/>
+              </a:rPr>
+              <a:t>59.8% </a:t>
+            </a:r>
+            <a:r>
+              <a:rPr lang="en-US" sz="2000" b="1" dirty="0">
+                <a:solidFill>
+                  <a:schemeClr val="bg1"/>
+                </a:solidFill>
+                <a:latin typeface="Bell MT" panose="02020503060305020303" pitchFamily="18" charset="0"/>
+              </a:rPr>
+              <a:t>of </a:t>
+            </a:r>
+            <a:r>
+              <a:rPr lang="en-US" sz="2000" b="1" dirty="0" smtClean="0">
+                <a:solidFill>
+                  <a:schemeClr val="bg1"/>
+                </a:solidFill>
+                <a:latin typeface="Bell MT" panose="02020503060305020303" pitchFamily="18" charset="0"/>
+              </a:rPr>
+              <a:t>businesses </a:t>
+            </a:r>
+            <a:r>
+              <a:rPr lang="en-US" sz="2000" b="1" dirty="0">
+                <a:solidFill>
+                  <a:schemeClr val="bg1"/>
+                </a:solidFill>
+                <a:latin typeface="Bell MT" panose="02020503060305020303" pitchFamily="18" charset="0"/>
+              </a:rPr>
+              <a:t>in </a:t>
+            </a:r>
+            <a:r>
+              <a:rPr lang="en-US" sz="2000" b="1" dirty="0" smtClean="0">
+                <a:solidFill>
+                  <a:schemeClr val="bg1"/>
+                </a:solidFill>
+                <a:latin typeface="Bell MT" panose="02020503060305020303" pitchFamily="18" charset="0"/>
+              </a:rPr>
+              <a:t>the</a:t>
+            </a:r>
+          </a:p>
+          <a:p>
+            <a:pPr algn="ctr"/>
+            <a:r>
+              <a:rPr lang="en-US" sz="2000" b="1" dirty="0" smtClean="0">
+                <a:solidFill>
+                  <a:schemeClr val="bg1"/>
+                </a:solidFill>
+                <a:latin typeface="Bell MT" panose="02020503060305020303" pitchFamily="18" charset="0"/>
+              </a:rPr>
+              <a:t> fashion sector</a:t>
+            </a:r>
+          </a:p>
+          <a:p>
+            <a:pPr algn="ctr"/>
+            <a:r>
+              <a:rPr lang="en-US" sz="2000" b="1" dirty="0" smtClean="0">
+                <a:solidFill>
+                  <a:schemeClr val="bg1"/>
+                </a:solidFill>
+                <a:latin typeface="Bell MT" panose="02020503060305020303" pitchFamily="18" charset="0"/>
+              </a:rPr>
+              <a:t> </a:t>
+            </a:r>
+            <a:r>
+              <a:rPr lang="en-US" sz="2000" b="1" dirty="0">
+                <a:solidFill>
+                  <a:schemeClr val="bg1"/>
+                </a:solidFill>
+                <a:latin typeface="Bell MT" panose="02020503060305020303" pitchFamily="18" charset="0"/>
+              </a:rPr>
+              <a:t>are located in </a:t>
+            </a:r>
+            <a:r>
+              <a:rPr lang="en-US" sz="2000" b="1" dirty="0" smtClean="0">
+                <a:solidFill>
+                  <a:schemeClr val="bg1"/>
+                </a:solidFill>
+                <a:latin typeface="Bell MT" panose="02020503060305020303" pitchFamily="18" charset="0"/>
+              </a:rPr>
+              <a:t>Petion-Ville,</a:t>
+            </a:r>
+          </a:p>
+          <a:p>
+            <a:pPr algn="ctr"/>
+            <a:r>
+              <a:rPr lang="en-US" sz="2000" b="1" dirty="0" smtClean="0">
+                <a:solidFill>
+                  <a:schemeClr val="bg1"/>
+                </a:solidFill>
+                <a:latin typeface="Bell MT" panose="02020503060305020303" pitchFamily="18" charset="0"/>
+              </a:rPr>
+              <a:t>19.6% in </a:t>
+            </a:r>
+            <a:r>
+              <a:rPr lang="en-US" sz="2000" b="1" dirty="0" err="1" smtClean="0">
+                <a:solidFill>
+                  <a:schemeClr val="bg1"/>
+                </a:solidFill>
+                <a:latin typeface="Bell MT" panose="02020503060305020303" pitchFamily="18" charset="0"/>
+              </a:rPr>
+              <a:t>Port-au-prince</a:t>
+            </a:r>
+            <a:r>
+              <a:rPr lang="en-US" sz="2000" b="1" dirty="0" smtClean="0">
+                <a:solidFill>
+                  <a:schemeClr val="bg1"/>
+                </a:solidFill>
+                <a:latin typeface="Bell MT" panose="02020503060305020303" pitchFamily="18" charset="0"/>
+              </a:rPr>
+              <a:t>,</a:t>
+            </a:r>
+          </a:p>
+          <a:p>
+            <a:pPr algn="ctr"/>
+            <a:r>
+              <a:rPr lang="en-US" sz="2000" b="1" dirty="0" smtClean="0">
+                <a:solidFill>
+                  <a:schemeClr val="bg1"/>
+                </a:solidFill>
+                <a:latin typeface="Bell MT" panose="02020503060305020303" pitchFamily="18" charset="0"/>
+              </a:rPr>
+              <a:t> 12.6% in </a:t>
+            </a:r>
+            <a:r>
+              <a:rPr lang="en-US" sz="2000" b="1" dirty="0" err="1" smtClean="0">
+                <a:solidFill>
+                  <a:schemeClr val="bg1"/>
+                </a:solidFill>
+                <a:latin typeface="Bell MT" panose="02020503060305020303" pitchFamily="18" charset="0"/>
+              </a:rPr>
+              <a:t>Delmas</a:t>
+            </a:r>
+            <a:r>
+              <a:rPr lang="en-US" sz="2000" b="1" dirty="0" smtClean="0">
+                <a:solidFill>
+                  <a:schemeClr val="bg1"/>
+                </a:solidFill>
+                <a:latin typeface="Bell MT" panose="02020503060305020303" pitchFamily="18" charset="0"/>
+              </a:rPr>
+              <a:t>,</a:t>
+            </a:r>
+          </a:p>
+          <a:p>
+            <a:pPr algn="ctr"/>
+            <a:r>
+              <a:rPr lang="en-US" sz="2000" b="1" dirty="0" smtClean="0">
+                <a:solidFill>
+                  <a:schemeClr val="bg1"/>
+                </a:solidFill>
+                <a:latin typeface="Bell MT" panose="02020503060305020303" pitchFamily="18" charset="0"/>
+              </a:rPr>
+              <a:t> 3.1% in Tabarre,</a:t>
+            </a:r>
+          </a:p>
+          <a:p>
+            <a:pPr algn="ctr"/>
+            <a:r>
+              <a:rPr lang="en-US" sz="2000" b="1" dirty="0" smtClean="0">
+                <a:solidFill>
+                  <a:schemeClr val="bg1"/>
+                </a:solidFill>
+                <a:latin typeface="Bell MT" panose="02020503060305020303" pitchFamily="18" charset="0"/>
+              </a:rPr>
+              <a:t>1.5% in Carrefour.</a:t>
+            </a:r>
+          </a:p>
+          <a:p>
+            <a:pPr algn="ctr"/>
+            <a:endParaRPr lang="en-US" sz="2000" b="1" dirty="0">
+              <a:solidFill>
+                <a:schemeClr val="bg1"/>
+              </a:solidFill>
+              <a:latin typeface="Bell MT" panose="02020503060305020303" pitchFamily="18" charset="0"/>
+            </a:endParaRPr>
+          </a:p>
+          <a:p>
+            <a:pPr algn="ctr"/>
+            <a:r>
+              <a:rPr lang="en-US" sz="2000" b="1" dirty="0" smtClean="0">
+                <a:solidFill>
+                  <a:schemeClr val="bg1"/>
+                </a:solidFill>
+                <a:latin typeface="Bell MT" panose="02020503060305020303" pitchFamily="18" charset="0"/>
+              </a:rPr>
+              <a:t>These are the top 5 </a:t>
+            </a:r>
+          </a:p>
+          <a:p>
+            <a:pPr algn="ctr"/>
+            <a:r>
+              <a:rPr lang="en-US" sz="2000" b="1" dirty="0" smtClean="0">
+                <a:solidFill>
+                  <a:schemeClr val="bg1"/>
+                </a:solidFill>
+                <a:latin typeface="Bell MT" panose="02020503060305020303" pitchFamily="18" charset="0"/>
+              </a:rPr>
+              <a:t>in the fashion sector business</a:t>
+            </a:r>
+          </a:p>
+          <a:p>
+            <a:pPr algn="ctr"/>
+            <a:endParaRPr lang="en-US" dirty="0">
+              <a:solidFill>
+                <a:schemeClr val="bg1"/>
+              </a:solidFill>
+            </a:endParaRPr>
+          </a:p>
+        </p:txBody>
+      </p:sp>
+    </p:spTree>
+    <p:extLst>
+      <p:ext uri="{BB962C8B-B14F-4D97-AF65-F5344CB8AC3E}">
+        <p14:creationId xmlns:p14="http://schemas.microsoft.com/office/powerpoint/2010/main" val="265405303"/>
+      </p:ext>
+    </p:extLst>
+  </p:cSld>
+  <p:clrMapOvr>
+    <a:masterClrMapping/>
+  </p:clrMapOvr>
+  <p:timing>
+    <p:tnLst>
+      <p:par>
+        <p:cTn id="1" dur="indefinite" restart="never" nodeType="tmRoot"/>
+      </p:par>
+    </p:tnLst>
+  </p:timing>
+</p:sld>
+</file>
+
+<file path=ppt/slides/slide15.xml><?xml version="1.0" encoding="utf-8"?>
+<p:sld xmlns:a="http://schemas.openxmlformats.org/drawingml/2006/main" xmlns:r="http://schemas.openxmlformats.org/officeDocument/2006/relationships" xmlns:p="http://schemas.openxmlformats.org/presentationml/2006/main">
+  <p:cSld>
+    <p:spTree>
+      <p:nvGrpSpPr>
+        <p:cNvPr id="1" name=""/>
+        <p:cNvGrpSpPr/>
+        <p:nvPr/>
+      </p:nvGrpSpPr>
+      <p:grpSpPr>
+        <a:xfrm>
+          <a:off x="0" y="0"/>
+          <a:ext cx="0" cy="0"/>
+          <a:chOff x="0" y="0"/>
+          <a:chExt cx="0" cy="0"/>
+        </a:xfrm>
+      </p:grpSpPr>
+      <p:sp>
+        <p:nvSpPr>
+          <p:cNvPr id="2" name="Espace réservé du numéro de diapositive 1"/>
+          <p:cNvSpPr>
+            <a:spLocks noGrp="1"/>
+          </p:cNvSpPr>
+          <p:nvPr>
+            <p:ph type="sldNum" sz="quarter" idx="10"/>
+          </p:nvPr>
+        </p:nvSpPr>
+        <p:spPr/>
+        <p:txBody>
+          <a:bodyPr/>
+          <a:lstStyle/>
+          <a:p>
+            <a:pPr rtl="0"/>
+            <a:fld id="{D495E168-DA5E-4888-8D8A-92B118324C14}" type="slidenum">
+              <a:rPr lang="fr-FR" noProof="0" smtClean="0"/>
+              <a:pPr rtl="0"/>
+              <a:t>15</a:t>
+            </a:fld>
+            <a:endParaRPr lang="fr-FR" noProof="0"/>
+          </a:p>
+        </p:txBody>
+      </p:sp>
+      <p:sp>
+        <p:nvSpPr>
+          <p:cNvPr id="3" name="Titre 2"/>
+          <p:cNvSpPr>
+            <a:spLocks noGrp="1"/>
+          </p:cNvSpPr>
+          <p:nvPr>
+            <p:ph type="title"/>
+          </p:nvPr>
+        </p:nvSpPr>
+        <p:spPr>
+          <a:xfrm>
+            <a:off x="386105" y="1102545"/>
+            <a:ext cx="5056083" cy="782638"/>
+          </a:xfrm>
+        </p:spPr>
+        <p:txBody>
+          <a:bodyPr>
+            <a:noAutofit/>
+          </a:bodyPr>
+          <a:lstStyle/>
+          <a:p>
+            <a:r>
+              <a:rPr lang="en-US" sz="6000" dirty="0" smtClean="0">
+                <a:effectLst>
+                  <a:outerShdw blurRad="38100" dist="38100" dir="2700000" algn="tl">
+                    <a:srgbClr val="000000">
+                      <a:alpha val="43137"/>
+                    </a:srgbClr>
+                  </a:outerShdw>
+                </a:effectLst>
+                <a:latin typeface="Bell MT" panose="02020503060305020303" pitchFamily="18" charset="0"/>
+              </a:rPr>
+              <a:t>Observations</a:t>
+            </a:r>
+            <a:endParaRPr lang="en-US" sz="4400" dirty="0">
+              <a:effectLst>
+                <a:outerShdw blurRad="38100" dist="38100" dir="2700000" algn="tl">
+                  <a:srgbClr val="000000">
+                    <a:alpha val="43137"/>
+                  </a:srgbClr>
+                </a:outerShdw>
+              </a:effectLst>
+              <a:latin typeface="Bell MT" panose="02020503060305020303" pitchFamily="18" charset="0"/>
+            </a:endParaRPr>
+          </a:p>
+        </p:txBody>
+      </p:sp>
+    </p:spTree>
+    <p:extLst>
+      <p:ext uri="{BB962C8B-B14F-4D97-AF65-F5344CB8AC3E}">
+        <p14:creationId xmlns:p14="http://schemas.microsoft.com/office/powerpoint/2010/main" val="1709998660"/>
+      </p:ext>
+    </p:extLst>
+  </p:cSld>
+  <p:clrMapOvr>
+    <a:masterClrMapping/>
+  </p:clrMapOvr>
+  <p:timing>
+    <p:tnLst>
+      <p:par>
+        <p:cTn id="1" dur="indefinite" restart="never" nodeType="tmRoot"/>
+      </p:par>
+    </p:tnLst>
+  </p:timing>
+</p:sld>
+</file>
+
+<file path=ppt/slides/slide16.xml><?xml version="1.0" encoding="utf-8"?>
+<p:sld xmlns:a="http://schemas.openxmlformats.org/drawingml/2006/main" xmlns:r="http://schemas.openxmlformats.org/officeDocument/2006/relationships" xmlns:p="http://schemas.openxmlformats.org/presentationml/2006/main">
+  <p:cSld>
+    <p:spTree>
+      <p:nvGrpSpPr>
+        <p:cNvPr id="1" name=""/>
+        <p:cNvGrpSpPr/>
+        <p:nvPr/>
+      </p:nvGrpSpPr>
+      <p:grpSpPr>
+        <a:xfrm>
+          <a:off x="0" y="0"/>
+          <a:ext cx="0" cy="0"/>
+          <a:chOff x="0" y="0"/>
+          <a:chExt cx="0" cy="0"/>
+        </a:xfrm>
+      </p:grpSpPr>
+      <p:sp>
+        <p:nvSpPr>
+          <p:cNvPr id="2" name="Espace réservé du numéro de diapositive 1"/>
+          <p:cNvSpPr>
+            <a:spLocks noGrp="1"/>
+          </p:cNvSpPr>
+          <p:nvPr>
+            <p:ph type="sldNum" sz="quarter" idx="10"/>
+          </p:nvPr>
+        </p:nvSpPr>
+        <p:spPr/>
+        <p:txBody>
+          <a:bodyPr/>
+          <a:lstStyle/>
+          <a:p>
+            <a:pPr rtl="0"/>
+            <a:fld id="{D495E168-DA5E-4888-8D8A-92B118324C14}" type="slidenum">
+              <a:rPr lang="fr-FR" noProof="0" smtClean="0"/>
+              <a:pPr rtl="0"/>
+              <a:t>16</a:t>
             </a:fld>
             <a:endParaRPr lang="fr-FR" noProof="0"/>
           </a:p>
@@ -17841,7 +18380,7 @@
 </p:sld>
 </file>
 
-<file path=ppt/slides/slide15.xml><?xml version="1.0" encoding="utf-8"?>
+<file path=ppt/slides/slide17.xml><?xml version="1.0" encoding="utf-8"?>
 <p:sld xmlns:a="http://schemas.openxmlformats.org/drawingml/2006/main" xmlns:r="http://schemas.openxmlformats.org/officeDocument/2006/relationships" xmlns:p="http://schemas.openxmlformats.org/presentationml/2006/main">
   <p:cSld>
     <p:spTree>
@@ -18046,7 +18585,7 @@
             <a:fld id="{D495E168-DA5E-4888-8D8A-92B118324C14}" type="slidenum">
               <a:rPr lang="fr-FR" smtClean="0"/>
               <a:pPr rtl="0"/>
-              <a:t>15</a:t>
+              <a:t>17</a:t>
             </a:fld>
             <a:endParaRPr lang="fr-FR"/>
           </a:p>
@@ -18072,7 +18611,7 @@
 </p:sld>
 </file>
 
-<file path=ppt/slides/slide16.xml><?xml version="1.0" encoding="utf-8"?>
+<file path=ppt/slides/slide18.xml><?xml version="1.0" encoding="utf-8"?>
 <p:sld xmlns:a="http://schemas.openxmlformats.org/drawingml/2006/main" xmlns:r="http://schemas.openxmlformats.org/officeDocument/2006/relationships" xmlns:p="http://schemas.openxmlformats.org/presentationml/2006/main">
   <p:cSld>
     <p:spTree>
@@ -18607,7 +19146,7 @@
             <a:fld id="{D495E168-DA5E-4888-8D8A-92B118324C14}" type="slidenum">
               <a:rPr lang="fr-FR" smtClean="0"/>
               <a:pPr rtl="0"/>
-              <a:t>16</a:t>
+              <a:t>18</a:t>
             </a:fld>
             <a:endParaRPr lang="fr-FR"/>
           </a:p>
@@ -18633,7 +19172,7 @@
 </p:sld>
 </file>
 
-<file path=ppt/slides/slide17.xml><?xml version="1.0" encoding="utf-8"?>
+<file path=ppt/slides/slide19.xml><?xml version="1.0" encoding="utf-8"?>
 <p:sld xmlns:a="http://schemas.openxmlformats.org/drawingml/2006/main" xmlns:r="http://schemas.openxmlformats.org/officeDocument/2006/relationships" xmlns:p="http://schemas.openxmlformats.org/presentationml/2006/main">
   <p:cSld>
     <p:spTree>
@@ -18799,7 +19338,7 @@
             <a:fld id="{D495E168-DA5E-4888-8D8A-92B118324C14}" type="slidenum">
               <a:rPr lang="fr-FR" smtClean="0"/>
               <a:pPr rtl="0"/>
-              <a:t>17</a:t>
+              <a:t>19</a:t>
             </a:fld>
             <a:endParaRPr lang="fr-FR"/>
           </a:p>
@@ -18825,7 +19364,7 @@
 </p:sld>
 </file>
 
-<file path=ppt/slides/slide18.xml><?xml version="1.0" encoding="utf-8"?>
+<file path=ppt/slides/slide2.xml><?xml version="1.0" encoding="utf-8"?>
 <p:sld xmlns:a="http://schemas.openxmlformats.org/drawingml/2006/main" xmlns:r="http://schemas.openxmlformats.org/officeDocument/2006/relationships" xmlns:p="http://schemas.openxmlformats.org/presentationml/2006/main">
   <p:cSld>
     <p:spTree>
@@ -18844,6 +19383,183 @@
       </p:grpSpPr>
       <p:sp>
         <p:nvSpPr>
+          <p:cNvPr id="2" name="Titre 1"/>
+          <p:cNvSpPr>
+            <a:spLocks noGrp="1"/>
+          </p:cNvSpPr>
+          <p:nvPr>
+            <p:ph type="title"/>
+          </p:nvPr>
+        </p:nvSpPr>
+        <p:spPr>
+          <a:xfrm>
+            <a:off x="783875" y="2119745"/>
+            <a:ext cx="10510754" cy="3103418"/>
+          </a:xfrm>
+        </p:spPr>
+        <p:txBody>
+          <a:bodyPr/>
+          <a:lstStyle/>
+          <a:p>
+            <a:pPr algn="ctr"/>
+            <a:r>
+              <a:rPr lang="en-US" sz="4400" dirty="0">
+                <a:effectLst>
+                  <a:outerShdw blurRad="38100" dist="38100" dir="2700000" algn="tl">
+                    <a:srgbClr val="000000">
+                      <a:alpha val="43137"/>
+                    </a:srgbClr>
+                  </a:outerShdw>
+                </a:effectLst>
+                <a:latin typeface="Bell MT" panose="02020503060305020303" pitchFamily="18" charset="0"/>
+              </a:rPr>
+              <a:t>What Is The Best Municipality To Start </a:t>
+            </a:r>
+            <a:r>
+              <a:rPr lang="en-US" sz="4400" dirty="0" smtClean="0">
+                <a:effectLst>
+                  <a:outerShdw blurRad="38100" dist="38100" dir="2700000" algn="tl">
+                    <a:srgbClr val="000000">
+                      <a:alpha val="43137"/>
+                    </a:srgbClr>
+                  </a:outerShdw>
+                </a:effectLst>
+                <a:latin typeface="Bell MT" panose="02020503060305020303" pitchFamily="18" charset="0"/>
+              </a:rPr>
+              <a:t>Your Business?</a:t>
+            </a:r>
+            <a:br>
+              <a:rPr lang="en-US" sz="4400" dirty="0" smtClean="0">
+                <a:effectLst>
+                  <a:outerShdw blurRad="38100" dist="38100" dir="2700000" algn="tl">
+                    <a:srgbClr val="000000">
+                      <a:alpha val="43137"/>
+                    </a:srgbClr>
+                  </a:outerShdw>
+                </a:effectLst>
+                <a:latin typeface="Bell MT" panose="02020503060305020303" pitchFamily="18" charset="0"/>
+              </a:rPr>
+            </a:br>
+            <a:r>
+              <a:rPr lang="en-US" sz="4400" dirty="0" smtClean="0">
+                <a:effectLst>
+                  <a:outerShdw blurRad="38100" dist="38100" dir="2700000" algn="tl">
+                    <a:srgbClr val="000000">
+                      <a:alpha val="43137"/>
+                    </a:srgbClr>
+                  </a:outerShdw>
+                </a:effectLst>
+                <a:latin typeface="Bell MT" panose="02020503060305020303" pitchFamily="18" charset="0"/>
+              </a:rPr>
+              <a:t>Or </a:t>
+            </a:r>
+            <a:br>
+              <a:rPr lang="en-US" sz="4400" dirty="0" smtClean="0">
+                <a:effectLst>
+                  <a:outerShdw blurRad="38100" dist="38100" dir="2700000" algn="tl">
+                    <a:srgbClr val="000000">
+                      <a:alpha val="43137"/>
+                    </a:srgbClr>
+                  </a:outerShdw>
+                </a:effectLst>
+                <a:latin typeface="Bell MT" panose="02020503060305020303" pitchFamily="18" charset="0"/>
+              </a:rPr>
+            </a:br>
+            <a:r>
+              <a:rPr lang="en-US" sz="4400" dirty="0" smtClean="0">
+                <a:effectLst>
+                  <a:outerShdw blurRad="38100" dist="38100" dir="2700000" algn="tl">
+                    <a:srgbClr val="000000">
+                      <a:alpha val="43137"/>
+                    </a:srgbClr>
+                  </a:outerShdw>
+                </a:effectLst>
+                <a:latin typeface="Bell MT" panose="02020503060305020303" pitchFamily="18" charset="0"/>
+              </a:rPr>
+              <a:t>What </a:t>
+            </a:r>
+            <a:r>
+              <a:rPr lang="en-US" sz="4400" dirty="0">
+                <a:effectLst>
+                  <a:outerShdw blurRad="38100" dist="38100" dir="2700000" algn="tl">
+                    <a:srgbClr val="000000">
+                      <a:alpha val="43137"/>
+                    </a:srgbClr>
+                  </a:outerShdw>
+                </a:effectLst>
+                <a:latin typeface="Bell MT" panose="02020503060305020303" pitchFamily="18" charset="0"/>
+              </a:rPr>
+              <a:t>Is The Next Location To Expand </a:t>
+            </a:r>
+            <a:r>
+              <a:rPr lang="en-US" sz="4400" dirty="0" smtClean="0">
+                <a:effectLst>
+                  <a:outerShdw blurRad="38100" dist="38100" dir="2700000" algn="tl">
+                    <a:srgbClr val="000000">
+                      <a:alpha val="43137"/>
+                    </a:srgbClr>
+                  </a:outerShdw>
+                </a:effectLst>
+                <a:latin typeface="Bell MT" panose="02020503060305020303" pitchFamily="18" charset="0"/>
+              </a:rPr>
+              <a:t>Your </a:t>
+            </a:r>
+            <a:r>
+              <a:rPr lang="en-US" sz="4400" dirty="0">
+                <a:effectLst>
+                  <a:outerShdw blurRad="38100" dist="38100" dir="2700000" algn="tl">
+                    <a:srgbClr val="000000">
+                      <a:alpha val="43137"/>
+                    </a:srgbClr>
+                  </a:outerShdw>
+                </a:effectLst>
+                <a:latin typeface="Bell MT" panose="02020503060305020303" pitchFamily="18" charset="0"/>
+              </a:rPr>
+              <a:t>Business?</a:t>
+            </a:r>
+            <a:endParaRPr lang="en-US" sz="4400" dirty="0"/>
+          </a:p>
+        </p:txBody>
+      </p:sp>
+    </p:spTree>
+    <p:extLst>
+      <p:ext uri="{BB962C8B-B14F-4D97-AF65-F5344CB8AC3E}">
+        <p14:creationId xmlns:p14="http://schemas.microsoft.com/office/powerpoint/2010/main" val="1952509775"/>
+      </p:ext>
+    </p:extLst>
+  </p:cSld>
+  <p:clrMapOvr>
+    <a:masterClrMapping/>
+  </p:clrMapOvr>
+  <p:timing>
+    <p:tnLst>
+      <p:par>
+        <p:cTn id="1" dur="indefinite" restart="never" nodeType="tmRoot"/>
+      </p:par>
+    </p:tnLst>
+  </p:timing>
+</p:sld>
+</file>
+
+<file path=ppt/slides/slide20.xml><?xml version="1.0" encoding="utf-8"?>
+<p:sld xmlns:a="http://schemas.openxmlformats.org/drawingml/2006/main" xmlns:r="http://schemas.openxmlformats.org/officeDocument/2006/relationships" xmlns:p="http://schemas.openxmlformats.org/presentationml/2006/main">
+  <p:cSld>
+    <p:spTree>
+      <p:nvGrpSpPr>
+        <p:cNvPr id="1" name=""/>
+        <p:cNvGrpSpPr/>
+        <p:nvPr/>
+      </p:nvGrpSpPr>
+      <p:grpSpPr>
+        <a:xfrm>
+          <a:off x="0" y="0"/>
+          <a:ext cx="0" cy="0"/>
+          <a:chOff x="0" y="0"/>
+          <a:chExt cx="0" cy="0"/>
+        </a:xfrm>
+      </p:grpSpPr>
+      <p:sp>
+        <p:nvSpPr>
           <p:cNvPr id="8" name="Titre 7">
             <a:extLst>
               <a:ext uri="{FF2B5EF4-FFF2-40B4-BE49-F238E27FC236}">
@@ -19106,7 +19822,7 @@
             <a:fld id="{D495E168-DA5E-4888-8D8A-92B118324C14}" type="slidenum">
               <a:rPr lang="fr-FR" smtClean="0"/>
               <a:pPr rtl="0"/>
-              <a:t>18</a:t>
+              <a:t>20</a:t>
             </a:fld>
             <a:endParaRPr lang="fr-FR"/>
           </a:p>
@@ -19132,7 +19848,7 @@
 </p:sld>
 </file>
 
-<file path=ppt/slides/slide19.xml><?xml version="1.0" encoding="utf-8"?>
+<file path=ppt/slides/slide21.xml><?xml version="1.0" encoding="utf-8"?>
 <p:sld xmlns:a="http://schemas.openxmlformats.org/drawingml/2006/main" xmlns:r="http://schemas.openxmlformats.org/officeDocument/2006/relationships" xmlns:p="http://schemas.openxmlformats.org/presentationml/2006/main">
   <p:cSld>
     <p:spTree>
@@ -19370,7 +20086,7 @@
             <a:fld id="{D495E168-DA5E-4888-8D8A-92B118324C14}" type="slidenum">
               <a:rPr lang="fr-FR" smtClean="0"/>
               <a:pPr rtl="0"/>
-              <a:t>19</a:t>
+              <a:t>21</a:t>
             </a:fld>
             <a:endParaRPr lang="fr-FR" dirty="0"/>
           </a:p>
@@ -19389,184 +20105,7 @@
 </p:sld>
 </file>
 
-<file path=ppt/slides/slide2.xml><?xml version="1.0" encoding="utf-8"?>
-<p:sld xmlns:a="http://schemas.openxmlformats.org/drawingml/2006/main" xmlns:r="http://schemas.openxmlformats.org/officeDocument/2006/relationships" xmlns:p="http://schemas.openxmlformats.org/presentationml/2006/main">
-  <p:cSld>
-    <p:spTree>
-      <p:nvGrpSpPr>
-        <p:cNvPr id="1" name=""/>
-        <p:cNvGrpSpPr/>
-        <p:nvPr/>
-      </p:nvGrpSpPr>
-      <p:grpSpPr>
-        <a:xfrm>
-          <a:off x="0" y="0"/>
-          <a:ext cx="0" cy="0"/>
-          <a:chOff x="0" y="0"/>
-          <a:chExt cx="0" cy="0"/>
-        </a:xfrm>
-      </p:grpSpPr>
-      <p:sp>
-        <p:nvSpPr>
-          <p:cNvPr id="2" name="Titre 1"/>
-          <p:cNvSpPr>
-            <a:spLocks noGrp="1"/>
-          </p:cNvSpPr>
-          <p:nvPr>
-            <p:ph type="title"/>
-          </p:nvPr>
-        </p:nvSpPr>
-        <p:spPr>
-          <a:xfrm>
-            <a:off x="783875" y="2119745"/>
-            <a:ext cx="10510754" cy="3103418"/>
-          </a:xfrm>
-        </p:spPr>
-        <p:txBody>
-          <a:bodyPr/>
-          <a:lstStyle/>
-          <a:p>
-            <a:pPr algn="ctr"/>
-            <a:r>
-              <a:rPr lang="en-US" sz="4400" dirty="0">
-                <a:effectLst>
-                  <a:outerShdw blurRad="38100" dist="38100" dir="2700000" algn="tl">
-                    <a:srgbClr val="000000">
-                      <a:alpha val="43137"/>
-                    </a:srgbClr>
-                  </a:outerShdw>
-                </a:effectLst>
-                <a:latin typeface="Bell MT" panose="02020503060305020303" pitchFamily="18" charset="0"/>
-              </a:rPr>
-              <a:t>What Is The Best Municipality To Start </a:t>
-            </a:r>
-            <a:r>
-              <a:rPr lang="en-US" sz="4400" dirty="0" smtClean="0">
-                <a:effectLst>
-                  <a:outerShdw blurRad="38100" dist="38100" dir="2700000" algn="tl">
-                    <a:srgbClr val="000000">
-                      <a:alpha val="43137"/>
-                    </a:srgbClr>
-                  </a:outerShdw>
-                </a:effectLst>
-                <a:latin typeface="Bell MT" panose="02020503060305020303" pitchFamily="18" charset="0"/>
-              </a:rPr>
-              <a:t>Your Business?</a:t>
-            </a:r>
-            <a:br>
-              <a:rPr lang="en-US" sz="4400" dirty="0" smtClean="0">
-                <a:effectLst>
-                  <a:outerShdw blurRad="38100" dist="38100" dir="2700000" algn="tl">
-                    <a:srgbClr val="000000">
-                      <a:alpha val="43137"/>
-                    </a:srgbClr>
-                  </a:outerShdw>
-                </a:effectLst>
-                <a:latin typeface="Bell MT" panose="02020503060305020303" pitchFamily="18" charset="0"/>
-              </a:rPr>
-            </a:br>
-            <a:r>
-              <a:rPr lang="en-US" sz="4400" dirty="0" smtClean="0">
-                <a:effectLst>
-                  <a:outerShdw blurRad="38100" dist="38100" dir="2700000" algn="tl">
-                    <a:srgbClr val="000000">
-                      <a:alpha val="43137"/>
-                    </a:srgbClr>
-                  </a:outerShdw>
-                </a:effectLst>
-                <a:latin typeface="Bell MT" panose="02020503060305020303" pitchFamily="18" charset="0"/>
-              </a:rPr>
-              <a:t>Or </a:t>
-            </a:r>
-            <a:br>
-              <a:rPr lang="en-US" sz="4400" dirty="0" smtClean="0">
-                <a:effectLst>
-                  <a:outerShdw blurRad="38100" dist="38100" dir="2700000" algn="tl">
-                    <a:srgbClr val="000000">
-                      <a:alpha val="43137"/>
-                    </a:srgbClr>
-                  </a:outerShdw>
-                </a:effectLst>
-                <a:latin typeface="Bell MT" panose="02020503060305020303" pitchFamily="18" charset="0"/>
-              </a:rPr>
-            </a:br>
-            <a:r>
-              <a:rPr lang="en-US" sz="4400" dirty="0" smtClean="0">
-                <a:effectLst>
-                  <a:outerShdw blurRad="38100" dist="38100" dir="2700000" algn="tl">
-                    <a:srgbClr val="000000">
-                      <a:alpha val="43137"/>
-                    </a:srgbClr>
-                  </a:outerShdw>
-                </a:effectLst>
-                <a:latin typeface="Bell MT" panose="02020503060305020303" pitchFamily="18" charset="0"/>
-              </a:rPr>
-              <a:t>What </a:t>
-            </a:r>
-            <a:r>
-              <a:rPr lang="en-US" sz="4400" dirty="0">
-                <a:effectLst>
-                  <a:outerShdw blurRad="38100" dist="38100" dir="2700000" algn="tl">
-                    <a:srgbClr val="000000">
-                      <a:alpha val="43137"/>
-                    </a:srgbClr>
-                  </a:outerShdw>
-                </a:effectLst>
-                <a:latin typeface="Bell MT" panose="02020503060305020303" pitchFamily="18" charset="0"/>
-              </a:rPr>
-              <a:t>Is The Next Location To Expand </a:t>
-            </a:r>
-            <a:r>
-              <a:rPr lang="en-US" sz="4400" dirty="0" smtClean="0">
-                <a:effectLst>
-                  <a:outerShdw blurRad="38100" dist="38100" dir="2700000" algn="tl">
-                    <a:srgbClr val="000000">
-                      <a:alpha val="43137"/>
-                    </a:srgbClr>
-                  </a:outerShdw>
-                </a:effectLst>
-                <a:latin typeface="Bell MT" panose="02020503060305020303" pitchFamily="18" charset="0"/>
-              </a:rPr>
-              <a:t>Your </a:t>
-            </a:r>
-            <a:r>
-              <a:rPr lang="en-US" sz="4400" dirty="0">
-                <a:effectLst>
-                  <a:outerShdw blurRad="38100" dist="38100" dir="2700000" algn="tl">
-                    <a:srgbClr val="000000">
-                      <a:alpha val="43137"/>
-                    </a:srgbClr>
-                  </a:outerShdw>
-                </a:effectLst>
-                <a:latin typeface="Bell MT" panose="02020503060305020303" pitchFamily="18" charset="0"/>
-              </a:rPr>
-              <a:t>Business?</a:t>
-            </a:r>
-            <a:endParaRPr lang="en-US" sz="4400" dirty="0"/>
-          </a:p>
-        </p:txBody>
-      </p:sp>
-    </p:spTree>
-    <p:extLst>
-      <p:ext uri="{BB962C8B-B14F-4D97-AF65-F5344CB8AC3E}">
-        <p14:creationId xmlns:p14="http://schemas.microsoft.com/office/powerpoint/2010/main" val="1952509775"/>
-      </p:ext>
-    </p:extLst>
-  </p:cSld>
-  <p:clrMapOvr>
-    <a:masterClrMapping/>
-  </p:clrMapOvr>
-  <p:timing>
-    <p:tnLst>
-      <p:par>
-        <p:cTn id="1" dur="indefinite" restart="never" nodeType="tmRoot"/>
-      </p:par>
-    </p:tnLst>
-  </p:timing>
-</p:sld>
-</file>
-
-<file path=ppt/slides/slide20.xml><?xml version="1.0" encoding="utf-8"?>
+<file path=ppt/slides/slide22.xml><?xml version="1.0" encoding="utf-8"?>
 <p:sld xmlns:a="http://schemas.openxmlformats.org/drawingml/2006/main" xmlns:r="http://schemas.openxmlformats.org/officeDocument/2006/relationships" xmlns:p="http://schemas.openxmlformats.org/presentationml/2006/main">
   <p:cSld>
     <p:spTree>
@@ -22386,7 +22925,7 @@
             <a:fld id="{D495E168-DA5E-4888-8D8A-92B118324C14}" type="slidenum">
               <a:rPr lang="fr-FR" smtClean="0"/>
               <a:pPr rtl="0"/>
-              <a:t>20</a:t>
+              <a:t>22</a:t>
             </a:fld>
             <a:endParaRPr lang="fr-FR"/>
           </a:p>
@@ -22405,7 +22944,7 @@
 </p:sld>
 </file>
 
-<file path=ppt/slides/slide21.xml><?xml version="1.0" encoding="utf-8"?>
+<file path=ppt/slides/slide23.xml><?xml version="1.0" encoding="utf-8"?>
 <p:sld xmlns:a="http://schemas.openxmlformats.org/drawingml/2006/main" xmlns:r="http://schemas.openxmlformats.org/officeDocument/2006/relationships" xmlns:p="http://schemas.openxmlformats.org/presentationml/2006/main">
   <p:cSld>
     <p:spTree>
@@ -22530,7 +23069,7 @@
             <a:fld id="{D495E168-DA5E-4888-8D8A-92B118324C14}" type="slidenum">
               <a:rPr lang="fr-FR" smtClean="0"/>
               <a:pPr rtl="0"/>
-              <a:t>21</a:t>
+              <a:t>23</a:t>
             </a:fld>
             <a:endParaRPr lang="fr-FR"/>
           </a:p>
@@ -22549,7 +23088,7 @@
 </p:sld>
 </file>
 
-<file path=ppt/slides/slide22.xml><?xml version="1.0" encoding="utf-8"?>
+<file path=ppt/slides/slide24.xml><?xml version="1.0" encoding="utf-8"?>
 <p:sld xmlns:a="http://schemas.openxmlformats.org/drawingml/2006/main" xmlns:r="http://schemas.openxmlformats.org/officeDocument/2006/relationships" xmlns:p="http://schemas.openxmlformats.org/presentationml/2006/main">
   <p:cSld>
     <p:spTree>
@@ -22638,7 +23177,7 @@
             <a:fld id="{D495E168-DA5E-4888-8D8A-92B118324C14}" type="slidenum">
               <a:rPr lang="fr-FR" smtClean="0"/>
               <a:pPr rtl="0"/>
-              <a:t>22</a:t>
+              <a:t>24</a:t>
             </a:fld>
             <a:endParaRPr lang="fr-FR"/>
           </a:p>
@@ -22657,7 +23196,7 @@
 </p:sld>
 </file>
 
-<file path=ppt/slides/slide23.xml><?xml version="1.0" encoding="utf-8"?>
+<file path=ppt/slides/slide25.xml><?xml version="1.0" encoding="utf-8"?>
 <p:sld xmlns:a="http://schemas.openxmlformats.org/drawingml/2006/main" xmlns:r="http://schemas.openxmlformats.org/officeDocument/2006/relationships" xmlns:p="http://schemas.openxmlformats.org/presentationml/2006/main">
   <p:cSld>
     <p:spTree>
@@ -22903,7 +23442,7 @@
 </p:sld>
 </file>
 
-<file path=ppt/slides/slide24.xml><?xml version="1.0" encoding="utf-8"?>
+<file path=ppt/slides/slide26.xml><?xml version="1.0" encoding="utf-8"?>
 <p:sld xmlns:a="http://schemas.openxmlformats.org/drawingml/2006/main" xmlns:r="http://schemas.openxmlformats.org/officeDocument/2006/relationships" xmlns:p="http://schemas.openxmlformats.org/presentationml/2006/main">
   <p:cSld>
     <p:spTree>
@@ -23030,7 +23569,7 @@
             <a:fld id="{D495E168-DA5E-4888-8D8A-92B118324C14}" type="slidenum">
               <a:rPr lang="fr-FR" smtClean="0"/>
               <a:pPr rtl="0"/>
-              <a:t>24</a:t>
+              <a:t>26</a:t>
             </a:fld>
             <a:endParaRPr lang="fr-FR"/>
           </a:p>
@@ -23277,7 +23816,7 @@
               <a:t> </a:t>
             </a:r>
             <a:r>
-              <a:rPr lang="en-US" sz="2400">
+              <a:rPr lang="en-US" sz="2400" dirty="0">
                 <a:solidFill>
                   <a:schemeClr val="bg1"/>
                 </a:solidFill>
@@ -23286,7 +23825,7 @@
               <a:t>any </a:t>
             </a:r>
             <a:r>
-              <a:rPr lang="en-US" sz="2400" smtClean="0">
+              <a:rPr lang="en-US" sz="2400" dirty="0" smtClean="0">
                 <a:solidFill>
                   <a:schemeClr val="bg1"/>
                 </a:solidFill>
@@ -24062,6 +24601,211 @@
       </p:sp>
       <p:sp>
         <p:nvSpPr>
+          <p:cNvPr id="3" name="Titre 2"/>
+          <p:cNvSpPr>
+            <a:spLocks noGrp="1"/>
+          </p:cNvSpPr>
+          <p:nvPr>
+            <p:ph type="title"/>
+          </p:nvPr>
+        </p:nvSpPr>
+        <p:spPr>
+          <a:xfrm>
+            <a:off x="253638" y="590584"/>
+            <a:ext cx="4772025" cy="1345096"/>
+          </a:xfrm>
+        </p:spPr>
+        <p:txBody>
+          <a:bodyPr>
+            <a:noAutofit/>
+          </a:bodyPr>
+          <a:lstStyle/>
+          <a:p>
+            <a:pPr algn="ctr"/>
+            <a:r>
+              <a:rPr lang="en-US" sz="5400" dirty="0" smtClean="0">
+                <a:effectLst>
+                  <a:outerShdw blurRad="38100" dist="38100" dir="2700000" algn="tl">
+                    <a:srgbClr val="000000">
+                      <a:alpha val="43137"/>
+                    </a:srgbClr>
+                  </a:outerShdw>
+                </a:effectLst>
+                <a:latin typeface="Bell MT" panose="02020503060305020303" pitchFamily="18" charset="0"/>
+              </a:rPr>
+              <a:t>Demographic</a:t>
+            </a:r>
+            <a:br>
+              <a:rPr lang="en-US" sz="5400" dirty="0" smtClean="0">
+                <a:effectLst>
+                  <a:outerShdw blurRad="38100" dist="38100" dir="2700000" algn="tl">
+                    <a:srgbClr val="000000">
+                      <a:alpha val="43137"/>
+                    </a:srgbClr>
+                  </a:outerShdw>
+                </a:effectLst>
+                <a:latin typeface="Bell MT" panose="02020503060305020303" pitchFamily="18" charset="0"/>
+              </a:rPr>
+            </a:br>
+            <a:r>
+              <a:rPr lang="en-US" sz="5400" dirty="0" smtClean="0">
+                <a:effectLst>
+                  <a:outerShdw blurRad="38100" dist="38100" dir="2700000" algn="tl">
+                    <a:srgbClr val="000000">
+                      <a:alpha val="43137"/>
+                    </a:srgbClr>
+                  </a:outerShdw>
+                </a:effectLst>
+                <a:latin typeface="Bell MT" panose="02020503060305020303" pitchFamily="18" charset="0"/>
+              </a:rPr>
+              <a:t>Data</a:t>
+            </a:r>
+            <a:endParaRPr lang="en-US" sz="5400" dirty="0">
+              <a:effectLst>
+                <a:outerShdw blurRad="38100" dist="38100" dir="2700000" algn="tl">
+                  <a:srgbClr val="000000">
+                    <a:alpha val="43137"/>
+                  </a:srgbClr>
+                </a:outerShdw>
+              </a:effectLst>
+              <a:latin typeface="Bell MT" panose="02020503060305020303" pitchFamily="18" charset="0"/>
+            </a:endParaRPr>
+          </a:p>
+        </p:txBody>
+      </p:sp>
+      <p:sp>
+        <p:nvSpPr>
+          <p:cNvPr id="4" name="Espace réservé du texte 3"/>
+          <p:cNvSpPr>
+            <a:spLocks noGrp="1"/>
+          </p:cNvSpPr>
+          <p:nvPr>
+            <p:ph type="body" sz="half" idx="2"/>
+          </p:nvPr>
+        </p:nvSpPr>
+        <p:spPr>
+          <a:xfrm>
+            <a:off x="673533" y="3296478"/>
+            <a:ext cx="3932237" cy="2101052"/>
+          </a:xfrm>
+        </p:spPr>
+        <p:txBody>
+          <a:bodyPr>
+            <a:normAutofit/>
+          </a:bodyPr>
+          <a:lstStyle/>
+          <a:p>
+            <a:pPr algn="ctr"/>
+            <a:r>
+              <a:rPr lang="en-US" sz="2400" dirty="0" smtClean="0">
+                <a:solidFill>
+                  <a:schemeClr val="bg1"/>
+                </a:solidFill>
+                <a:latin typeface="Bell MT" panose="02020503060305020303" pitchFamily="18" charset="0"/>
+              </a:rPr>
+              <a:t>This table represent the top 10 municipality with the highest income amount.</a:t>
+            </a:r>
+            <a:endParaRPr lang="en-US" sz="2400" dirty="0">
+              <a:solidFill>
+                <a:schemeClr val="bg1"/>
+              </a:solidFill>
+              <a:latin typeface="Bell MT" panose="02020503060305020303" pitchFamily="18" charset="0"/>
+            </a:endParaRPr>
+          </a:p>
+        </p:txBody>
+      </p:sp>
+      <p:pic>
+        <p:nvPicPr>
+          <p:cNvPr id="8" name="Espace réservé du contenu 7"/>
+          <p:cNvPicPr>
+            <a:picLocks noGrp="1" noChangeAspect="1"/>
+          </p:cNvPicPr>
+          <p:nvPr>
+            <p:ph idx="1"/>
+          </p:nvPr>
+        </p:nvPicPr>
+        <p:blipFill rotWithShape="1">
+          <a:blip r:embed="rId2">
+            <a:extLst>
+              <a:ext uri="{28A0092B-C50C-407E-A947-70E740481C1C}">
+                <a14:useLocalDpi xmlns:a14="http://schemas.microsoft.com/office/drawing/2010/main" val="0"/>
+              </a:ext>
+            </a:extLst>
+          </a:blip>
+          <a:srcRect l="14211" t="36092" r="50418"/>
+          <a:stretch/>
+        </p:blipFill>
+        <p:spPr>
+          <a:xfrm>
+            <a:off x="6287984" y="590584"/>
+            <a:ext cx="5620129" cy="5411788"/>
+          </a:xfrm>
+        </p:spPr>
+      </p:pic>
+    </p:spTree>
+    <p:extLst>
+      <p:ext uri="{BB962C8B-B14F-4D97-AF65-F5344CB8AC3E}">
+        <p14:creationId xmlns:p14="http://schemas.microsoft.com/office/powerpoint/2010/main" val="1978818384"/>
+      </p:ext>
+    </p:extLst>
+  </p:cSld>
+  <p:clrMapOvr>
+    <a:masterClrMapping/>
+  </p:clrMapOvr>
+  <p:timing>
+    <p:tnLst>
+      <p:par>
+        <p:cTn id="1" dur="indefinite" restart="never" nodeType="tmRoot"/>
+      </p:par>
+    </p:tnLst>
+  </p:timing>
+</p:sld>
+</file>
+
+<file path=ppt/slides/slide9.xml><?xml version="1.0" encoding="utf-8"?>
+<p:sld xmlns:a="http://schemas.openxmlformats.org/drawingml/2006/main" xmlns:r="http://schemas.openxmlformats.org/officeDocument/2006/relationships" xmlns:p="http://schemas.openxmlformats.org/presentationml/2006/main">
+  <p:cSld>
+    <p:spTree>
+      <p:nvGrpSpPr>
+        <p:cNvPr id="1" name=""/>
+        <p:cNvGrpSpPr/>
+        <p:nvPr/>
+      </p:nvGrpSpPr>
+      <p:grpSpPr>
+        <a:xfrm>
+          <a:off x="0" y="0"/>
+          <a:ext cx="0" cy="0"/>
+          <a:chOff x="0" y="0"/>
+          <a:chExt cx="0" cy="0"/>
+        </a:xfrm>
+      </p:grpSpPr>
+      <p:sp>
+        <p:nvSpPr>
+          <p:cNvPr id="2" name="Espace réservé du numéro de diapositive 1"/>
+          <p:cNvSpPr>
+            <a:spLocks noGrp="1"/>
+          </p:cNvSpPr>
+          <p:nvPr>
+            <p:ph type="sldNum" sz="quarter" idx="10"/>
+          </p:nvPr>
+        </p:nvSpPr>
+        <p:spPr/>
+        <p:txBody>
+          <a:bodyPr/>
+          <a:lstStyle/>
+          <a:p>
+            <a:pPr rtl="0"/>
+            <a:fld id="{D495E168-DA5E-4888-8D8A-92B118324C14}" type="slidenum">
+              <a:rPr lang="fr-FR" noProof="0" smtClean="0"/>
+              <a:pPr rtl="0"/>
+              <a:t>9</a:t>
+            </a:fld>
+            <a:endParaRPr lang="fr-FR" noProof="0"/>
+          </a:p>
+        </p:txBody>
+      </p:sp>
+      <p:sp>
+        <p:nvSpPr>
           <p:cNvPr id="4" name="ZoneTexte 3"/>
           <p:cNvSpPr txBox="1"/>
           <p:nvPr/>
@@ -24173,431 +24917,6 @@
     <p:extLst>
       <p:ext uri="{BB962C8B-B14F-4D97-AF65-F5344CB8AC3E}">
         <p14:creationId xmlns:p14="http://schemas.microsoft.com/office/powerpoint/2010/main" val="3029694202"/>
-      </p:ext>
-    </p:extLst>
-  </p:cSld>
-  <p:clrMapOvr>
-    <a:masterClrMapping/>
-  </p:clrMapOvr>
-  <p:timing>
-    <p:tnLst>
-      <p:par>
-        <p:cTn id="1" dur="indefinite" restart="never" nodeType="tmRoot"/>
-      </p:par>
-    </p:tnLst>
-  </p:timing>
-</p:sld>
-</file>
-
-<file path=ppt/slides/slide9.xml><?xml version="1.0" encoding="utf-8"?>
-<p:sld xmlns:a="http://schemas.openxmlformats.org/drawingml/2006/main" xmlns:r="http://schemas.openxmlformats.org/officeDocument/2006/relationships" xmlns:p="http://schemas.openxmlformats.org/presentationml/2006/main">
-  <p:cSld>
-    <p:spTree>
-      <p:nvGrpSpPr>
-        <p:cNvPr id="1" name=""/>
-        <p:cNvGrpSpPr/>
-        <p:nvPr/>
-      </p:nvGrpSpPr>
-      <p:grpSpPr>
-        <a:xfrm>
-          <a:off x="0" y="0"/>
-          <a:ext cx="0" cy="0"/>
-          <a:chOff x="0" y="0"/>
-          <a:chExt cx="0" cy="0"/>
-        </a:xfrm>
-      </p:grpSpPr>
-      <p:sp>
-        <p:nvSpPr>
-          <p:cNvPr id="2" name="Espace réservé du numéro de diapositive 1"/>
-          <p:cNvSpPr>
-            <a:spLocks noGrp="1"/>
-          </p:cNvSpPr>
-          <p:nvPr>
-            <p:ph type="sldNum" sz="quarter" idx="10"/>
-          </p:nvPr>
-        </p:nvSpPr>
-        <p:spPr/>
-        <p:txBody>
-          <a:bodyPr/>
-          <a:lstStyle/>
-          <a:p>
-            <a:pPr rtl="0"/>
-            <a:fld id="{D495E168-DA5E-4888-8D8A-92B118324C14}" type="slidenum">
-              <a:rPr lang="fr-FR" noProof="0" smtClean="0"/>
-              <a:pPr rtl="0"/>
-              <a:t>9</a:t>
-            </a:fld>
-            <a:endParaRPr lang="fr-FR" noProof="0"/>
-          </a:p>
-        </p:txBody>
-      </p:sp>
-      <p:pic>
-        <p:nvPicPr>
-          <p:cNvPr id="4" name="Image 3"/>
-          <p:cNvPicPr>
-            <a:picLocks noChangeAspect="1"/>
-          </p:cNvPicPr>
-          <p:nvPr/>
-        </p:nvPicPr>
-        <p:blipFill>
-          <a:blip r:embed="rId2">
-            <a:extLst>
-              <a:ext uri="{28A0092B-C50C-407E-A947-70E740481C1C}">
-                <a14:useLocalDpi xmlns:a14="http://schemas.microsoft.com/office/drawing/2010/main" val="0"/>
-              </a:ext>
-            </a:extLst>
-          </a:blip>
-          <a:stretch>
-            <a:fillRect/>
-          </a:stretch>
-        </p:blipFill>
-        <p:spPr>
-          <a:xfrm>
-            <a:off x="4738254" y="0"/>
-            <a:ext cx="7453745" cy="6858000"/>
-          </a:xfrm>
-          <a:prstGeom prst="rect">
-            <a:avLst/>
-          </a:prstGeom>
-        </p:spPr>
-      </p:pic>
-      <p:sp>
-        <p:nvSpPr>
-          <p:cNvPr id="5" name="ZoneTexte 4"/>
-          <p:cNvSpPr txBox="1"/>
-          <p:nvPr/>
-        </p:nvSpPr>
-        <p:spPr>
-          <a:xfrm>
-            <a:off x="360218" y="387927"/>
-            <a:ext cx="3893127" cy="1200329"/>
-          </a:xfrm>
-          <a:prstGeom prst="rect">
-            <a:avLst/>
-          </a:prstGeom>
-          <a:noFill/>
-        </p:spPr>
-        <p:txBody>
-          <a:bodyPr wrap="square" rtlCol="0">
-            <a:spAutoFit/>
-          </a:bodyPr>
-          <a:lstStyle/>
-          <a:p>
-            <a:pPr algn="ctr"/>
-            <a:r>
-              <a:rPr lang="en-US" sz="2400" b="1" dirty="0" smtClean="0">
-                <a:solidFill>
-                  <a:schemeClr val="bg1"/>
-                </a:solidFill>
-                <a:effectLst>
-                  <a:outerShdw blurRad="38100" dist="38100" dir="2700000" algn="tl">
-                    <a:srgbClr val="000000">
-                      <a:alpha val="43137"/>
-                    </a:srgbClr>
-                  </a:outerShdw>
-                </a:effectLst>
-                <a:latin typeface="Bell MT" panose="02020503060305020303" pitchFamily="18" charset="0"/>
-              </a:rPr>
-              <a:t>Distribution </a:t>
-            </a:r>
-            <a:r>
-              <a:rPr lang="en-US" sz="2400" b="1" dirty="0">
-                <a:solidFill>
-                  <a:schemeClr val="bg1"/>
-                </a:solidFill>
-                <a:effectLst>
-                  <a:outerShdw blurRad="38100" dist="38100" dir="2700000" algn="tl">
-                    <a:srgbClr val="000000">
-                      <a:alpha val="43137"/>
-                    </a:srgbClr>
-                  </a:outerShdw>
-                </a:effectLst>
-                <a:latin typeface="Bell MT" panose="02020503060305020303" pitchFamily="18" charset="0"/>
-              </a:rPr>
-              <a:t>of </a:t>
-            </a:r>
-            <a:endParaRPr lang="en-US" sz="2400" b="1" dirty="0" smtClean="0">
-              <a:solidFill>
-                <a:schemeClr val="bg1"/>
-              </a:solidFill>
-              <a:effectLst>
-                <a:outerShdw blurRad="38100" dist="38100" dir="2700000" algn="tl">
-                  <a:srgbClr val="000000">
-                    <a:alpha val="43137"/>
-                  </a:srgbClr>
-                </a:outerShdw>
-              </a:effectLst>
-              <a:latin typeface="Bell MT" panose="02020503060305020303" pitchFamily="18" charset="0"/>
-            </a:endParaRPr>
-          </a:p>
-          <a:p>
-            <a:pPr algn="ctr"/>
-            <a:r>
-              <a:rPr lang="en-US" sz="2400" b="1" dirty="0" smtClean="0">
-                <a:solidFill>
-                  <a:schemeClr val="bg1"/>
-                </a:solidFill>
-                <a:effectLst>
-                  <a:outerShdw blurRad="38100" dist="38100" dir="2700000" algn="tl">
-                    <a:srgbClr val="000000">
-                      <a:alpha val="43137"/>
-                    </a:srgbClr>
-                  </a:outerShdw>
-                </a:effectLst>
-                <a:latin typeface="Bell MT" panose="02020503060305020303" pitchFamily="18" charset="0"/>
-              </a:rPr>
-              <a:t>health sector business </a:t>
-            </a:r>
-          </a:p>
-          <a:p>
-            <a:pPr algn="ctr"/>
-            <a:r>
-              <a:rPr lang="en-US" sz="2400" b="1" dirty="0" smtClean="0">
-                <a:solidFill>
-                  <a:schemeClr val="bg1"/>
-                </a:solidFill>
-                <a:effectLst>
-                  <a:outerShdw blurRad="38100" dist="38100" dir="2700000" algn="tl">
-                    <a:srgbClr val="000000">
-                      <a:alpha val="43137"/>
-                    </a:srgbClr>
-                  </a:outerShdw>
-                </a:effectLst>
-                <a:latin typeface="Bell MT" panose="02020503060305020303" pitchFamily="18" charset="0"/>
-              </a:rPr>
-              <a:t>by </a:t>
-            </a:r>
-            <a:r>
-              <a:rPr lang="en-US" sz="2400" b="1" dirty="0">
-                <a:solidFill>
-                  <a:schemeClr val="bg1"/>
-                </a:solidFill>
-                <a:effectLst>
-                  <a:outerShdw blurRad="38100" dist="38100" dir="2700000" algn="tl">
-                    <a:srgbClr val="000000">
-                      <a:alpha val="43137"/>
-                    </a:srgbClr>
-                  </a:outerShdw>
-                </a:effectLst>
-                <a:latin typeface="Bell MT" panose="02020503060305020303" pitchFamily="18" charset="0"/>
-              </a:rPr>
-              <a:t>municipality </a:t>
-            </a:r>
-          </a:p>
-        </p:txBody>
-      </p:sp>
-      <p:sp>
-        <p:nvSpPr>
-          <p:cNvPr id="7" name="ZoneTexte 6"/>
-          <p:cNvSpPr txBox="1"/>
-          <p:nvPr/>
-        </p:nvSpPr>
-        <p:spPr>
-          <a:xfrm>
-            <a:off x="0" y="2648634"/>
-            <a:ext cx="4738254" cy="3447098"/>
-          </a:xfrm>
-          <a:prstGeom prst="rect">
-            <a:avLst/>
-          </a:prstGeom>
-          <a:noFill/>
-        </p:spPr>
-        <p:txBody>
-          <a:bodyPr wrap="square" rtlCol="0">
-            <a:spAutoFit/>
-          </a:bodyPr>
-          <a:lstStyle/>
-          <a:p>
-            <a:pPr algn="ctr"/>
-            <a:r>
-              <a:rPr lang="en-US" sz="2000" b="1" dirty="0" smtClean="0">
-                <a:solidFill>
-                  <a:schemeClr val="bg1"/>
-                </a:solidFill>
-                <a:latin typeface="Bell MT" panose="02020503060305020303" pitchFamily="18" charset="0"/>
-              </a:rPr>
-              <a:t>55.1% </a:t>
-            </a:r>
-            <a:r>
-              <a:rPr lang="en-US" sz="2000" b="1" dirty="0">
-                <a:solidFill>
-                  <a:schemeClr val="bg1"/>
-                </a:solidFill>
-                <a:latin typeface="Bell MT" panose="02020503060305020303" pitchFamily="18" charset="0"/>
-              </a:rPr>
-              <a:t>of </a:t>
-            </a:r>
-            <a:r>
-              <a:rPr lang="en-US" sz="2000" b="1" dirty="0" smtClean="0">
-                <a:solidFill>
-                  <a:schemeClr val="bg1"/>
-                </a:solidFill>
-                <a:latin typeface="Bell MT" panose="02020503060305020303" pitchFamily="18" charset="0"/>
-              </a:rPr>
-              <a:t>businesses </a:t>
-            </a:r>
-            <a:r>
-              <a:rPr lang="en-US" sz="2000" b="1" dirty="0">
-                <a:solidFill>
-                  <a:schemeClr val="bg1"/>
-                </a:solidFill>
-                <a:latin typeface="Bell MT" panose="02020503060305020303" pitchFamily="18" charset="0"/>
-              </a:rPr>
-              <a:t>in </a:t>
-            </a:r>
-            <a:r>
-              <a:rPr lang="en-US" sz="2000" b="1" dirty="0" smtClean="0">
-                <a:solidFill>
-                  <a:schemeClr val="bg1"/>
-                </a:solidFill>
-                <a:latin typeface="Bell MT" panose="02020503060305020303" pitchFamily="18" charset="0"/>
-              </a:rPr>
-              <a:t>the</a:t>
-            </a:r>
-          </a:p>
-          <a:p>
-            <a:pPr algn="ctr"/>
-            <a:r>
-              <a:rPr lang="en-US" sz="2000" b="1" dirty="0" smtClean="0">
-                <a:solidFill>
-                  <a:schemeClr val="bg1"/>
-                </a:solidFill>
-                <a:latin typeface="Bell MT" panose="02020503060305020303" pitchFamily="18" charset="0"/>
-              </a:rPr>
-              <a:t> </a:t>
-            </a:r>
-            <a:r>
-              <a:rPr lang="en-US" sz="2000" b="1" dirty="0">
-                <a:solidFill>
-                  <a:schemeClr val="bg1"/>
-                </a:solidFill>
-                <a:latin typeface="Bell MT" panose="02020503060305020303" pitchFamily="18" charset="0"/>
-              </a:rPr>
-              <a:t>health sector are located in </a:t>
-            </a:r>
-            <a:r>
-              <a:rPr lang="en-US" sz="2000" b="1" dirty="0" smtClean="0">
-                <a:solidFill>
-                  <a:schemeClr val="bg1"/>
-                </a:solidFill>
-                <a:latin typeface="Bell MT" panose="02020503060305020303" pitchFamily="18" charset="0"/>
-              </a:rPr>
-              <a:t>Port-au-Prince,</a:t>
-            </a:r>
-          </a:p>
-          <a:p>
-            <a:pPr algn="ctr"/>
-            <a:r>
-              <a:rPr lang="en-US" sz="2000" b="1" dirty="0" smtClean="0">
-                <a:solidFill>
-                  <a:schemeClr val="bg1"/>
-                </a:solidFill>
-                <a:latin typeface="Bell MT" panose="02020503060305020303" pitchFamily="18" charset="0"/>
-              </a:rPr>
-              <a:t>22.7% in Petion-Ville,</a:t>
-            </a:r>
-          </a:p>
-          <a:p>
-            <a:pPr algn="ctr"/>
-            <a:r>
-              <a:rPr lang="en-US" sz="2000" b="1" dirty="0" smtClean="0">
-                <a:solidFill>
-                  <a:schemeClr val="bg1"/>
-                </a:solidFill>
-                <a:latin typeface="Bell MT" panose="02020503060305020303" pitchFamily="18" charset="0"/>
-              </a:rPr>
-              <a:t> 9.7% in </a:t>
-            </a:r>
-            <a:r>
-              <a:rPr lang="en-US" sz="2000" b="1" dirty="0" err="1" smtClean="0">
-                <a:solidFill>
-                  <a:schemeClr val="bg1"/>
-                </a:solidFill>
-                <a:latin typeface="Bell MT" panose="02020503060305020303" pitchFamily="18" charset="0"/>
-              </a:rPr>
-              <a:t>Delmas</a:t>
-            </a:r>
-            <a:r>
-              <a:rPr lang="en-US" sz="2000" b="1" dirty="0" smtClean="0">
-                <a:solidFill>
-                  <a:schemeClr val="bg1"/>
-                </a:solidFill>
-                <a:latin typeface="Bell MT" panose="02020503060305020303" pitchFamily="18" charset="0"/>
-              </a:rPr>
-              <a:t>,</a:t>
-            </a:r>
-          </a:p>
-          <a:p>
-            <a:pPr algn="ctr"/>
-            <a:r>
-              <a:rPr lang="en-US" sz="2000" b="1" dirty="0" smtClean="0">
-                <a:solidFill>
-                  <a:schemeClr val="bg1"/>
-                </a:solidFill>
-                <a:latin typeface="Bell MT" panose="02020503060305020303" pitchFamily="18" charset="0"/>
-              </a:rPr>
-              <a:t> 3.4% in Carrefour,</a:t>
-            </a:r>
-          </a:p>
-          <a:p>
-            <a:pPr algn="ctr"/>
-            <a:r>
-              <a:rPr lang="en-US" sz="2000" b="1" dirty="0" smtClean="0">
-                <a:solidFill>
-                  <a:schemeClr val="bg1"/>
-                </a:solidFill>
-                <a:latin typeface="Bell MT" panose="02020503060305020303" pitchFamily="18" charset="0"/>
-              </a:rPr>
-              <a:t>2.6% in Tabarre.</a:t>
-            </a:r>
-          </a:p>
-          <a:p>
-            <a:pPr algn="ctr"/>
-            <a:endParaRPr lang="en-US" sz="2000" b="1" dirty="0">
-              <a:solidFill>
-                <a:schemeClr val="bg1"/>
-              </a:solidFill>
-              <a:latin typeface="Bell MT" panose="02020503060305020303" pitchFamily="18" charset="0"/>
-            </a:endParaRPr>
-          </a:p>
-          <a:p>
-            <a:pPr algn="ctr"/>
-            <a:r>
-              <a:rPr lang="en-US" sz="2000" b="1" dirty="0" smtClean="0">
-                <a:solidFill>
-                  <a:schemeClr val="bg1"/>
-                </a:solidFill>
-                <a:latin typeface="Bell MT" panose="02020503060305020303" pitchFamily="18" charset="0"/>
-              </a:rPr>
-              <a:t>These are the top 5 </a:t>
-            </a:r>
-          </a:p>
-          <a:p>
-            <a:pPr algn="ctr"/>
-            <a:r>
-              <a:rPr lang="en-US" sz="2000" b="1" dirty="0" smtClean="0">
-                <a:solidFill>
-                  <a:schemeClr val="bg1"/>
-                </a:solidFill>
-                <a:latin typeface="Bell MT" panose="02020503060305020303" pitchFamily="18" charset="0"/>
-              </a:rPr>
-              <a:t>in the health sector business</a:t>
-            </a:r>
-          </a:p>
-          <a:p>
-            <a:pPr algn="ctr"/>
-            <a:endParaRPr lang="en-US" dirty="0">
-              <a:solidFill>
-                <a:schemeClr val="bg1"/>
-              </a:solidFill>
-            </a:endParaRPr>
-          </a:p>
-        </p:txBody>
-      </p:sp>
-    </p:spTree>
-    <p:extLst>
-      <p:ext uri="{BB962C8B-B14F-4D97-AF65-F5344CB8AC3E}">
-        <p14:creationId xmlns:p14="http://schemas.microsoft.com/office/powerpoint/2010/main" val="94561202"/>
       </p:ext>
     </p:extLst>
   </p:cSld>

--- a/Analyzing Business Location in Haiti.pptx
+++ b/Analyzing Business Location in Haiti.pptx
@@ -5,38 +5,36 @@
     <p:sldMasterId id="2147483648" r:id="rId4"/>
   </p:sldMasterIdLst>
   <p:notesMasterIdLst>
-    <p:notesMasterId r:id="rId31"/>
+    <p:notesMasterId r:id="rId29"/>
   </p:notesMasterIdLst>
   <p:handoutMasterIdLst>
-    <p:handoutMasterId r:id="rId32"/>
+    <p:handoutMasterId r:id="rId30"/>
   </p:handoutMasterIdLst>
   <p:sldIdLst>
     <p:sldId id="256" r:id="rId5"/>
     <p:sldId id="267" r:id="rId6"/>
     <p:sldId id="269" r:id="rId7"/>
     <p:sldId id="278" r:id="rId8"/>
-    <p:sldId id="277" r:id="rId9"/>
-    <p:sldId id="268" r:id="rId10"/>
-    <p:sldId id="279" r:id="rId11"/>
-    <p:sldId id="281" r:id="rId12"/>
-    <p:sldId id="270" r:id="rId13"/>
-    <p:sldId id="271" r:id="rId14"/>
-    <p:sldId id="272" r:id="rId15"/>
-    <p:sldId id="273" r:id="rId16"/>
-    <p:sldId id="274" r:id="rId17"/>
-    <p:sldId id="275" r:id="rId18"/>
-    <p:sldId id="280" r:id="rId19"/>
-    <p:sldId id="276" r:id="rId20"/>
-    <p:sldId id="257" r:id="rId21"/>
-    <p:sldId id="258" r:id="rId22"/>
-    <p:sldId id="259" r:id="rId23"/>
-    <p:sldId id="260" r:id="rId24"/>
-    <p:sldId id="261" r:id="rId25"/>
-    <p:sldId id="262" r:id="rId26"/>
-    <p:sldId id="263" r:id="rId27"/>
-    <p:sldId id="264" r:id="rId28"/>
-    <p:sldId id="265" r:id="rId29"/>
-    <p:sldId id="266" r:id="rId30"/>
+    <p:sldId id="268" r:id="rId9"/>
+    <p:sldId id="279" r:id="rId10"/>
+    <p:sldId id="281" r:id="rId11"/>
+    <p:sldId id="270" r:id="rId12"/>
+    <p:sldId id="271" r:id="rId13"/>
+    <p:sldId id="272" r:id="rId14"/>
+    <p:sldId id="273" r:id="rId15"/>
+    <p:sldId id="274" r:id="rId16"/>
+    <p:sldId id="275" r:id="rId17"/>
+    <p:sldId id="276" r:id="rId18"/>
+    <p:sldId id="257" r:id="rId19"/>
+    <p:sldId id="258" r:id="rId20"/>
+    <p:sldId id="259" r:id="rId21"/>
+    <p:sldId id="260" r:id="rId22"/>
+    <p:sldId id="261" r:id="rId23"/>
+    <p:sldId id="262" r:id="rId24"/>
+    <p:sldId id="263" r:id="rId25"/>
+    <p:sldId id="264" r:id="rId26"/>
+    <p:sldId id="265" r:id="rId27"/>
+    <p:sldId id="266" r:id="rId28"/>
   </p:sldIdLst>
   <p:sldSz cx="12192000" cy="6858000"/>
   <p:notesSz cx="6858000" cy="9144000"/>
@@ -144,7 +142,6 @@
             <p14:sldId id="267"/>
             <p14:sldId id="269"/>
             <p14:sldId id="278"/>
-            <p14:sldId id="277"/>
             <p14:sldId id="268"/>
             <p14:sldId id="279"/>
             <p14:sldId id="281"/>
@@ -154,7 +151,6 @@
             <p14:sldId id="273"/>
             <p14:sldId id="274"/>
             <p14:sldId id="275"/>
-            <p14:sldId id="280"/>
             <p14:sldId id="276"/>
             <p14:sldId id="257"/>
             <p14:sldId id="258"/>
@@ -1200,7 +1196,7 @@
             <a:pPr rtl="0"/>
             <a:fld id="{6276D78A-6B5B-4C52-BA9D-303889584C9D}" type="datetime1">
               <a:rPr lang="fr-FR" smtClean="0"/>
-              <a:t>24/09/2021</a:t>
+              <a:t>25/09/2021</a:t>
             </a:fld>
             <a:endParaRPr lang="fr-FR"/>
           </a:p>
@@ -1382,7 +1378,7 @@
             <a:fld id="{202F2543-F50A-492A-BD61-A2E2AD7611D7}" type="datetime1">
               <a:rPr lang="fr-FR" noProof="0" smtClean="0"/>
               <a:pPr/>
-              <a:t>24/09/2021</a:t>
+              <a:t>25/09/2021</a:t>
             </a:fld>
             <a:endParaRPr lang="fr-FR" noProof="0"/>
           </a:p>
@@ -1806,7 +1802,7 @@
             <a:pPr rtl="0"/>
             <a:fld id="{53D78A92-0141-4330-8F3E-FAADFAC23844}" type="slidenum">
               <a:rPr lang="fr-FR" smtClean="0"/>
-              <a:t>25</a:t>
+              <a:t>23</a:t>
             </a:fld>
             <a:endParaRPr lang="fr-FR"/>
           </a:p>
@@ -1892,7 +1888,7 @@
             <a:pPr rtl="0"/>
             <a:fld id="{53D78A92-0141-4330-8F3E-FAADFAC23844}" type="slidenum">
               <a:rPr lang="fr-FR" smtClean="0"/>
-              <a:t>26</a:t>
+              <a:t>24</a:t>
             </a:fld>
             <a:endParaRPr lang="fr-FR"/>
           </a:p>
@@ -1978,7 +1974,7 @@
             <a:pPr rtl="0"/>
             <a:fld id="{53D78A92-0141-4330-8F3E-FAADFAC23844}" type="slidenum">
               <a:rPr lang="fr-FR" smtClean="0"/>
-              <a:t>17</a:t>
+              <a:t>15</a:t>
             </a:fld>
             <a:endParaRPr lang="fr-FR"/>
           </a:p>
@@ -2064,7 +2060,7 @@
             <a:pPr rtl="0"/>
             <a:fld id="{53D78A92-0141-4330-8F3E-FAADFAC23844}" type="slidenum">
               <a:rPr lang="fr-FR" smtClean="0"/>
-              <a:t>18</a:t>
+              <a:t>16</a:t>
             </a:fld>
             <a:endParaRPr lang="fr-FR"/>
           </a:p>
@@ -2150,7 +2146,7 @@
             <a:pPr rtl="0"/>
             <a:fld id="{53D78A92-0141-4330-8F3E-FAADFAC23844}" type="slidenum">
               <a:rPr lang="fr-FR" smtClean="0"/>
-              <a:t>19</a:t>
+              <a:t>17</a:t>
             </a:fld>
             <a:endParaRPr lang="fr-FR"/>
           </a:p>
@@ -2236,7 +2232,7 @@
             <a:pPr rtl="0"/>
             <a:fld id="{53D78A92-0141-4330-8F3E-FAADFAC23844}" type="slidenum">
               <a:rPr lang="fr-FR" smtClean="0"/>
-              <a:t>20</a:t>
+              <a:t>18</a:t>
             </a:fld>
             <a:endParaRPr lang="fr-FR"/>
           </a:p>
@@ -2322,7 +2318,7 @@
             <a:pPr rtl="0"/>
             <a:fld id="{53D78A92-0141-4330-8F3E-FAADFAC23844}" type="slidenum">
               <a:rPr lang="fr-FR" smtClean="0"/>
-              <a:t>21</a:t>
+              <a:t>19</a:t>
             </a:fld>
             <a:endParaRPr lang="fr-FR"/>
           </a:p>
@@ -2408,7 +2404,7 @@
             <a:pPr rtl="0"/>
             <a:fld id="{53D78A92-0141-4330-8F3E-FAADFAC23844}" type="slidenum">
               <a:rPr lang="fr-FR" smtClean="0"/>
-              <a:t>22</a:t>
+              <a:t>20</a:t>
             </a:fld>
             <a:endParaRPr lang="fr-FR"/>
           </a:p>
@@ -2494,7 +2490,7 @@
             <a:pPr rtl="0"/>
             <a:fld id="{53D78A92-0141-4330-8F3E-FAADFAC23844}" type="slidenum">
               <a:rPr lang="fr-FR" smtClean="0"/>
-              <a:t>23</a:t>
+              <a:t>21</a:t>
             </a:fld>
             <a:endParaRPr lang="fr-FR"/>
           </a:p>
@@ -2580,7 +2576,7 @@
             <a:pPr rtl="0"/>
             <a:fld id="{53D78A92-0141-4330-8F3E-FAADFAC23844}" type="slidenum">
               <a:rPr lang="fr-FR" smtClean="0"/>
-              <a:t>24</a:t>
+              <a:t>22</a:t>
             </a:fld>
             <a:endParaRPr lang="fr-FR"/>
           </a:p>
@@ -15835,16 +15831,55 @@
             <p:ph type="title"/>
           </p:nvPr>
         </p:nvSpPr>
-        <p:spPr/>
+        <p:spPr>
+          <a:xfrm>
+            <a:off x="482275" y="275741"/>
+            <a:ext cx="5880161" cy="2920499"/>
+          </a:xfrm>
+        </p:spPr>
         <p:txBody>
           <a:bodyPr rtlCol="0"/>
           <a:lstStyle/>
           <a:p>
             <a:r>
+              <a:rPr lang="en-US" b="0" dirty="0" smtClean="0">
+                <a:latin typeface="Bell MT" panose="02020503060305020303" pitchFamily="18" charset="0"/>
+              </a:rPr>
+              <a:t>Best Place </a:t>
+            </a:r>
+            <a:br>
+              <a:rPr lang="en-US" b="0" dirty="0" smtClean="0">
+                <a:latin typeface="Bell MT" panose="02020503060305020303" pitchFamily="18" charset="0"/>
+              </a:rPr>
+            </a:br>
+            <a:r>
+              <a:rPr lang="en-US" b="0" dirty="0" smtClean="0">
+                <a:latin typeface="Bell MT" panose="02020503060305020303" pitchFamily="18" charset="0"/>
+              </a:rPr>
+              <a:t>for</a:t>
+            </a:r>
+            <a:r>
+              <a:rPr lang="en-US" b="0" dirty="0" smtClean="0">
+                <a:latin typeface="Bell MT" panose="02020503060305020303" pitchFamily="18" charset="0"/>
+              </a:rPr>
+              <a:t> Business </a:t>
+            </a:r>
+            <a:br>
+              <a:rPr lang="en-US" b="0" dirty="0" smtClean="0">
+                <a:latin typeface="Bell MT" panose="02020503060305020303" pitchFamily="18" charset="0"/>
+              </a:rPr>
+            </a:br>
+            <a:r>
+              <a:rPr lang="en-US" b="0" dirty="0" smtClean="0">
+                <a:latin typeface="Bell MT" panose="02020503060305020303" pitchFamily="18" charset="0"/>
+              </a:rPr>
+              <a:t>in </a:t>
+            </a:r>
+            <a:r>
               <a:rPr lang="en-US" b="0" dirty="0">
                 <a:latin typeface="Bell MT" panose="02020503060305020303" pitchFamily="18" charset="0"/>
               </a:rPr>
-              <a:t>Analyzing Business Location in Haiti</a:t>
+              <a:t>Haiti</a:t>
             </a:r>
             <a:endParaRPr lang="fr-FR" dirty="0">
               <a:latin typeface="Bell MT" panose="02020503060305020303" pitchFamily="18" charset="0"/>
@@ -16016,7 +16051,7 @@
       </p:sp>
       <p:pic>
         <p:nvPicPr>
-          <p:cNvPr id="4" name="Image 3"/>
+          <p:cNvPr id="3" name="Image 2"/>
           <p:cNvPicPr>
             <a:picLocks noChangeAspect="1"/>
           </p:cNvPicPr>
@@ -16036,8 +16071,8 @@
         </p:blipFill>
         <p:spPr>
           <a:xfrm>
-            <a:off x="4738254" y="0"/>
-            <a:ext cx="7453745" cy="6858000"/>
+            <a:off x="4738255" y="0"/>
+            <a:ext cx="7453744" cy="6858000"/>
           </a:xfrm>
           <a:prstGeom prst="rect">
             <a:avLst/>
@@ -16052,8 +16087,8 @@
         </p:nvSpPr>
         <p:spPr>
           <a:xfrm>
-            <a:off x="360218" y="387927"/>
-            <a:ext cx="3893127" cy="1200329"/>
+            <a:off x="484123" y="401781"/>
+            <a:ext cx="3770007" cy="1200329"/>
           </a:xfrm>
           <a:prstGeom prst="rect">
             <a:avLst/>
@@ -16061,117 +16096,66 @@
           <a:noFill/>
         </p:spPr>
         <p:txBody>
-          <a:bodyPr wrap="square" rtlCol="0">
+          <a:bodyPr wrap="none" rtlCol="0">
             <a:spAutoFit/>
           </a:bodyPr>
           <a:lstStyle/>
           <a:p>
             <a:pPr algn="ctr"/>
             <a:r>
-              <a:rPr lang="en-US" sz="2400" b="1" dirty="0" smtClean="0">
+              <a:rPr lang="en-US" sz="2400" b="1" dirty="0">
                 <a:solidFill>
                   <a:schemeClr val="bg1"/>
                 </a:solidFill>
-                <a:effectLst>
-                  <a:outerShdw blurRad="38100" dist="38100" dir="2700000" algn="tl">
-                    <a:srgbClr val="000000">
-                      <a:alpha val="43137"/>
-                    </a:srgbClr>
-                  </a:outerShdw>
-                </a:effectLst>
                 <a:latin typeface="Bell MT" panose="02020503060305020303" pitchFamily="18" charset="0"/>
               </a:rPr>
               <a:t>Distribution </a:t>
             </a:r>
             <a:r>
-              <a:rPr lang="en-US" sz="2400" b="1" dirty="0">
+              <a:rPr lang="en-US" sz="2400" b="1" dirty="0" smtClean="0">
                 <a:solidFill>
                   <a:schemeClr val="bg1"/>
                 </a:solidFill>
-                <a:effectLst>
-                  <a:outerShdw blurRad="38100" dist="38100" dir="2700000" algn="tl">
-                    <a:srgbClr val="000000">
-                      <a:alpha val="43137"/>
-                    </a:srgbClr>
-                  </a:outerShdw>
-                </a:effectLst>
                 <a:latin typeface="Bell MT" panose="02020503060305020303" pitchFamily="18" charset="0"/>
               </a:rPr>
-              <a:t>of </a:t>
-            </a:r>
-            <a:endParaRPr lang="en-US" sz="2400" b="1" dirty="0" smtClean="0">
+              <a:t>of</a:t>
+            </a:r>
+          </a:p>
+          <a:p>
+            <a:pPr algn="ctr"/>
+            <a:r>
+              <a:rPr lang="en-US" sz="2400" b="1" dirty="0" smtClean="0">
+                <a:solidFill>
+                  <a:schemeClr val="bg1"/>
+                </a:solidFill>
+                <a:latin typeface="Bell MT" panose="02020503060305020303" pitchFamily="18" charset="0"/>
+              </a:rPr>
+              <a:t> restaurant sector business</a:t>
+            </a:r>
+            <a:endParaRPr lang="en-US" sz="2400" b="1" dirty="0">
               <a:solidFill>
                 <a:schemeClr val="bg1"/>
               </a:solidFill>
-              <a:effectLst>
-                <a:outerShdw blurRad="38100" dist="38100" dir="2700000" algn="tl">
-                  <a:srgbClr val="000000">
-                    <a:alpha val="43137"/>
-                  </a:srgbClr>
-                </a:outerShdw>
-              </a:effectLst>
               <a:latin typeface="Bell MT" panose="02020503060305020303" pitchFamily="18" charset="0"/>
             </a:endParaRPr>
           </a:p>
           <a:p>
             <a:pPr algn="ctr"/>
             <a:r>
-              <a:rPr lang="en-US" sz="2400" b="1" dirty="0" smtClean="0">
+              <a:rPr lang="en-US" sz="2400" b="1" dirty="0">
                 <a:solidFill>
                   <a:schemeClr val="bg1"/>
                 </a:solidFill>
-                <a:effectLst>
-                  <a:outerShdw blurRad="38100" dist="38100" dir="2700000" algn="tl">
-                    <a:srgbClr val="000000">
-                      <a:alpha val="43137"/>
-                    </a:srgbClr>
-                  </a:outerShdw>
-                </a:effectLst>
                 <a:latin typeface="Bell MT" panose="02020503060305020303" pitchFamily="18" charset="0"/>
               </a:rPr>
-              <a:t>health sector business </a:t>
-            </a:r>
-          </a:p>
-          <a:p>
-            <a:pPr algn="ctr"/>
-            <a:r>
-              <a:rPr lang="en-US" sz="2400" b="1" dirty="0" smtClean="0">
-                <a:solidFill>
-                  <a:schemeClr val="bg1"/>
-                </a:solidFill>
-                <a:effectLst>
-                  <a:outerShdw blurRad="38100" dist="38100" dir="2700000" algn="tl">
-                    <a:srgbClr val="000000">
-                      <a:alpha val="43137"/>
-                    </a:srgbClr>
-                  </a:outerShdw>
-                </a:effectLst>
-                <a:latin typeface="Bell MT" panose="02020503060305020303" pitchFamily="18" charset="0"/>
-              </a:rPr>
-              <a:t>by </a:t>
-            </a:r>
-            <a:r>
-              <a:rPr lang="en-US" sz="2400" b="1" dirty="0">
-                <a:solidFill>
-                  <a:schemeClr val="bg1"/>
-                </a:solidFill>
-                <a:effectLst>
-                  <a:outerShdw blurRad="38100" dist="38100" dir="2700000" algn="tl">
-                    <a:srgbClr val="000000">
-                      <a:alpha val="43137"/>
-                    </a:srgbClr>
-                  </a:outerShdw>
-                </a:effectLst>
-                <a:latin typeface="Bell MT" panose="02020503060305020303" pitchFamily="18" charset="0"/>
-              </a:rPr>
-              <a:t>municipality </a:t>
+              <a:t>by municipality </a:t>
             </a:r>
           </a:p>
         </p:txBody>
       </p:sp>
       <p:sp>
         <p:nvSpPr>
-          <p:cNvPr id="7" name="ZoneTexte 6"/>
+          <p:cNvPr id="6" name="ZoneTexte 5"/>
           <p:cNvSpPr txBox="1"/>
           <p:nvPr/>
         </p:nvSpPr>
@@ -16199,7 +16183,7 @@
                 </a:solidFill>
                 <a:latin typeface="Bell MT" panose="02020503060305020303" pitchFamily="18" charset="0"/>
               </a:rPr>
-              <a:t>55.1% </a:t>
+              <a:t>37.5% </a:t>
             </a:r>
             <a:r>
               <a:rPr lang="en-US" sz="2000" b="1" dirty="0">
@@ -16247,7 +16231,7 @@
                 </a:solidFill>
                 <a:latin typeface="Bell MT" panose="02020503060305020303" pitchFamily="18" charset="0"/>
               </a:rPr>
-              <a:t> </a:t>
+              <a:t> restaurant </a:t>
             </a:r>
             <a:r>
               <a:rPr lang="en-US" sz="2000" b="1" dirty="0">
@@ -16256,8 +16240,17 @@
                 </a:solidFill>
                 <a:latin typeface="Bell MT" panose="02020503060305020303" pitchFamily="18" charset="0"/>
               </a:rPr>
-              <a:t>health sector are located in </a:t>
-            </a:r>
+              <a:t>sector </a:t>
+            </a:r>
+            <a:endParaRPr lang="en-US" sz="2000" b="1" dirty="0" smtClean="0">
+              <a:solidFill>
+                <a:schemeClr val="bg1"/>
+              </a:solidFill>
+              <a:latin typeface="Bell MT" panose="02020503060305020303" pitchFamily="18" charset="0"/>
+            </a:endParaRPr>
+          </a:p>
+          <a:p>
+            <a:pPr algn="ctr"/>
             <a:r>
               <a:rPr lang="en-US" sz="2000" b="1" dirty="0" smtClean="0">
                 <a:solidFill>
@@ -16265,19 +16258,55 @@
                 </a:solidFill>
                 <a:latin typeface="Bell MT" panose="02020503060305020303" pitchFamily="18" charset="0"/>
               </a:rPr>
-              <a:t>Port-au-Prince,</a:t>
-            </a:r>
-          </a:p>
-          <a:p>
-            <a:pPr algn="ctr"/>
-            <a:r>
-              <a:rPr lang="en-US" sz="2000" b="1" dirty="0" smtClean="0">
+              <a:t>are </a:t>
+            </a:r>
+            <a:r>
+              <a:rPr lang="en-US" sz="2000" b="1" dirty="0">
                 <a:solidFill>
                   <a:schemeClr val="bg1"/>
                 </a:solidFill>
                 <a:latin typeface="Bell MT" panose="02020503060305020303" pitchFamily="18" charset="0"/>
               </a:rPr>
-              <a:t>22.7% in Petion-Ville,</a:t>
+              <a:t>located in </a:t>
+            </a:r>
+            <a:r>
+              <a:rPr lang="en-US" sz="2000" b="1" dirty="0" smtClean="0">
+                <a:solidFill>
+                  <a:schemeClr val="bg1"/>
+                </a:solidFill>
+                <a:latin typeface="Bell MT" panose="02020503060305020303" pitchFamily="18" charset="0"/>
+              </a:rPr>
+              <a:t>Petion-Ville,</a:t>
+            </a:r>
+          </a:p>
+          <a:p>
+            <a:pPr algn="ctr"/>
+            <a:r>
+              <a:rPr lang="en-US" sz="2000" b="1" dirty="0" smtClean="0">
+                <a:solidFill>
+                  <a:schemeClr val="bg1"/>
+                </a:solidFill>
+                <a:latin typeface="Bell MT" panose="02020503060305020303" pitchFamily="18" charset="0"/>
+              </a:rPr>
+              <a:t>18.8% in </a:t>
+            </a:r>
+            <a:r>
+              <a:rPr lang="en-US" sz="2000" b="1" dirty="0" err="1" smtClean="0">
+                <a:solidFill>
+                  <a:schemeClr val="bg1"/>
+                </a:solidFill>
+                <a:latin typeface="Bell MT" panose="02020503060305020303" pitchFamily="18" charset="0"/>
+              </a:rPr>
+              <a:t>Port-au-prince</a:t>
+            </a:r>
+            <a:r>
+              <a:rPr lang="en-US" sz="2000" b="1" dirty="0" smtClean="0">
+                <a:solidFill>
+                  <a:schemeClr val="bg1"/>
+                </a:solidFill>
+                <a:latin typeface="Bell MT" panose="02020503060305020303" pitchFamily="18" charset="0"/>
+              </a:rPr>
+              <a:t>,</a:t>
             </a:r>
           </a:p>
           <a:p>
@@ -16319,19 +16348,55 @@
                 </a:solidFill>
                 <a:latin typeface="Bell MT" panose="02020503060305020303" pitchFamily="18" charset="0"/>
               </a:rPr>
-              <a:t> 3.4% in Carrefour,</a:t>
-            </a:r>
-          </a:p>
-          <a:p>
-            <a:pPr algn="ctr"/>
-            <a:r>
-              <a:rPr lang="en-US" sz="2000" b="1" dirty="0" smtClean="0">
+              <a:t> 6.9% in </a:t>
+            </a:r>
+            <a:r>
+              <a:rPr lang="en-US" sz="2000" b="1" dirty="0" err="1" smtClean="0">
                 <a:solidFill>
                   <a:schemeClr val="bg1"/>
                 </a:solidFill>
                 <a:latin typeface="Bell MT" panose="02020503060305020303" pitchFamily="18" charset="0"/>
               </a:rPr>
-              <a:t>2.6% in Tabarre.</a:t>
+              <a:t>Jacmel</a:t>
+            </a:r>
+            <a:r>
+              <a:rPr lang="en-US" sz="2000" b="1" dirty="0" smtClean="0">
+                <a:solidFill>
+                  <a:schemeClr val="bg1"/>
+                </a:solidFill>
+                <a:latin typeface="Bell MT" panose="02020503060305020303" pitchFamily="18" charset="0"/>
+              </a:rPr>
+              <a:t>,</a:t>
+            </a:r>
+          </a:p>
+          <a:p>
+            <a:pPr algn="ctr"/>
+            <a:r>
+              <a:rPr lang="en-US" sz="2000" b="1" dirty="0" smtClean="0">
+                <a:solidFill>
+                  <a:schemeClr val="bg1"/>
+                </a:solidFill>
+                <a:latin typeface="Bell MT" panose="02020503060305020303" pitchFamily="18" charset="0"/>
+              </a:rPr>
+              <a:t>6.7% in Cap-</a:t>
+            </a:r>
+            <a:r>
+              <a:rPr lang="en-US" sz="2000" b="1" dirty="0" err="1" smtClean="0">
+                <a:solidFill>
+                  <a:schemeClr val="bg1"/>
+                </a:solidFill>
+                <a:latin typeface="Bell MT" panose="02020503060305020303" pitchFamily="18" charset="0"/>
+              </a:rPr>
+              <a:t>Haïtien</a:t>
+            </a:r>
+            <a:r>
+              <a:rPr lang="en-US" sz="2000" b="1" dirty="0" smtClean="0">
+                <a:solidFill>
+                  <a:schemeClr val="bg1"/>
+                </a:solidFill>
+                <a:latin typeface="Bell MT" panose="02020503060305020303" pitchFamily="18" charset="0"/>
+              </a:rPr>
+              <a:t>.</a:t>
             </a:r>
           </a:p>
           <a:p>
@@ -16364,7 +16429,7 @@
                 </a:solidFill>
                 <a:latin typeface="Bell MT" panose="02020503060305020303" pitchFamily="18" charset="0"/>
               </a:rPr>
-              <a:t>in the health sector business</a:t>
+              <a:t>in the restaurant sector business</a:t>
             </a:r>
           </a:p>
           <a:p>
@@ -16380,7 +16445,7 @@
     </p:spTree>
     <p:extLst>
       <p:ext uri="{BB962C8B-B14F-4D97-AF65-F5344CB8AC3E}">
-        <p14:creationId xmlns:p14="http://schemas.microsoft.com/office/powerpoint/2010/main" val="94561202"/>
+        <p14:creationId xmlns:p14="http://schemas.microsoft.com/office/powerpoint/2010/main" val="2247307957"/>
       </p:ext>
     </p:extLst>
   </p:cSld>
@@ -16471,14 +16536,14 @@
       </p:pic>
       <p:sp>
         <p:nvSpPr>
-          <p:cNvPr id="5" name="ZoneTexte 4"/>
+          <p:cNvPr id="4" name="ZoneTexte 3"/>
           <p:cNvSpPr txBox="1"/>
           <p:nvPr/>
         </p:nvSpPr>
         <p:spPr>
           <a:xfrm>
-            <a:off x="484123" y="401781"/>
-            <a:ext cx="3770007" cy="1200329"/>
+            <a:off x="322992" y="401781"/>
+            <a:ext cx="4092274" cy="1200329"/>
           </a:xfrm>
           <a:prstGeom prst="rect">
             <a:avLst/>
@@ -16520,7 +16585,7 @@
                 </a:solidFill>
                 <a:latin typeface="Bell MT" panose="02020503060305020303" pitchFamily="18" charset="0"/>
               </a:rPr>
-              <a:t> restaurant sector business</a:t>
+              <a:t> construction sector business</a:t>
             </a:r>
             <a:endParaRPr lang="en-US" sz="2400" b="1" dirty="0">
               <a:solidFill>
@@ -16545,7 +16610,7 @@
       </p:sp>
       <p:sp>
         <p:nvSpPr>
-          <p:cNvPr id="6" name="ZoneTexte 5"/>
+          <p:cNvPr id="5" name="ZoneTexte 4"/>
           <p:cNvSpPr txBox="1"/>
           <p:nvPr/>
         </p:nvSpPr>
@@ -16573,7 +16638,7 @@
                 </a:solidFill>
                 <a:latin typeface="Bell MT" panose="02020503060305020303" pitchFamily="18" charset="0"/>
               </a:rPr>
-              <a:t>37.5% </a:t>
+              <a:t>29.3% </a:t>
             </a:r>
             <a:r>
               <a:rPr lang="en-US" sz="2000" b="1" dirty="0">
@@ -16621,7 +16686,7 @@
                 </a:solidFill>
                 <a:latin typeface="Bell MT" panose="02020503060305020303" pitchFamily="18" charset="0"/>
               </a:rPr>
-              <a:t> restaurant </a:t>
+              <a:t> construction </a:t>
             </a:r>
             <a:r>
               <a:rPr lang="en-US" sz="2000" b="1" dirty="0">
@@ -16678,7 +16743,7 @@
                 </a:solidFill>
                 <a:latin typeface="Bell MT" panose="02020503060305020303" pitchFamily="18" charset="0"/>
               </a:rPr>
-              <a:t>18.8% in </a:t>
+              <a:t>28.2% in </a:t>
             </a:r>
             <a:r>
               <a:rPr lang="en-US" sz="2000" b="1" dirty="0" err="1" smtClean="0">
@@ -16708,7 +16773,7 @@
                 </a:solidFill>
                 <a:latin typeface="Bell MT" panose="02020503060305020303" pitchFamily="18" charset="0"/>
               </a:rPr>
-              <a:t> 9.7% in </a:t>
+              <a:t> 15.3% in </a:t>
             </a:r>
             <a:r>
               <a:rPr lang="en-US" sz="2000" b="1" dirty="0" err="1" smtClean="0">
@@ -16738,55 +16803,19 @@
                 </a:solidFill>
                 <a:latin typeface="Bell MT" panose="02020503060305020303" pitchFamily="18" charset="0"/>
               </a:rPr>
-              <a:t> 6.9% in </a:t>
-            </a:r>
-            <a:r>
-              <a:rPr lang="en-US" sz="2000" b="1" dirty="0" err="1" smtClean="0">
+              <a:t> 9.8% in Tabarre,</a:t>
+            </a:r>
+          </a:p>
+          <a:p>
+            <a:pPr algn="ctr"/>
+            <a:r>
+              <a:rPr lang="en-US" sz="2000" b="1" dirty="0" smtClean="0">
                 <a:solidFill>
                   <a:schemeClr val="bg1"/>
                 </a:solidFill>
                 <a:latin typeface="Bell MT" panose="02020503060305020303" pitchFamily="18" charset="0"/>
               </a:rPr>
-              <a:t>Jacmel</a:t>
-            </a:r>
-            <a:r>
-              <a:rPr lang="en-US" sz="2000" b="1" dirty="0" smtClean="0">
-                <a:solidFill>
-                  <a:schemeClr val="bg1"/>
-                </a:solidFill>
-                <a:latin typeface="Bell MT" panose="02020503060305020303" pitchFamily="18" charset="0"/>
-              </a:rPr>
-              <a:t>,</a:t>
-            </a:r>
-          </a:p>
-          <a:p>
-            <a:pPr algn="ctr"/>
-            <a:r>
-              <a:rPr lang="en-US" sz="2000" b="1" dirty="0" smtClean="0">
-                <a:solidFill>
-                  <a:schemeClr val="bg1"/>
-                </a:solidFill>
-                <a:latin typeface="Bell MT" panose="02020503060305020303" pitchFamily="18" charset="0"/>
-              </a:rPr>
-              <a:t>6.7% in Cap-</a:t>
-            </a:r>
-            <a:r>
-              <a:rPr lang="en-US" sz="2000" b="1" dirty="0" err="1" smtClean="0">
-                <a:solidFill>
-                  <a:schemeClr val="bg1"/>
-                </a:solidFill>
-                <a:latin typeface="Bell MT" panose="02020503060305020303" pitchFamily="18" charset="0"/>
-              </a:rPr>
-              <a:t>Haïtien</a:t>
-            </a:r>
-            <a:r>
-              <a:rPr lang="en-US" sz="2000" b="1" dirty="0" smtClean="0">
-                <a:solidFill>
-                  <a:schemeClr val="bg1"/>
-                </a:solidFill>
-                <a:latin typeface="Bell MT" panose="02020503060305020303" pitchFamily="18" charset="0"/>
-              </a:rPr>
-              <a:t>.</a:t>
+              <a:t>3.8% in Carrefour.</a:t>
             </a:r>
           </a:p>
           <a:p>
@@ -16819,7 +16848,7 @@
                 </a:solidFill>
                 <a:latin typeface="Bell MT" panose="02020503060305020303" pitchFamily="18" charset="0"/>
               </a:rPr>
-              <a:t>in the restaurant sector business</a:t>
+              <a:t>in the construction sector business</a:t>
             </a:r>
           </a:p>
           <a:p>
@@ -16835,7 +16864,7 @@
     </p:spTree>
     <p:extLst>
       <p:ext uri="{BB962C8B-B14F-4D97-AF65-F5344CB8AC3E}">
-        <p14:creationId xmlns:p14="http://schemas.microsoft.com/office/powerpoint/2010/main" val="2247307957"/>
+        <p14:creationId xmlns:p14="http://schemas.microsoft.com/office/powerpoint/2010/main" val="3425357356"/>
       </p:ext>
     </p:extLst>
   </p:cSld>
@@ -16916,8 +16945,8 @@
         </p:blipFill>
         <p:spPr>
           <a:xfrm>
-            <a:off x="4738255" y="0"/>
-            <a:ext cx="7453744" cy="6858000"/>
+            <a:off x="4752108" y="0"/>
+            <a:ext cx="7439891" cy="6858000"/>
           </a:xfrm>
           <a:prstGeom prst="rect">
             <a:avLst/>
@@ -16932,82 +16961,8 @@
         </p:nvSpPr>
         <p:spPr>
           <a:xfrm>
-            <a:off x="322992" y="401781"/>
-            <a:ext cx="4092274" cy="1200329"/>
-          </a:xfrm>
-          <a:prstGeom prst="rect">
-            <a:avLst/>
-          </a:prstGeom>
-          <a:noFill/>
-        </p:spPr>
-        <p:txBody>
-          <a:bodyPr wrap="none" rtlCol="0">
-            <a:spAutoFit/>
-          </a:bodyPr>
-          <a:lstStyle/>
-          <a:p>
-            <a:pPr algn="ctr"/>
-            <a:r>
-              <a:rPr lang="en-US" sz="2400" b="1" dirty="0">
-                <a:solidFill>
-                  <a:schemeClr val="bg1"/>
-                </a:solidFill>
-                <a:latin typeface="Bell MT" panose="02020503060305020303" pitchFamily="18" charset="0"/>
-              </a:rPr>
-              <a:t>Distribution </a:t>
-            </a:r>
-            <a:r>
-              <a:rPr lang="en-US" sz="2400" b="1" dirty="0" smtClean="0">
-                <a:solidFill>
-                  <a:schemeClr val="bg1"/>
-                </a:solidFill>
-                <a:latin typeface="Bell MT" panose="02020503060305020303" pitchFamily="18" charset="0"/>
-              </a:rPr>
-              <a:t>of</a:t>
-            </a:r>
-          </a:p>
-          <a:p>
-            <a:pPr algn="ctr"/>
-            <a:r>
-              <a:rPr lang="en-US" sz="2400" b="1" dirty="0" smtClean="0">
-                <a:solidFill>
-                  <a:schemeClr val="bg1"/>
-                </a:solidFill>
-                <a:latin typeface="Bell MT" panose="02020503060305020303" pitchFamily="18" charset="0"/>
-              </a:rPr>
-              <a:t> construction sector business</a:t>
-            </a:r>
-            <a:endParaRPr lang="en-US" sz="2400" b="1" dirty="0">
-              <a:solidFill>
-                <a:schemeClr val="bg1"/>
-              </a:solidFill>
-              <a:latin typeface="Bell MT" panose="02020503060305020303" pitchFamily="18" charset="0"/>
-            </a:endParaRPr>
-          </a:p>
-          <a:p>
-            <a:pPr algn="ctr"/>
-            <a:r>
-              <a:rPr lang="en-US" sz="2400" b="1" dirty="0">
-                <a:solidFill>
-                  <a:schemeClr val="bg1"/>
-                </a:solidFill>
-                <a:latin typeface="Bell MT" panose="02020503060305020303" pitchFamily="18" charset="0"/>
-              </a:rPr>
-              <a:t>by municipality </a:t>
-            </a:r>
-          </a:p>
-        </p:txBody>
-      </p:sp>
-      <p:sp>
-        <p:nvSpPr>
-          <p:cNvPr id="5" name="ZoneTexte 4"/>
-          <p:cNvSpPr txBox="1"/>
-          <p:nvPr/>
-        </p:nvSpPr>
-        <p:spPr>
-          <a:xfrm>
-            <a:off x="0" y="2648634"/>
-            <a:ext cx="4738254" cy="3447098"/>
+            <a:off x="0" y="401781"/>
+            <a:ext cx="4752108" cy="1200329"/>
           </a:xfrm>
           <a:prstGeom prst="rect">
             <a:avLst/>
@@ -17022,13 +16977,78 @@
           <a:p>
             <a:pPr algn="ctr"/>
             <a:r>
-              <a:rPr lang="en-US" sz="2000" b="1" dirty="0" smtClean="0">
+              <a:rPr lang="en-US" sz="2400" b="1" dirty="0">
                 <a:solidFill>
                   <a:schemeClr val="bg1"/>
                 </a:solidFill>
                 <a:latin typeface="Bell MT" panose="02020503060305020303" pitchFamily="18" charset="0"/>
               </a:rPr>
-              <a:t>29.3% </a:t>
+              <a:t>Distribution </a:t>
+            </a:r>
+            <a:r>
+              <a:rPr lang="en-US" sz="2400" b="1" dirty="0" smtClean="0">
+                <a:solidFill>
+                  <a:schemeClr val="bg1"/>
+                </a:solidFill>
+                <a:latin typeface="Bell MT" panose="02020503060305020303" pitchFamily="18" charset="0"/>
+              </a:rPr>
+              <a:t>of</a:t>
+            </a:r>
+          </a:p>
+          <a:p>
+            <a:pPr algn="ctr"/>
+            <a:r>
+              <a:rPr lang="en-US" sz="2400" b="1" dirty="0" smtClean="0">
+                <a:solidFill>
+                  <a:schemeClr val="bg1"/>
+                </a:solidFill>
+                <a:latin typeface="Bell MT" panose="02020503060305020303" pitchFamily="18" charset="0"/>
+              </a:rPr>
+              <a:t> professional services sector business by </a:t>
+            </a:r>
+            <a:r>
+              <a:rPr lang="en-US" sz="2400" b="1" dirty="0">
+                <a:solidFill>
+                  <a:schemeClr val="bg1"/>
+                </a:solidFill>
+                <a:latin typeface="Bell MT" panose="02020503060305020303" pitchFamily="18" charset="0"/>
+              </a:rPr>
+              <a:t>municipality </a:t>
+            </a:r>
+          </a:p>
+        </p:txBody>
+      </p:sp>
+      <p:sp>
+        <p:nvSpPr>
+          <p:cNvPr id="5" name="ZoneTexte 4"/>
+          <p:cNvSpPr txBox="1"/>
+          <p:nvPr/>
+        </p:nvSpPr>
+        <p:spPr>
+          <a:xfrm>
+            <a:off x="0" y="2648634"/>
+            <a:ext cx="4738254" cy="3754874"/>
+          </a:xfrm>
+          <a:prstGeom prst="rect">
+            <a:avLst/>
+          </a:prstGeom>
+          <a:noFill/>
+        </p:spPr>
+        <p:txBody>
+          <a:bodyPr wrap="square" rtlCol="0">
+            <a:spAutoFit/>
+          </a:bodyPr>
+          <a:lstStyle/>
+          <a:p>
+            <a:pPr algn="ctr"/>
+            <a:r>
+              <a:rPr lang="en-US" sz="2000" b="1" dirty="0" smtClean="0">
+                <a:solidFill>
+                  <a:schemeClr val="bg1"/>
+                </a:solidFill>
+                <a:latin typeface="Bell MT" panose="02020503060305020303" pitchFamily="18" charset="0"/>
+              </a:rPr>
+              <a:t>50.3% </a:t>
             </a:r>
             <a:r>
               <a:rPr lang="en-US" sz="2000" b="1" dirty="0">
@@ -17076,43 +17096,28 @@
                 </a:solidFill>
                 <a:latin typeface="Bell MT" panose="02020503060305020303" pitchFamily="18" charset="0"/>
               </a:rPr>
-              <a:t> construction </a:t>
-            </a:r>
-            <a:r>
-              <a:rPr lang="en-US" sz="2000" b="1" dirty="0">
+              <a:t> professional services sector</a:t>
+            </a:r>
+          </a:p>
+          <a:p>
+            <a:pPr algn="ctr"/>
+            <a:r>
+              <a:rPr lang="en-US" sz="2000" b="1" dirty="0" smtClean="0">
                 <a:solidFill>
                   <a:schemeClr val="bg1"/>
                 </a:solidFill>
                 <a:latin typeface="Bell MT" panose="02020503060305020303" pitchFamily="18" charset="0"/>
               </a:rPr>
-              <a:t>sector </a:t>
-            </a:r>
-            <a:endParaRPr lang="en-US" sz="2000" b="1" dirty="0" smtClean="0">
-              <a:solidFill>
-                <a:schemeClr val="bg1"/>
-              </a:solidFill>
-              <a:latin typeface="Bell MT" panose="02020503060305020303" pitchFamily="18" charset="0"/>
-            </a:endParaRPr>
-          </a:p>
-          <a:p>
-            <a:pPr algn="ctr"/>
-            <a:r>
-              <a:rPr lang="en-US" sz="2000" b="1" dirty="0" smtClean="0">
+              <a:t> </a:t>
+            </a:r>
+            <a:r>
+              <a:rPr lang="en-US" sz="2000" b="1" dirty="0">
                 <a:solidFill>
                   <a:schemeClr val="bg1"/>
                 </a:solidFill>
                 <a:latin typeface="Bell MT" panose="02020503060305020303" pitchFamily="18" charset="0"/>
               </a:rPr>
-              <a:t>are </a:t>
-            </a:r>
-            <a:r>
-              <a:rPr lang="en-US" sz="2000" b="1" dirty="0">
-                <a:solidFill>
-                  <a:schemeClr val="bg1"/>
-                </a:solidFill>
-                <a:latin typeface="Bell MT" panose="02020503060305020303" pitchFamily="18" charset="0"/>
-              </a:rPr>
-              <a:t>located in </a:t>
+              <a:t>are located in </a:t>
             </a:r>
             <a:r>
               <a:rPr lang="en-US" sz="2000" b="1" dirty="0" smtClean="0">
@@ -17133,7 +17138,7 @@
                 </a:solidFill>
                 <a:latin typeface="Bell MT" panose="02020503060305020303" pitchFamily="18" charset="0"/>
               </a:rPr>
-              <a:t>28.2% in </a:t>
+              <a:t>29.8% in </a:t>
             </a:r>
             <a:r>
               <a:rPr lang="en-US" sz="2000" b="1" dirty="0" err="1" smtClean="0">
@@ -17163,7 +17168,7 @@
                 </a:solidFill>
                 <a:latin typeface="Bell MT" panose="02020503060305020303" pitchFamily="18" charset="0"/>
               </a:rPr>
-              <a:t> 15.3% in </a:t>
+              <a:t> 8.9% in </a:t>
             </a:r>
             <a:r>
               <a:rPr lang="en-US" sz="2000" b="1" dirty="0" err="1" smtClean="0">
@@ -17193,19 +17198,55 @@
                 </a:solidFill>
                 <a:latin typeface="Bell MT" panose="02020503060305020303" pitchFamily="18" charset="0"/>
               </a:rPr>
-              <a:t> 9.8% in Tabarre,</a:t>
-            </a:r>
-          </a:p>
-          <a:p>
-            <a:pPr algn="ctr"/>
-            <a:r>
-              <a:rPr lang="en-US" sz="2000" b="1" dirty="0" smtClean="0">
+              <a:t> 3.3% in Cap-</a:t>
+            </a:r>
+            <a:r>
+              <a:rPr lang="en-US" sz="2000" b="1" dirty="0" err="1" smtClean="0">
                 <a:solidFill>
                   <a:schemeClr val="bg1"/>
                 </a:solidFill>
                 <a:latin typeface="Bell MT" panose="02020503060305020303" pitchFamily="18" charset="0"/>
               </a:rPr>
-              <a:t>3.8% in Carrefour.</a:t>
+              <a:t>Haïtien</a:t>
+            </a:r>
+            <a:r>
+              <a:rPr lang="en-US" sz="2000" b="1" dirty="0" smtClean="0">
+                <a:solidFill>
+                  <a:schemeClr val="bg1"/>
+                </a:solidFill>
+                <a:latin typeface="Bell MT" panose="02020503060305020303" pitchFamily="18" charset="0"/>
+              </a:rPr>
+              <a:t>,</a:t>
+            </a:r>
+          </a:p>
+          <a:p>
+            <a:pPr algn="ctr"/>
+            <a:r>
+              <a:rPr lang="en-US" sz="2000" b="1" dirty="0" smtClean="0">
+                <a:solidFill>
+                  <a:schemeClr val="bg1"/>
+                </a:solidFill>
+                <a:latin typeface="Bell MT" panose="02020503060305020303" pitchFamily="18" charset="0"/>
+              </a:rPr>
+              <a:t>1.5% in </a:t>
+            </a:r>
+            <a:r>
+              <a:rPr lang="en-US" sz="2000" b="1" dirty="0" err="1" smtClean="0">
+                <a:solidFill>
+                  <a:schemeClr val="bg1"/>
+                </a:solidFill>
+                <a:latin typeface="Bell MT" panose="02020503060305020303" pitchFamily="18" charset="0"/>
+              </a:rPr>
+              <a:t>Jacmel</a:t>
+            </a:r>
+            <a:r>
+              <a:rPr lang="en-US" sz="2000" b="1" dirty="0" smtClean="0">
+                <a:solidFill>
+                  <a:schemeClr val="bg1"/>
+                </a:solidFill>
+                <a:latin typeface="Bell MT" panose="02020503060305020303" pitchFamily="18" charset="0"/>
+              </a:rPr>
+              <a:t>.</a:t>
             </a:r>
           </a:p>
           <a:p>
@@ -17238,7 +17279,19 @@
                 </a:solidFill>
                 <a:latin typeface="Bell MT" panose="02020503060305020303" pitchFamily="18" charset="0"/>
               </a:rPr>
-              <a:t>in the construction sector business</a:t>
+              <a:t>in the professional services</a:t>
+            </a:r>
+          </a:p>
+          <a:p>
+            <a:pPr algn="ctr"/>
+            <a:r>
+              <a:rPr lang="en-US" sz="2000" b="1" dirty="0" smtClean="0">
+                <a:solidFill>
+                  <a:schemeClr val="bg1"/>
+                </a:solidFill>
+                <a:latin typeface="Bell MT" panose="02020503060305020303" pitchFamily="18" charset="0"/>
+              </a:rPr>
+              <a:t> sector business</a:t>
             </a:r>
           </a:p>
           <a:p>
@@ -17254,7 +17307,7 @@
     </p:spTree>
     <p:extLst>
       <p:ext uri="{BB962C8B-B14F-4D97-AF65-F5344CB8AC3E}">
-        <p14:creationId xmlns:p14="http://schemas.microsoft.com/office/powerpoint/2010/main" val="3425357356"/>
+        <p14:creationId xmlns:p14="http://schemas.microsoft.com/office/powerpoint/2010/main" val="1255242950"/>
       </p:ext>
     </p:extLst>
   </p:cSld>
@@ -17335,7 +17388,7 @@
         </p:blipFill>
         <p:spPr>
           <a:xfrm>
-            <a:off x="4752108" y="0"/>
+            <a:off x="4752109" y="0"/>
             <a:ext cx="7439891" cy="6858000"/>
           </a:xfrm>
           <a:prstGeom prst="rect">
@@ -17394,7 +17447,7 @@
                 </a:solidFill>
                 <a:latin typeface="Bell MT" panose="02020503060305020303" pitchFamily="18" charset="0"/>
               </a:rPr>
-              <a:t> professional services sector business by </a:t>
+              <a:t> fashion sector business by </a:t>
             </a:r>
             <a:r>
               <a:rPr lang="en-US" sz="2400" b="1" dirty="0">
@@ -17417,7 +17470,7 @@
         <p:spPr>
           <a:xfrm>
             <a:off x="0" y="2648634"/>
-            <a:ext cx="4738254" cy="3754874"/>
+            <a:ext cx="4738254" cy="3447098"/>
           </a:xfrm>
           <a:prstGeom prst="rect">
             <a:avLst/>
@@ -17438,7 +17491,7 @@
                 </a:solidFill>
                 <a:latin typeface="Bell MT" panose="02020503060305020303" pitchFamily="18" charset="0"/>
               </a:rPr>
-              <a:t>50.3% </a:t>
+              <a:t>59.8% </a:t>
             </a:r>
             <a:r>
               <a:rPr lang="en-US" sz="2000" b="1" dirty="0">
@@ -17486,7 +17539,7 @@
                 </a:solidFill>
                 <a:latin typeface="Bell MT" panose="02020503060305020303" pitchFamily="18" charset="0"/>
               </a:rPr>
-              <a:t> professional services sector</a:t>
+              <a:t> fashion sector</a:t>
             </a:r>
           </a:p>
           <a:p>
@@ -17528,7 +17581,7 @@
                 </a:solidFill>
                 <a:latin typeface="Bell MT" panose="02020503060305020303" pitchFamily="18" charset="0"/>
               </a:rPr>
-              <a:t>29.8% in </a:t>
+              <a:t>19.6% in </a:t>
             </a:r>
             <a:r>
               <a:rPr lang="en-US" sz="2000" b="1" dirty="0" err="1" smtClean="0">
@@ -17558,7 +17611,7 @@
                 </a:solidFill>
                 <a:latin typeface="Bell MT" panose="02020503060305020303" pitchFamily="18" charset="0"/>
               </a:rPr>
-              <a:t> 8.9% in </a:t>
+              <a:t> 12.6% in </a:t>
             </a:r>
             <a:r>
               <a:rPr lang="en-US" sz="2000" b="1" dirty="0" err="1" smtClean="0">
@@ -17588,55 +17641,19 @@
                 </a:solidFill>
                 <a:latin typeface="Bell MT" panose="02020503060305020303" pitchFamily="18" charset="0"/>
               </a:rPr>
-              <a:t> 3.3% in Cap-</a:t>
-            </a:r>
-            <a:r>
-              <a:rPr lang="en-US" sz="2000" b="1" dirty="0" err="1" smtClean="0">
+              <a:t> 3.1% in Tabarre,</a:t>
+            </a:r>
+          </a:p>
+          <a:p>
+            <a:pPr algn="ctr"/>
+            <a:r>
+              <a:rPr lang="en-US" sz="2000" b="1" dirty="0" smtClean="0">
                 <a:solidFill>
                   <a:schemeClr val="bg1"/>
                 </a:solidFill>
                 <a:latin typeface="Bell MT" panose="02020503060305020303" pitchFamily="18" charset="0"/>
               </a:rPr>
-              <a:t>Haïtien</a:t>
-            </a:r>
-            <a:r>
-              <a:rPr lang="en-US" sz="2000" b="1" dirty="0" smtClean="0">
-                <a:solidFill>
-                  <a:schemeClr val="bg1"/>
-                </a:solidFill>
-                <a:latin typeface="Bell MT" panose="02020503060305020303" pitchFamily="18" charset="0"/>
-              </a:rPr>
-              <a:t>,</a:t>
-            </a:r>
-          </a:p>
-          <a:p>
-            <a:pPr algn="ctr"/>
-            <a:r>
-              <a:rPr lang="en-US" sz="2000" b="1" dirty="0" smtClean="0">
-                <a:solidFill>
-                  <a:schemeClr val="bg1"/>
-                </a:solidFill>
-                <a:latin typeface="Bell MT" panose="02020503060305020303" pitchFamily="18" charset="0"/>
-              </a:rPr>
-              <a:t>1.5% in </a:t>
-            </a:r>
-            <a:r>
-              <a:rPr lang="en-US" sz="2000" b="1" dirty="0" err="1" smtClean="0">
-                <a:solidFill>
-                  <a:schemeClr val="bg1"/>
-                </a:solidFill>
-                <a:latin typeface="Bell MT" panose="02020503060305020303" pitchFamily="18" charset="0"/>
-              </a:rPr>
-              <a:t>Jacmel</a:t>
-            </a:r>
-            <a:r>
-              <a:rPr lang="en-US" sz="2000" b="1" dirty="0" smtClean="0">
-                <a:solidFill>
-                  <a:schemeClr val="bg1"/>
-                </a:solidFill>
-                <a:latin typeface="Bell MT" panose="02020503060305020303" pitchFamily="18" charset="0"/>
-              </a:rPr>
-              <a:t>.</a:t>
+              <a:t>1.5% in Carrefour.</a:t>
             </a:r>
           </a:p>
           <a:p>
@@ -17669,19 +17686,7 @@
                 </a:solidFill>
                 <a:latin typeface="Bell MT" panose="02020503060305020303" pitchFamily="18" charset="0"/>
               </a:rPr>
-              <a:t>in the professional services</a:t>
-            </a:r>
-          </a:p>
-          <a:p>
-            <a:pPr algn="ctr"/>
-            <a:r>
-              <a:rPr lang="en-US" sz="2000" b="1" dirty="0" smtClean="0">
-                <a:solidFill>
-                  <a:schemeClr val="bg1"/>
-                </a:solidFill>
-                <a:latin typeface="Bell MT" panose="02020503060305020303" pitchFamily="18" charset="0"/>
-              </a:rPr>
-              <a:t> sector business</a:t>
+              <a:t>in the fashion sector business</a:t>
             </a:r>
           </a:p>
           <a:p>
@@ -17697,7 +17702,7 @@
     </p:spTree>
     <p:extLst>
       <p:ext uri="{BB962C8B-B14F-4D97-AF65-F5344CB8AC3E}">
-        <p14:creationId xmlns:p14="http://schemas.microsoft.com/office/powerpoint/2010/main" val="1255242950"/>
+        <p14:creationId xmlns:p14="http://schemas.microsoft.com/office/powerpoint/2010/main" val="265405303"/>
       </p:ext>
     </p:extLst>
   </p:cSld>
@@ -17751,511 +17756,6 @@
               <a:rPr lang="fr-FR" noProof="0" smtClean="0"/>
               <a:pPr rtl="0"/>
               <a:t>14</a:t>
-            </a:fld>
-            <a:endParaRPr lang="fr-FR" noProof="0"/>
-          </a:p>
-        </p:txBody>
-      </p:sp>
-      <p:pic>
-        <p:nvPicPr>
-          <p:cNvPr id="3" name="Image 2"/>
-          <p:cNvPicPr>
-            <a:picLocks noChangeAspect="1"/>
-          </p:cNvPicPr>
-          <p:nvPr/>
-        </p:nvPicPr>
-        <p:blipFill>
-          <a:blip r:embed="rId2">
-            <a:extLst>
-              <a:ext uri="{28A0092B-C50C-407E-A947-70E740481C1C}">
-                <a14:useLocalDpi xmlns:a14="http://schemas.microsoft.com/office/drawing/2010/main" val="0"/>
-              </a:ext>
-            </a:extLst>
-          </a:blip>
-          <a:stretch>
-            <a:fillRect/>
-          </a:stretch>
-        </p:blipFill>
-        <p:spPr>
-          <a:xfrm>
-            <a:off x="4752109" y="0"/>
-            <a:ext cx="7439891" cy="6858000"/>
-          </a:xfrm>
-          <a:prstGeom prst="rect">
-            <a:avLst/>
-          </a:prstGeom>
-        </p:spPr>
-      </p:pic>
-      <p:sp>
-        <p:nvSpPr>
-          <p:cNvPr id="4" name="ZoneTexte 3"/>
-          <p:cNvSpPr txBox="1"/>
-          <p:nvPr/>
-        </p:nvSpPr>
-        <p:spPr>
-          <a:xfrm>
-            <a:off x="0" y="401781"/>
-            <a:ext cx="4752108" cy="1200329"/>
-          </a:xfrm>
-          <a:prstGeom prst="rect">
-            <a:avLst/>
-          </a:prstGeom>
-          <a:noFill/>
-        </p:spPr>
-        <p:txBody>
-          <a:bodyPr wrap="square" rtlCol="0">
-            <a:spAutoFit/>
-          </a:bodyPr>
-          <a:lstStyle/>
-          <a:p>
-            <a:pPr algn="ctr"/>
-            <a:r>
-              <a:rPr lang="en-US" sz="2400" b="1" dirty="0">
-                <a:solidFill>
-                  <a:schemeClr val="bg1"/>
-                </a:solidFill>
-                <a:latin typeface="Bell MT" panose="02020503060305020303" pitchFamily="18" charset="0"/>
-              </a:rPr>
-              <a:t>Distribution </a:t>
-            </a:r>
-            <a:r>
-              <a:rPr lang="en-US" sz="2400" b="1" dirty="0" smtClean="0">
-                <a:solidFill>
-                  <a:schemeClr val="bg1"/>
-                </a:solidFill>
-                <a:latin typeface="Bell MT" panose="02020503060305020303" pitchFamily="18" charset="0"/>
-              </a:rPr>
-              <a:t>of</a:t>
-            </a:r>
-          </a:p>
-          <a:p>
-            <a:pPr algn="ctr"/>
-            <a:r>
-              <a:rPr lang="en-US" sz="2400" b="1" dirty="0" smtClean="0">
-                <a:solidFill>
-                  <a:schemeClr val="bg1"/>
-                </a:solidFill>
-                <a:latin typeface="Bell MT" panose="02020503060305020303" pitchFamily="18" charset="0"/>
-              </a:rPr>
-              <a:t> fashion sector business by </a:t>
-            </a:r>
-            <a:r>
-              <a:rPr lang="en-US" sz="2400" b="1" dirty="0">
-                <a:solidFill>
-                  <a:schemeClr val="bg1"/>
-                </a:solidFill>
-                <a:latin typeface="Bell MT" panose="02020503060305020303" pitchFamily="18" charset="0"/>
-              </a:rPr>
-              <a:t>municipality </a:t>
-            </a:r>
-          </a:p>
-        </p:txBody>
-      </p:sp>
-      <p:sp>
-        <p:nvSpPr>
-          <p:cNvPr id="5" name="ZoneTexte 4"/>
-          <p:cNvSpPr txBox="1"/>
-          <p:nvPr/>
-        </p:nvSpPr>
-        <p:spPr>
-          <a:xfrm>
-            <a:off x="0" y="2648634"/>
-            <a:ext cx="4738254" cy="3447098"/>
-          </a:xfrm>
-          <a:prstGeom prst="rect">
-            <a:avLst/>
-          </a:prstGeom>
-          <a:noFill/>
-        </p:spPr>
-        <p:txBody>
-          <a:bodyPr wrap="square" rtlCol="0">
-            <a:spAutoFit/>
-          </a:bodyPr>
-          <a:lstStyle/>
-          <a:p>
-            <a:pPr algn="ctr"/>
-            <a:r>
-              <a:rPr lang="en-US" sz="2000" b="1" dirty="0" smtClean="0">
-                <a:solidFill>
-                  <a:schemeClr val="bg1"/>
-                </a:solidFill>
-                <a:latin typeface="Bell MT" panose="02020503060305020303" pitchFamily="18" charset="0"/>
-              </a:rPr>
-              <a:t>59.8% </a:t>
-            </a:r>
-            <a:r>
-              <a:rPr lang="en-US" sz="2000" b="1" dirty="0">
-                <a:solidFill>
-                  <a:schemeClr val="bg1"/>
-                </a:solidFill>
-                <a:latin typeface="Bell MT" panose="02020503060305020303" pitchFamily="18" charset="0"/>
-              </a:rPr>
-              <a:t>of </a:t>
-            </a:r>
-            <a:r>
-              <a:rPr lang="en-US" sz="2000" b="1" dirty="0" smtClean="0">
-                <a:solidFill>
-                  <a:schemeClr val="bg1"/>
-                </a:solidFill>
-                <a:latin typeface="Bell MT" panose="02020503060305020303" pitchFamily="18" charset="0"/>
-              </a:rPr>
-              <a:t>businesses </a:t>
-            </a:r>
-            <a:r>
-              <a:rPr lang="en-US" sz="2000" b="1" dirty="0">
-                <a:solidFill>
-                  <a:schemeClr val="bg1"/>
-                </a:solidFill>
-                <a:latin typeface="Bell MT" panose="02020503060305020303" pitchFamily="18" charset="0"/>
-              </a:rPr>
-              <a:t>in </a:t>
-            </a:r>
-            <a:r>
-              <a:rPr lang="en-US" sz="2000" b="1" dirty="0" smtClean="0">
-                <a:solidFill>
-                  <a:schemeClr val="bg1"/>
-                </a:solidFill>
-                <a:latin typeface="Bell MT" panose="02020503060305020303" pitchFamily="18" charset="0"/>
-              </a:rPr>
-              <a:t>the</a:t>
-            </a:r>
-          </a:p>
-          <a:p>
-            <a:pPr algn="ctr"/>
-            <a:r>
-              <a:rPr lang="en-US" sz="2000" b="1" dirty="0" smtClean="0">
-                <a:solidFill>
-                  <a:schemeClr val="bg1"/>
-                </a:solidFill>
-                <a:latin typeface="Bell MT" panose="02020503060305020303" pitchFamily="18" charset="0"/>
-              </a:rPr>
-              <a:t> fashion sector</a:t>
-            </a:r>
-          </a:p>
-          <a:p>
-            <a:pPr algn="ctr"/>
-            <a:r>
-              <a:rPr lang="en-US" sz="2000" b="1" dirty="0" smtClean="0">
-                <a:solidFill>
-                  <a:schemeClr val="bg1"/>
-                </a:solidFill>
-                <a:latin typeface="Bell MT" panose="02020503060305020303" pitchFamily="18" charset="0"/>
-              </a:rPr>
-              <a:t> </a:t>
-            </a:r>
-            <a:r>
-              <a:rPr lang="en-US" sz="2000" b="1" dirty="0">
-                <a:solidFill>
-                  <a:schemeClr val="bg1"/>
-                </a:solidFill>
-                <a:latin typeface="Bell MT" panose="02020503060305020303" pitchFamily="18" charset="0"/>
-              </a:rPr>
-              <a:t>are located in </a:t>
-            </a:r>
-            <a:r>
-              <a:rPr lang="en-US" sz="2000" b="1" dirty="0" smtClean="0">
-                <a:solidFill>
-                  <a:schemeClr val="bg1"/>
-                </a:solidFill>
-                <a:latin typeface="Bell MT" panose="02020503060305020303" pitchFamily="18" charset="0"/>
-              </a:rPr>
-              <a:t>Petion-Ville,</a:t>
-            </a:r>
-          </a:p>
-          <a:p>
-            <a:pPr algn="ctr"/>
-            <a:r>
-              <a:rPr lang="en-US" sz="2000" b="1" dirty="0" smtClean="0">
-                <a:solidFill>
-                  <a:schemeClr val="bg1"/>
-                </a:solidFill>
-                <a:latin typeface="Bell MT" panose="02020503060305020303" pitchFamily="18" charset="0"/>
-              </a:rPr>
-              <a:t>19.6% in </a:t>
-            </a:r>
-            <a:r>
-              <a:rPr lang="en-US" sz="2000" b="1" dirty="0" err="1" smtClean="0">
-                <a:solidFill>
-                  <a:schemeClr val="bg1"/>
-                </a:solidFill>
-                <a:latin typeface="Bell MT" panose="02020503060305020303" pitchFamily="18" charset="0"/>
-              </a:rPr>
-              <a:t>Port-au-prince</a:t>
-            </a:r>
-            <a:r>
-              <a:rPr lang="en-US" sz="2000" b="1" dirty="0" smtClean="0">
-                <a:solidFill>
-                  <a:schemeClr val="bg1"/>
-                </a:solidFill>
-                <a:latin typeface="Bell MT" panose="02020503060305020303" pitchFamily="18" charset="0"/>
-              </a:rPr>
-              <a:t>,</a:t>
-            </a:r>
-          </a:p>
-          <a:p>
-            <a:pPr algn="ctr"/>
-            <a:r>
-              <a:rPr lang="en-US" sz="2000" b="1" dirty="0" smtClean="0">
-                <a:solidFill>
-                  <a:schemeClr val="bg1"/>
-                </a:solidFill>
-                <a:latin typeface="Bell MT" panose="02020503060305020303" pitchFamily="18" charset="0"/>
-              </a:rPr>
-              <a:t> 12.6% in </a:t>
-            </a:r>
-            <a:r>
-              <a:rPr lang="en-US" sz="2000" b="1" dirty="0" err="1" smtClean="0">
-                <a:solidFill>
-                  <a:schemeClr val="bg1"/>
-                </a:solidFill>
-                <a:latin typeface="Bell MT" panose="02020503060305020303" pitchFamily="18" charset="0"/>
-              </a:rPr>
-              <a:t>Delmas</a:t>
-            </a:r>
-            <a:r>
-              <a:rPr lang="en-US" sz="2000" b="1" dirty="0" smtClean="0">
-                <a:solidFill>
-                  <a:schemeClr val="bg1"/>
-                </a:solidFill>
-                <a:latin typeface="Bell MT" panose="02020503060305020303" pitchFamily="18" charset="0"/>
-              </a:rPr>
-              <a:t>,</a:t>
-            </a:r>
-          </a:p>
-          <a:p>
-            <a:pPr algn="ctr"/>
-            <a:r>
-              <a:rPr lang="en-US" sz="2000" b="1" dirty="0" smtClean="0">
-                <a:solidFill>
-                  <a:schemeClr val="bg1"/>
-                </a:solidFill>
-                <a:latin typeface="Bell MT" panose="02020503060305020303" pitchFamily="18" charset="0"/>
-              </a:rPr>
-              <a:t> 3.1% in Tabarre,</a:t>
-            </a:r>
-          </a:p>
-          <a:p>
-            <a:pPr algn="ctr"/>
-            <a:r>
-              <a:rPr lang="en-US" sz="2000" b="1" dirty="0" smtClean="0">
-                <a:solidFill>
-                  <a:schemeClr val="bg1"/>
-                </a:solidFill>
-                <a:latin typeface="Bell MT" panose="02020503060305020303" pitchFamily="18" charset="0"/>
-              </a:rPr>
-              <a:t>1.5% in Carrefour.</a:t>
-            </a:r>
-          </a:p>
-          <a:p>
-            <a:pPr algn="ctr"/>
-            <a:endParaRPr lang="en-US" sz="2000" b="1" dirty="0">
-              <a:solidFill>
-                <a:schemeClr val="bg1"/>
-              </a:solidFill>
-              <a:latin typeface="Bell MT" panose="02020503060305020303" pitchFamily="18" charset="0"/>
-            </a:endParaRPr>
-          </a:p>
-          <a:p>
-            <a:pPr algn="ctr"/>
-            <a:r>
-              <a:rPr lang="en-US" sz="2000" b="1" dirty="0" smtClean="0">
-                <a:solidFill>
-                  <a:schemeClr val="bg1"/>
-                </a:solidFill>
-                <a:latin typeface="Bell MT" panose="02020503060305020303" pitchFamily="18" charset="0"/>
-              </a:rPr>
-              <a:t>These are the top 5 </a:t>
-            </a:r>
-          </a:p>
-          <a:p>
-            <a:pPr algn="ctr"/>
-            <a:r>
-              <a:rPr lang="en-US" sz="2000" b="1" dirty="0" smtClean="0">
-                <a:solidFill>
-                  <a:schemeClr val="bg1"/>
-                </a:solidFill>
-                <a:latin typeface="Bell MT" panose="02020503060305020303" pitchFamily="18" charset="0"/>
-              </a:rPr>
-              <a:t>in the fashion sector business</a:t>
-            </a:r>
-          </a:p>
-          <a:p>
-            <a:pPr algn="ctr"/>
-            <a:endParaRPr lang="en-US" dirty="0">
-              <a:solidFill>
-                <a:schemeClr val="bg1"/>
-              </a:solidFill>
-            </a:endParaRPr>
-          </a:p>
-        </p:txBody>
-      </p:sp>
-    </p:spTree>
-    <p:extLst>
-      <p:ext uri="{BB962C8B-B14F-4D97-AF65-F5344CB8AC3E}">
-        <p14:creationId xmlns:p14="http://schemas.microsoft.com/office/powerpoint/2010/main" val="265405303"/>
-      </p:ext>
-    </p:extLst>
-  </p:cSld>
-  <p:clrMapOvr>
-    <a:masterClrMapping/>
-  </p:clrMapOvr>
-  <p:timing>
-    <p:tnLst>
-      <p:par>
-        <p:cTn id="1" dur="indefinite" restart="never" nodeType="tmRoot"/>
-      </p:par>
-    </p:tnLst>
-  </p:timing>
-</p:sld>
-</file>
-
-<file path=ppt/slides/slide15.xml><?xml version="1.0" encoding="utf-8"?>
-<p:sld xmlns:a="http://schemas.openxmlformats.org/drawingml/2006/main" xmlns:r="http://schemas.openxmlformats.org/officeDocument/2006/relationships" xmlns:p="http://schemas.openxmlformats.org/presentationml/2006/main">
-  <p:cSld>
-    <p:spTree>
-      <p:nvGrpSpPr>
-        <p:cNvPr id="1" name=""/>
-        <p:cNvGrpSpPr/>
-        <p:nvPr/>
-      </p:nvGrpSpPr>
-      <p:grpSpPr>
-        <a:xfrm>
-          <a:off x="0" y="0"/>
-          <a:ext cx="0" cy="0"/>
-          <a:chOff x="0" y="0"/>
-          <a:chExt cx="0" cy="0"/>
-        </a:xfrm>
-      </p:grpSpPr>
-      <p:sp>
-        <p:nvSpPr>
-          <p:cNvPr id="2" name="Espace réservé du numéro de diapositive 1"/>
-          <p:cNvSpPr>
-            <a:spLocks noGrp="1"/>
-          </p:cNvSpPr>
-          <p:nvPr>
-            <p:ph type="sldNum" sz="quarter" idx="10"/>
-          </p:nvPr>
-        </p:nvSpPr>
-        <p:spPr/>
-        <p:txBody>
-          <a:bodyPr/>
-          <a:lstStyle/>
-          <a:p>
-            <a:pPr rtl="0"/>
-            <a:fld id="{D495E168-DA5E-4888-8D8A-92B118324C14}" type="slidenum">
-              <a:rPr lang="fr-FR" noProof="0" smtClean="0"/>
-              <a:pPr rtl="0"/>
-              <a:t>15</a:t>
-            </a:fld>
-            <a:endParaRPr lang="fr-FR" noProof="0"/>
-          </a:p>
-        </p:txBody>
-      </p:sp>
-      <p:sp>
-        <p:nvSpPr>
-          <p:cNvPr id="3" name="Titre 2"/>
-          <p:cNvSpPr>
-            <a:spLocks noGrp="1"/>
-          </p:cNvSpPr>
-          <p:nvPr>
-            <p:ph type="title"/>
-          </p:nvPr>
-        </p:nvSpPr>
-        <p:spPr>
-          <a:xfrm>
-            <a:off x="386105" y="1102545"/>
-            <a:ext cx="5056083" cy="782638"/>
-          </a:xfrm>
-        </p:spPr>
-        <p:txBody>
-          <a:bodyPr>
-            <a:noAutofit/>
-          </a:bodyPr>
-          <a:lstStyle/>
-          <a:p>
-            <a:r>
-              <a:rPr lang="en-US" sz="6000" dirty="0" smtClean="0">
-                <a:effectLst>
-                  <a:outerShdw blurRad="38100" dist="38100" dir="2700000" algn="tl">
-                    <a:srgbClr val="000000">
-                      <a:alpha val="43137"/>
-                    </a:srgbClr>
-                  </a:outerShdw>
-                </a:effectLst>
-                <a:latin typeface="Bell MT" panose="02020503060305020303" pitchFamily="18" charset="0"/>
-              </a:rPr>
-              <a:t>Observations</a:t>
-            </a:r>
-            <a:endParaRPr lang="en-US" sz="4400" dirty="0">
-              <a:effectLst>
-                <a:outerShdw blurRad="38100" dist="38100" dir="2700000" algn="tl">
-                  <a:srgbClr val="000000">
-                    <a:alpha val="43137"/>
-                  </a:srgbClr>
-                </a:outerShdw>
-              </a:effectLst>
-              <a:latin typeface="Bell MT" panose="02020503060305020303" pitchFamily="18" charset="0"/>
-            </a:endParaRPr>
-          </a:p>
-        </p:txBody>
-      </p:sp>
-    </p:spTree>
-    <p:extLst>
-      <p:ext uri="{BB962C8B-B14F-4D97-AF65-F5344CB8AC3E}">
-        <p14:creationId xmlns:p14="http://schemas.microsoft.com/office/powerpoint/2010/main" val="1709998660"/>
-      </p:ext>
-    </p:extLst>
-  </p:cSld>
-  <p:clrMapOvr>
-    <a:masterClrMapping/>
-  </p:clrMapOvr>
-  <p:timing>
-    <p:tnLst>
-      <p:par>
-        <p:cTn id="1" dur="indefinite" restart="never" nodeType="tmRoot"/>
-      </p:par>
-    </p:tnLst>
-  </p:timing>
-</p:sld>
-</file>
-
-<file path=ppt/slides/slide16.xml><?xml version="1.0" encoding="utf-8"?>
-<p:sld xmlns:a="http://schemas.openxmlformats.org/drawingml/2006/main" xmlns:r="http://schemas.openxmlformats.org/officeDocument/2006/relationships" xmlns:p="http://schemas.openxmlformats.org/presentationml/2006/main">
-  <p:cSld>
-    <p:spTree>
-      <p:nvGrpSpPr>
-        <p:cNvPr id="1" name=""/>
-        <p:cNvGrpSpPr/>
-        <p:nvPr/>
-      </p:nvGrpSpPr>
-      <p:grpSpPr>
-        <a:xfrm>
-          <a:off x="0" y="0"/>
-          <a:ext cx="0" cy="0"/>
-          <a:chOff x="0" y="0"/>
-          <a:chExt cx="0" cy="0"/>
-        </a:xfrm>
-      </p:grpSpPr>
-      <p:sp>
-        <p:nvSpPr>
-          <p:cNvPr id="2" name="Espace réservé du numéro de diapositive 1"/>
-          <p:cNvSpPr>
-            <a:spLocks noGrp="1"/>
-          </p:cNvSpPr>
-          <p:nvPr>
-            <p:ph type="sldNum" sz="quarter" idx="10"/>
-          </p:nvPr>
-        </p:nvSpPr>
-        <p:spPr/>
-        <p:txBody>
-          <a:bodyPr/>
-          <a:lstStyle/>
-          <a:p>
-            <a:pPr rtl="0"/>
-            <a:fld id="{D495E168-DA5E-4888-8D8A-92B118324C14}" type="slidenum">
-              <a:rPr lang="fr-FR" noProof="0" smtClean="0"/>
-              <a:pPr rtl="0"/>
-              <a:t>16</a:t>
             </a:fld>
             <a:endParaRPr lang="fr-FR" noProof="0"/>
           </a:p>
@@ -18380,7 +17880,7 @@
 </p:sld>
 </file>
 
-<file path=ppt/slides/slide17.xml><?xml version="1.0" encoding="utf-8"?>
+<file path=ppt/slides/slide15.xml><?xml version="1.0" encoding="utf-8"?>
 <p:sld xmlns:a="http://schemas.openxmlformats.org/drawingml/2006/main" xmlns:r="http://schemas.openxmlformats.org/officeDocument/2006/relationships" xmlns:p="http://schemas.openxmlformats.org/presentationml/2006/main">
   <p:cSld>
     <p:spTree>
@@ -18585,7 +18085,7 @@
             <a:fld id="{D495E168-DA5E-4888-8D8A-92B118324C14}" type="slidenum">
               <a:rPr lang="fr-FR" smtClean="0"/>
               <a:pPr rtl="0"/>
-              <a:t>17</a:t>
+              <a:t>15</a:t>
             </a:fld>
             <a:endParaRPr lang="fr-FR"/>
           </a:p>
@@ -18611,7 +18111,7 @@
 </p:sld>
 </file>
 
-<file path=ppt/slides/slide18.xml><?xml version="1.0" encoding="utf-8"?>
+<file path=ppt/slides/slide16.xml><?xml version="1.0" encoding="utf-8"?>
 <p:sld xmlns:a="http://schemas.openxmlformats.org/drawingml/2006/main" xmlns:r="http://schemas.openxmlformats.org/officeDocument/2006/relationships" xmlns:p="http://schemas.openxmlformats.org/presentationml/2006/main">
   <p:cSld>
     <p:spTree>
@@ -19146,7 +18646,7 @@
             <a:fld id="{D495E168-DA5E-4888-8D8A-92B118324C14}" type="slidenum">
               <a:rPr lang="fr-FR" smtClean="0"/>
               <a:pPr rtl="0"/>
-              <a:t>18</a:t>
+              <a:t>16</a:t>
             </a:fld>
             <a:endParaRPr lang="fr-FR"/>
           </a:p>
@@ -19172,7 +18672,7 @@
 </p:sld>
 </file>
 
-<file path=ppt/slides/slide19.xml><?xml version="1.0" encoding="utf-8"?>
+<file path=ppt/slides/slide17.xml><?xml version="1.0" encoding="utf-8"?>
 <p:sld xmlns:a="http://schemas.openxmlformats.org/drawingml/2006/main" xmlns:r="http://schemas.openxmlformats.org/officeDocument/2006/relationships" xmlns:p="http://schemas.openxmlformats.org/presentationml/2006/main">
   <p:cSld>
     <p:spTree>
@@ -19338,7 +18838,7 @@
             <a:fld id="{D495E168-DA5E-4888-8D8A-92B118324C14}" type="slidenum">
               <a:rPr lang="fr-FR" smtClean="0"/>
               <a:pPr rtl="0"/>
-              <a:t>19</a:t>
+              <a:t>17</a:t>
             </a:fld>
             <a:endParaRPr lang="fr-FR"/>
           </a:p>
@@ -19364,7 +18864,7 @@
 </p:sld>
 </file>
 
-<file path=ppt/slides/slide2.xml><?xml version="1.0" encoding="utf-8"?>
+<file path=ppt/slides/slide18.xml><?xml version="1.0" encoding="utf-8"?>
 <p:sld xmlns:a="http://schemas.openxmlformats.org/drawingml/2006/main" xmlns:r="http://schemas.openxmlformats.org/officeDocument/2006/relationships" xmlns:p="http://schemas.openxmlformats.org/presentationml/2006/main">
   <p:cSld>
     <p:spTree>
@@ -19383,183 +18883,6 @@
       </p:grpSpPr>
       <p:sp>
         <p:nvSpPr>
-          <p:cNvPr id="2" name="Titre 1"/>
-          <p:cNvSpPr>
-            <a:spLocks noGrp="1"/>
-          </p:cNvSpPr>
-          <p:nvPr>
-            <p:ph type="title"/>
-          </p:nvPr>
-        </p:nvSpPr>
-        <p:spPr>
-          <a:xfrm>
-            <a:off x="783875" y="2119745"/>
-            <a:ext cx="10510754" cy="3103418"/>
-          </a:xfrm>
-        </p:spPr>
-        <p:txBody>
-          <a:bodyPr/>
-          <a:lstStyle/>
-          <a:p>
-            <a:pPr algn="ctr"/>
-            <a:r>
-              <a:rPr lang="en-US" sz="4400" dirty="0">
-                <a:effectLst>
-                  <a:outerShdw blurRad="38100" dist="38100" dir="2700000" algn="tl">
-                    <a:srgbClr val="000000">
-                      <a:alpha val="43137"/>
-                    </a:srgbClr>
-                  </a:outerShdw>
-                </a:effectLst>
-                <a:latin typeface="Bell MT" panose="02020503060305020303" pitchFamily="18" charset="0"/>
-              </a:rPr>
-              <a:t>What Is The Best Municipality To Start </a:t>
-            </a:r>
-            <a:r>
-              <a:rPr lang="en-US" sz="4400" dirty="0" smtClean="0">
-                <a:effectLst>
-                  <a:outerShdw blurRad="38100" dist="38100" dir="2700000" algn="tl">
-                    <a:srgbClr val="000000">
-                      <a:alpha val="43137"/>
-                    </a:srgbClr>
-                  </a:outerShdw>
-                </a:effectLst>
-                <a:latin typeface="Bell MT" panose="02020503060305020303" pitchFamily="18" charset="0"/>
-              </a:rPr>
-              <a:t>Your Business?</a:t>
-            </a:r>
-            <a:br>
-              <a:rPr lang="en-US" sz="4400" dirty="0" smtClean="0">
-                <a:effectLst>
-                  <a:outerShdw blurRad="38100" dist="38100" dir="2700000" algn="tl">
-                    <a:srgbClr val="000000">
-                      <a:alpha val="43137"/>
-                    </a:srgbClr>
-                  </a:outerShdw>
-                </a:effectLst>
-                <a:latin typeface="Bell MT" panose="02020503060305020303" pitchFamily="18" charset="0"/>
-              </a:rPr>
-            </a:br>
-            <a:r>
-              <a:rPr lang="en-US" sz="4400" dirty="0" smtClean="0">
-                <a:effectLst>
-                  <a:outerShdw blurRad="38100" dist="38100" dir="2700000" algn="tl">
-                    <a:srgbClr val="000000">
-                      <a:alpha val="43137"/>
-                    </a:srgbClr>
-                  </a:outerShdw>
-                </a:effectLst>
-                <a:latin typeface="Bell MT" panose="02020503060305020303" pitchFamily="18" charset="0"/>
-              </a:rPr>
-              <a:t>Or </a:t>
-            </a:r>
-            <a:br>
-              <a:rPr lang="en-US" sz="4400" dirty="0" smtClean="0">
-                <a:effectLst>
-                  <a:outerShdw blurRad="38100" dist="38100" dir="2700000" algn="tl">
-                    <a:srgbClr val="000000">
-                      <a:alpha val="43137"/>
-                    </a:srgbClr>
-                  </a:outerShdw>
-                </a:effectLst>
-                <a:latin typeface="Bell MT" panose="02020503060305020303" pitchFamily="18" charset="0"/>
-              </a:rPr>
-            </a:br>
-            <a:r>
-              <a:rPr lang="en-US" sz="4400" dirty="0" smtClean="0">
-                <a:effectLst>
-                  <a:outerShdw blurRad="38100" dist="38100" dir="2700000" algn="tl">
-                    <a:srgbClr val="000000">
-                      <a:alpha val="43137"/>
-                    </a:srgbClr>
-                  </a:outerShdw>
-                </a:effectLst>
-                <a:latin typeface="Bell MT" panose="02020503060305020303" pitchFamily="18" charset="0"/>
-              </a:rPr>
-              <a:t>What </a:t>
-            </a:r>
-            <a:r>
-              <a:rPr lang="en-US" sz="4400" dirty="0">
-                <a:effectLst>
-                  <a:outerShdw blurRad="38100" dist="38100" dir="2700000" algn="tl">
-                    <a:srgbClr val="000000">
-                      <a:alpha val="43137"/>
-                    </a:srgbClr>
-                  </a:outerShdw>
-                </a:effectLst>
-                <a:latin typeface="Bell MT" panose="02020503060305020303" pitchFamily="18" charset="0"/>
-              </a:rPr>
-              <a:t>Is The Next Location To Expand </a:t>
-            </a:r>
-            <a:r>
-              <a:rPr lang="en-US" sz="4400" dirty="0" smtClean="0">
-                <a:effectLst>
-                  <a:outerShdw blurRad="38100" dist="38100" dir="2700000" algn="tl">
-                    <a:srgbClr val="000000">
-                      <a:alpha val="43137"/>
-                    </a:srgbClr>
-                  </a:outerShdw>
-                </a:effectLst>
-                <a:latin typeface="Bell MT" panose="02020503060305020303" pitchFamily="18" charset="0"/>
-              </a:rPr>
-              <a:t>Your </a:t>
-            </a:r>
-            <a:r>
-              <a:rPr lang="en-US" sz="4400" dirty="0">
-                <a:effectLst>
-                  <a:outerShdw blurRad="38100" dist="38100" dir="2700000" algn="tl">
-                    <a:srgbClr val="000000">
-                      <a:alpha val="43137"/>
-                    </a:srgbClr>
-                  </a:outerShdw>
-                </a:effectLst>
-                <a:latin typeface="Bell MT" panose="02020503060305020303" pitchFamily="18" charset="0"/>
-              </a:rPr>
-              <a:t>Business?</a:t>
-            </a:r>
-            <a:endParaRPr lang="en-US" sz="4400" dirty="0"/>
-          </a:p>
-        </p:txBody>
-      </p:sp>
-    </p:spTree>
-    <p:extLst>
-      <p:ext uri="{BB962C8B-B14F-4D97-AF65-F5344CB8AC3E}">
-        <p14:creationId xmlns:p14="http://schemas.microsoft.com/office/powerpoint/2010/main" val="1952509775"/>
-      </p:ext>
-    </p:extLst>
-  </p:cSld>
-  <p:clrMapOvr>
-    <a:masterClrMapping/>
-  </p:clrMapOvr>
-  <p:timing>
-    <p:tnLst>
-      <p:par>
-        <p:cTn id="1" dur="indefinite" restart="never" nodeType="tmRoot"/>
-      </p:par>
-    </p:tnLst>
-  </p:timing>
-</p:sld>
-</file>
-
-<file path=ppt/slides/slide20.xml><?xml version="1.0" encoding="utf-8"?>
-<p:sld xmlns:a="http://schemas.openxmlformats.org/drawingml/2006/main" xmlns:r="http://schemas.openxmlformats.org/officeDocument/2006/relationships" xmlns:p="http://schemas.openxmlformats.org/presentationml/2006/main">
-  <p:cSld>
-    <p:spTree>
-      <p:nvGrpSpPr>
-        <p:cNvPr id="1" name=""/>
-        <p:cNvGrpSpPr/>
-        <p:nvPr/>
-      </p:nvGrpSpPr>
-      <p:grpSpPr>
-        <a:xfrm>
-          <a:off x="0" y="0"/>
-          <a:ext cx="0" cy="0"/>
-          <a:chOff x="0" y="0"/>
-          <a:chExt cx="0" cy="0"/>
-        </a:xfrm>
-      </p:grpSpPr>
-      <p:sp>
-        <p:nvSpPr>
           <p:cNvPr id="8" name="Titre 7">
             <a:extLst>
               <a:ext uri="{FF2B5EF4-FFF2-40B4-BE49-F238E27FC236}">
@@ -19822,7 +19145,7 @@
             <a:fld id="{D495E168-DA5E-4888-8D8A-92B118324C14}" type="slidenum">
               <a:rPr lang="fr-FR" smtClean="0"/>
               <a:pPr rtl="0"/>
-              <a:t>20</a:t>
+              <a:t>18</a:t>
             </a:fld>
             <a:endParaRPr lang="fr-FR"/>
           </a:p>
@@ -19848,7 +19171,7 @@
 </p:sld>
 </file>
 
-<file path=ppt/slides/slide21.xml><?xml version="1.0" encoding="utf-8"?>
+<file path=ppt/slides/slide19.xml><?xml version="1.0" encoding="utf-8"?>
 <p:sld xmlns:a="http://schemas.openxmlformats.org/drawingml/2006/main" xmlns:r="http://schemas.openxmlformats.org/officeDocument/2006/relationships" xmlns:p="http://schemas.openxmlformats.org/presentationml/2006/main">
   <p:cSld>
     <p:spTree>
@@ -20086,7 +19409,7 @@
             <a:fld id="{D495E168-DA5E-4888-8D8A-92B118324C14}" type="slidenum">
               <a:rPr lang="fr-FR" smtClean="0"/>
               <a:pPr rtl="0"/>
-              <a:t>21</a:t>
+              <a:t>19</a:t>
             </a:fld>
             <a:endParaRPr lang="fr-FR" dirty="0"/>
           </a:p>
@@ -20105,7 +19428,184 @@
 </p:sld>
 </file>
 
-<file path=ppt/slides/slide22.xml><?xml version="1.0" encoding="utf-8"?>
+<file path=ppt/slides/slide2.xml><?xml version="1.0" encoding="utf-8"?>
+<p:sld xmlns:a="http://schemas.openxmlformats.org/drawingml/2006/main" xmlns:r="http://schemas.openxmlformats.org/officeDocument/2006/relationships" xmlns:p="http://schemas.openxmlformats.org/presentationml/2006/main">
+  <p:cSld>
+    <p:spTree>
+      <p:nvGrpSpPr>
+        <p:cNvPr id="1" name=""/>
+        <p:cNvGrpSpPr/>
+        <p:nvPr/>
+      </p:nvGrpSpPr>
+      <p:grpSpPr>
+        <a:xfrm>
+          <a:off x="0" y="0"/>
+          <a:ext cx="0" cy="0"/>
+          <a:chOff x="0" y="0"/>
+          <a:chExt cx="0" cy="0"/>
+        </a:xfrm>
+      </p:grpSpPr>
+      <p:sp>
+        <p:nvSpPr>
+          <p:cNvPr id="2" name="Titre 1"/>
+          <p:cNvSpPr>
+            <a:spLocks noGrp="1"/>
+          </p:cNvSpPr>
+          <p:nvPr>
+            <p:ph type="title"/>
+          </p:nvPr>
+        </p:nvSpPr>
+        <p:spPr>
+          <a:xfrm>
+            <a:off x="783875" y="2119745"/>
+            <a:ext cx="10510754" cy="3103418"/>
+          </a:xfrm>
+        </p:spPr>
+        <p:txBody>
+          <a:bodyPr/>
+          <a:lstStyle/>
+          <a:p>
+            <a:pPr algn="ctr"/>
+            <a:r>
+              <a:rPr lang="en-US" sz="4400" dirty="0">
+                <a:effectLst>
+                  <a:outerShdw blurRad="38100" dist="38100" dir="2700000" algn="tl">
+                    <a:srgbClr val="000000">
+                      <a:alpha val="43137"/>
+                    </a:srgbClr>
+                  </a:outerShdw>
+                </a:effectLst>
+                <a:latin typeface="Bell MT" panose="02020503060305020303" pitchFamily="18" charset="0"/>
+              </a:rPr>
+              <a:t>What Is The Best Municipality To Start </a:t>
+            </a:r>
+            <a:r>
+              <a:rPr lang="en-US" sz="4400" dirty="0" smtClean="0">
+                <a:effectLst>
+                  <a:outerShdw blurRad="38100" dist="38100" dir="2700000" algn="tl">
+                    <a:srgbClr val="000000">
+                      <a:alpha val="43137"/>
+                    </a:srgbClr>
+                  </a:outerShdw>
+                </a:effectLst>
+                <a:latin typeface="Bell MT" panose="02020503060305020303" pitchFamily="18" charset="0"/>
+              </a:rPr>
+              <a:t>Your Business?</a:t>
+            </a:r>
+            <a:br>
+              <a:rPr lang="en-US" sz="4400" dirty="0" smtClean="0">
+                <a:effectLst>
+                  <a:outerShdw blurRad="38100" dist="38100" dir="2700000" algn="tl">
+                    <a:srgbClr val="000000">
+                      <a:alpha val="43137"/>
+                    </a:srgbClr>
+                  </a:outerShdw>
+                </a:effectLst>
+                <a:latin typeface="Bell MT" panose="02020503060305020303" pitchFamily="18" charset="0"/>
+              </a:rPr>
+            </a:br>
+            <a:r>
+              <a:rPr lang="en-US" sz="4400" dirty="0" smtClean="0">
+                <a:effectLst>
+                  <a:outerShdw blurRad="38100" dist="38100" dir="2700000" algn="tl">
+                    <a:srgbClr val="000000">
+                      <a:alpha val="43137"/>
+                    </a:srgbClr>
+                  </a:outerShdw>
+                </a:effectLst>
+                <a:latin typeface="Bell MT" panose="02020503060305020303" pitchFamily="18" charset="0"/>
+              </a:rPr>
+              <a:t>Or </a:t>
+            </a:r>
+            <a:br>
+              <a:rPr lang="en-US" sz="4400" dirty="0" smtClean="0">
+                <a:effectLst>
+                  <a:outerShdw blurRad="38100" dist="38100" dir="2700000" algn="tl">
+                    <a:srgbClr val="000000">
+                      <a:alpha val="43137"/>
+                    </a:srgbClr>
+                  </a:outerShdw>
+                </a:effectLst>
+                <a:latin typeface="Bell MT" panose="02020503060305020303" pitchFamily="18" charset="0"/>
+              </a:rPr>
+            </a:br>
+            <a:r>
+              <a:rPr lang="en-US" sz="4400" dirty="0" smtClean="0">
+                <a:effectLst>
+                  <a:outerShdw blurRad="38100" dist="38100" dir="2700000" algn="tl">
+                    <a:srgbClr val="000000">
+                      <a:alpha val="43137"/>
+                    </a:srgbClr>
+                  </a:outerShdw>
+                </a:effectLst>
+                <a:latin typeface="Bell MT" panose="02020503060305020303" pitchFamily="18" charset="0"/>
+              </a:rPr>
+              <a:t>What </a:t>
+            </a:r>
+            <a:r>
+              <a:rPr lang="en-US" sz="4400" dirty="0">
+                <a:effectLst>
+                  <a:outerShdw blurRad="38100" dist="38100" dir="2700000" algn="tl">
+                    <a:srgbClr val="000000">
+                      <a:alpha val="43137"/>
+                    </a:srgbClr>
+                  </a:outerShdw>
+                </a:effectLst>
+                <a:latin typeface="Bell MT" panose="02020503060305020303" pitchFamily="18" charset="0"/>
+              </a:rPr>
+              <a:t>Is The Next Location To Expand </a:t>
+            </a:r>
+            <a:r>
+              <a:rPr lang="en-US" sz="4400" dirty="0" smtClean="0">
+                <a:effectLst>
+                  <a:outerShdw blurRad="38100" dist="38100" dir="2700000" algn="tl">
+                    <a:srgbClr val="000000">
+                      <a:alpha val="43137"/>
+                    </a:srgbClr>
+                  </a:outerShdw>
+                </a:effectLst>
+                <a:latin typeface="Bell MT" panose="02020503060305020303" pitchFamily="18" charset="0"/>
+              </a:rPr>
+              <a:t>Your </a:t>
+            </a:r>
+            <a:r>
+              <a:rPr lang="en-US" sz="4400" dirty="0">
+                <a:effectLst>
+                  <a:outerShdw blurRad="38100" dist="38100" dir="2700000" algn="tl">
+                    <a:srgbClr val="000000">
+                      <a:alpha val="43137"/>
+                    </a:srgbClr>
+                  </a:outerShdw>
+                </a:effectLst>
+                <a:latin typeface="Bell MT" panose="02020503060305020303" pitchFamily="18" charset="0"/>
+              </a:rPr>
+              <a:t>Business?</a:t>
+            </a:r>
+            <a:endParaRPr lang="en-US" sz="4400" dirty="0"/>
+          </a:p>
+        </p:txBody>
+      </p:sp>
+    </p:spTree>
+    <p:extLst>
+      <p:ext uri="{BB962C8B-B14F-4D97-AF65-F5344CB8AC3E}">
+        <p14:creationId xmlns:p14="http://schemas.microsoft.com/office/powerpoint/2010/main" val="1952509775"/>
+      </p:ext>
+    </p:extLst>
+  </p:cSld>
+  <p:clrMapOvr>
+    <a:masterClrMapping/>
+  </p:clrMapOvr>
+  <p:timing>
+    <p:tnLst>
+      <p:par>
+        <p:cTn id="1" dur="indefinite" restart="never" nodeType="tmRoot"/>
+      </p:par>
+    </p:tnLst>
+  </p:timing>
+</p:sld>
+</file>
+
+<file path=ppt/slides/slide20.xml><?xml version="1.0" encoding="utf-8"?>
 <p:sld xmlns:a="http://schemas.openxmlformats.org/drawingml/2006/main" xmlns:r="http://schemas.openxmlformats.org/officeDocument/2006/relationships" xmlns:p="http://schemas.openxmlformats.org/presentationml/2006/main">
   <p:cSld>
     <p:spTree>
@@ -22925,7 +22425,7 @@
             <a:fld id="{D495E168-DA5E-4888-8D8A-92B118324C14}" type="slidenum">
               <a:rPr lang="fr-FR" smtClean="0"/>
               <a:pPr rtl="0"/>
-              <a:t>22</a:t>
+              <a:t>20</a:t>
             </a:fld>
             <a:endParaRPr lang="fr-FR"/>
           </a:p>
@@ -22944,7 +22444,7 @@
 </p:sld>
 </file>
 
-<file path=ppt/slides/slide23.xml><?xml version="1.0" encoding="utf-8"?>
+<file path=ppt/slides/slide21.xml><?xml version="1.0" encoding="utf-8"?>
 <p:sld xmlns:a="http://schemas.openxmlformats.org/drawingml/2006/main" xmlns:r="http://schemas.openxmlformats.org/officeDocument/2006/relationships" xmlns:p="http://schemas.openxmlformats.org/presentationml/2006/main">
   <p:cSld>
     <p:spTree>
@@ -23069,7 +22569,7 @@
             <a:fld id="{D495E168-DA5E-4888-8D8A-92B118324C14}" type="slidenum">
               <a:rPr lang="fr-FR" smtClean="0"/>
               <a:pPr rtl="0"/>
-              <a:t>23</a:t>
+              <a:t>21</a:t>
             </a:fld>
             <a:endParaRPr lang="fr-FR"/>
           </a:p>
@@ -23088,7 +22588,7 @@
 </p:sld>
 </file>
 
-<file path=ppt/slides/slide24.xml><?xml version="1.0" encoding="utf-8"?>
+<file path=ppt/slides/slide22.xml><?xml version="1.0" encoding="utf-8"?>
 <p:sld xmlns:a="http://schemas.openxmlformats.org/drawingml/2006/main" xmlns:r="http://schemas.openxmlformats.org/officeDocument/2006/relationships" xmlns:p="http://schemas.openxmlformats.org/presentationml/2006/main">
   <p:cSld>
     <p:spTree>
@@ -23177,7 +22677,7 @@
             <a:fld id="{D495E168-DA5E-4888-8D8A-92B118324C14}" type="slidenum">
               <a:rPr lang="fr-FR" smtClean="0"/>
               <a:pPr rtl="0"/>
-              <a:t>24</a:t>
+              <a:t>22</a:t>
             </a:fld>
             <a:endParaRPr lang="fr-FR"/>
           </a:p>
@@ -23196,7 +22696,7 @@
 </p:sld>
 </file>
 
-<file path=ppt/slides/slide25.xml><?xml version="1.0" encoding="utf-8"?>
+<file path=ppt/slides/slide23.xml><?xml version="1.0" encoding="utf-8"?>
 <p:sld xmlns:a="http://schemas.openxmlformats.org/drawingml/2006/main" xmlns:r="http://schemas.openxmlformats.org/officeDocument/2006/relationships" xmlns:p="http://schemas.openxmlformats.org/presentationml/2006/main">
   <p:cSld>
     <p:spTree>
@@ -23442,7 +22942,7 @@
 </p:sld>
 </file>
 
-<file path=ppt/slides/slide26.xml><?xml version="1.0" encoding="utf-8"?>
+<file path=ppt/slides/slide24.xml><?xml version="1.0" encoding="utf-8"?>
 <p:sld xmlns:a="http://schemas.openxmlformats.org/drawingml/2006/main" xmlns:r="http://schemas.openxmlformats.org/officeDocument/2006/relationships" xmlns:p="http://schemas.openxmlformats.org/presentationml/2006/main">
   <p:cSld>
     <p:spTree>
@@ -23569,7 +23069,7 @@
             <a:fld id="{D495E168-DA5E-4888-8D8A-92B118324C14}" type="slidenum">
               <a:rPr lang="fr-FR" smtClean="0"/>
               <a:pPr rtl="0"/>
-              <a:t>26</a:t>
+              <a:t>24</a:t>
             </a:fld>
             <a:endParaRPr lang="fr-FR"/>
           </a:p>
@@ -24134,32 +23634,7 @@
       </p:grpSpPr>
       <p:sp>
         <p:nvSpPr>
-          <p:cNvPr id="2" name="Espace réservé du numéro de diapositive 1"/>
-          <p:cNvSpPr>
-            <a:spLocks noGrp="1"/>
-          </p:cNvSpPr>
-          <p:nvPr>
-            <p:ph type="sldNum" sz="quarter" idx="10"/>
-          </p:nvPr>
-        </p:nvSpPr>
-        <p:spPr/>
-        <p:txBody>
-          <a:bodyPr/>
-          <a:lstStyle/>
-          <a:p>
-            <a:pPr rtl="0"/>
-            <a:fld id="{D495E168-DA5E-4888-8D8A-92B118324C14}" type="slidenum">
-              <a:rPr lang="fr-FR" noProof="0" smtClean="0"/>
-              <a:pPr rtl="0"/>
-              <a:t>5</a:t>
-            </a:fld>
-            <a:endParaRPr lang="fr-FR" noProof="0"/>
-          </a:p>
-        </p:txBody>
-      </p:sp>
-      <p:sp>
-        <p:nvSpPr>
-          <p:cNvPr id="3" name="Titre 2"/>
+          <p:cNvPr id="2" name="Titre 1"/>
           <p:cNvSpPr>
             <a:spLocks noGrp="1"/>
           </p:cNvSpPr>
@@ -24167,20 +23642,23 @@
             <p:ph type="title"/>
           </p:nvPr>
         </p:nvSpPr>
-        <p:spPr/>
+        <p:spPr>
+          <a:xfrm>
+            <a:off x="326675" y="916235"/>
+            <a:ext cx="4799506" cy="2281355"/>
+          </a:xfrm>
+        </p:spPr>
         <p:txBody>
-          <a:bodyPr>
-            <a:normAutofit fontScale="90000"/>
-          </a:bodyPr>
+          <a:bodyPr/>
           <a:lstStyle/>
           <a:p>
             <a:r>
-              <a:rPr lang="en-US" sz="6700" dirty="0" err="1" smtClean="0">
+              <a:rPr lang="en-US" sz="6000" dirty="0" smtClean="0">
                 <a:latin typeface="Bell MT" panose="02020503060305020303" pitchFamily="18" charset="0"/>
               </a:rPr>
-              <a:t>Objectif</a:t>
-            </a:r>
-            <a:endParaRPr lang="en-US" sz="3200" dirty="0">
+              <a:t>Data Acquisition</a:t>
+            </a:r>
+            <a:endParaRPr lang="en-US" sz="6000" dirty="0">
               <a:latin typeface="Bell MT" panose="02020503060305020303" pitchFamily="18" charset="0"/>
             </a:endParaRPr>
           </a:p>
@@ -24188,90 +23666,138 @@
       </p:sp>
       <p:sp>
         <p:nvSpPr>
-          <p:cNvPr id="4" name="ZoneTexte 3"/>
-          <p:cNvSpPr txBox="1"/>
-          <p:nvPr/>
+          <p:cNvPr id="3" name="Sous-titre 2"/>
+          <p:cNvSpPr>
+            <a:spLocks noGrp="1"/>
+          </p:cNvSpPr>
+          <p:nvPr>
+            <p:ph type="subTitle" idx="1"/>
+          </p:nvPr>
         </p:nvSpPr>
         <p:spPr>
           <a:xfrm>
-            <a:off x="1572060" y="3053937"/>
-            <a:ext cx="8768619" cy="830997"/>
+            <a:off x="770021" y="3574474"/>
+            <a:ext cx="10090287" cy="3006436"/>
           </a:xfrm>
-          <a:prstGeom prst="rect">
-            <a:avLst/>
-          </a:prstGeom>
-          <a:noFill/>
         </p:spPr>
         <p:txBody>
-          <a:bodyPr wrap="none" rtlCol="0">
-            <a:spAutoFit/>
-          </a:bodyPr>
+          <a:bodyPr/>
           <a:lstStyle/>
           <a:p>
-            <a:r>
-              <a:rPr lang="en-US" sz="2400" dirty="0">
+            <a:pPr marL="457200" indent="-457200">
+              <a:buFont typeface="Courier New" panose="02070309020205020404" pitchFamily="49" charset="0"/>
+              <a:buChar char="o"/>
+            </a:pPr>
+            <a:r>
+              <a:rPr lang="en-US" sz="2400" dirty="0" smtClean="0">
                 <a:solidFill>
                   <a:schemeClr val="bg1"/>
                 </a:solidFill>
                 <a:latin typeface="Bell MT" panose="02020503060305020303" pitchFamily="18" charset="0"/>
               </a:rPr>
-              <a:t>The main objective of the project is to identify the optimal </a:t>
-            </a:r>
-            <a:r>
-              <a:rPr lang="en-US" sz="2400" dirty="0" smtClean="0">
+              <a:t>The list of businesses in the various sectors of activity by municipality.</a:t>
+            </a:r>
+          </a:p>
+          <a:p>
+            <a:pPr marL="1143000" lvl="1" indent="-457200"/>
+            <a:r>
+              <a:rPr lang="en-US" sz="2100" dirty="0" smtClean="0">
                 <a:solidFill>
                   <a:schemeClr val="bg1"/>
                 </a:solidFill>
                 <a:latin typeface="Bell MT" panose="02020503060305020303" pitchFamily="18" charset="0"/>
               </a:rPr>
-              <a:t>location</a:t>
-            </a:r>
-          </a:p>
-          <a:p>
-            <a:pPr algn="ctr"/>
-            <a:r>
-              <a:rPr lang="en-US" sz="2400" dirty="0" smtClean="0">
+              <a:t>Source: Web Scraping from </a:t>
+            </a:r>
+            <a:r>
+              <a:rPr lang="en-US" sz="2100" dirty="0" smtClean="0">
+                <a:solidFill>
+                  <a:schemeClr val="bg1"/>
+                </a:solidFill>
+                <a:latin typeface="Bell MT" panose="02020503060305020303" pitchFamily="18" charset="0"/>
+                <a:hlinkClick r:id="rId2"/>
+              </a:rPr>
+              <a:t>www.pagespro.ht</a:t>
+            </a:r>
+            <a:endParaRPr lang="en-US" sz="2100" dirty="0" smtClean="0">
+              <a:solidFill>
+                <a:schemeClr val="bg1"/>
+              </a:solidFill>
+              <a:latin typeface="Bell MT" panose="02020503060305020303" pitchFamily="18" charset="0"/>
+            </a:endParaRPr>
+          </a:p>
+          <a:p>
+            <a:pPr marL="457200" indent="-457200">
+              <a:buFont typeface="Courier New" panose="02070309020205020404" pitchFamily="49" charset="0"/>
+              <a:buChar char="o"/>
+            </a:pPr>
+            <a:r>
+              <a:rPr lang="en-US" sz="2400" dirty="0">
                 <a:solidFill>
                   <a:schemeClr val="bg1"/>
                 </a:solidFill>
                 <a:latin typeface="Bell MT" panose="02020503060305020303" pitchFamily="18" charset="0"/>
               </a:rPr>
-              <a:t> </a:t>
-            </a:r>
-            <a:r>
-              <a:rPr lang="en-US" sz="2400" dirty="0">
+              <a:t>The </a:t>
+            </a:r>
+            <a:r>
+              <a:rPr lang="en-US" sz="2400" dirty="0" smtClean="0">
                 <a:solidFill>
                   <a:schemeClr val="bg1"/>
                 </a:solidFill>
                 <a:latin typeface="Bell MT" panose="02020503060305020303" pitchFamily="18" charset="0"/>
               </a:rPr>
-              <a:t>for a business in Haiti</a:t>
-            </a:r>
-            <a:r>
-              <a:rPr lang="en-US" sz="2400" dirty="0" smtClean="0">
+              <a:t>demographic data </a:t>
+            </a:r>
+            <a:r>
+              <a:rPr lang="en-US" sz="2400" dirty="0">
                 <a:solidFill>
                   <a:schemeClr val="bg1"/>
                 </a:solidFill>
                 <a:latin typeface="Bell MT" panose="02020503060305020303" pitchFamily="18" charset="0"/>
               </a:rPr>
-              <a:t>, </a:t>
-            </a:r>
-            <a:r>
-              <a:rPr lang="en-US" sz="2400" dirty="0">
+              <a:t>of the various municipalities</a:t>
+            </a:r>
+            <a:r>
+              <a:rPr lang="en-US" sz="2400" dirty="0" smtClean="0">
                 <a:solidFill>
                   <a:schemeClr val="bg1"/>
                 </a:solidFill>
                 <a:latin typeface="Bell MT" panose="02020503060305020303" pitchFamily="18" charset="0"/>
               </a:rPr>
-              <a:t>more specifically in the western department. </a:t>
-            </a:r>
+              <a:t>.</a:t>
+            </a:r>
+            <a:endParaRPr lang="en-US" sz="2400" dirty="0">
+              <a:solidFill>
+                <a:schemeClr val="bg1"/>
+              </a:solidFill>
+              <a:latin typeface="Bell MT" panose="02020503060305020303" pitchFamily="18" charset="0"/>
+            </a:endParaRPr>
+          </a:p>
+          <a:p>
+            <a:pPr marL="1143000" lvl="1" indent="-457200"/>
+            <a:r>
+              <a:rPr lang="en-US" sz="2100" dirty="0" smtClean="0">
+                <a:solidFill>
+                  <a:schemeClr val="bg1"/>
+                </a:solidFill>
+                <a:latin typeface="Bell MT" panose="02020503060305020303" pitchFamily="18" charset="0"/>
+              </a:rPr>
+              <a:t>Source: Office For The Coordination Of Humanitarian Affairs (OCHA)</a:t>
+            </a:r>
+            <a:endParaRPr lang="en-US" sz="2100" dirty="0">
+              <a:solidFill>
+                <a:schemeClr val="bg1"/>
+              </a:solidFill>
+              <a:latin typeface="Bell MT" panose="02020503060305020303" pitchFamily="18" charset="0"/>
+            </a:endParaRPr>
           </a:p>
         </p:txBody>
       </p:sp>
     </p:spTree>
     <p:extLst>
       <p:ext uri="{BB962C8B-B14F-4D97-AF65-F5344CB8AC3E}">
-        <p14:creationId xmlns:p14="http://schemas.microsoft.com/office/powerpoint/2010/main" val="2763420022"/>
+        <p14:creationId xmlns:p14="http://schemas.microsoft.com/office/powerpoint/2010/main" val="1848450719"/>
       </p:ext>
     </p:extLst>
   </p:cSld>
@@ -24317,19 +23843,20 @@
         </p:nvSpPr>
         <p:spPr>
           <a:xfrm>
-            <a:off x="326675" y="916235"/>
-            <a:ext cx="4799506" cy="2281355"/>
+            <a:off x="770021" y="1830635"/>
+            <a:ext cx="10510754" cy="2281355"/>
           </a:xfrm>
         </p:spPr>
         <p:txBody>
           <a:bodyPr/>
           <a:lstStyle/>
           <a:p>
+            <a:pPr algn="ctr"/>
             <a:r>
               <a:rPr lang="en-US" sz="6000" dirty="0" smtClean="0">
                 <a:latin typeface="Bell MT" panose="02020503060305020303" pitchFamily="18" charset="0"/>
               </a:rPr>
-              <a:t>Data Acquisition</a:t>
+              <a:t>Data Visualization</a:t>
             </a:r>
             <a:endParaRPr lang="en-US" sz="6000" dirty="0">
               <a:latin typeface="Bell MT" panose="02020503060305020303" pitchFamily="18" charset="0"/>
@@ -24337,140 +23864,10 @@
           </a:p>
         </p:txBody>
       </p:sp>
-      <p:sp>
-        <p:nvSpPr>
-          <p:cNvPr id="3" name="Sous-titre 2"/>
-          <p:cNvSpPr>
-            <a:spLocks noGrp="1"/>
-          </p:cNvSpPr>
-          <p:nvPr>
-            <p:ph type="subTitle" idx="1"/>
-          </p:nvPr>
-        </p:nvSpPr>
-        <p:spPr>
-          <a:xfrm>
-            <a:off x="770021" y="3574474"/>
-            <a:ext cx="10090287" cy="3006436"/>
-          </a:xfrm>
-        </p:spPr>
-        <p:txBody>
-          <a:bodyPr/>
-          <a:lstStyle/>
-          <a:p>
-            <a:pPr marL="457200" indent="-457200">
-              <a:buFont typeface="Courier New" panose="02070309020205020404" pitchFamily="49" charset="0"/>
-              <a:buChar char="o"/>
-            </a:pPr>
-            <a:r>
-              <a:rPr lang="en-US" sz="2400" dirty="0" smtClean="0">
-                <a:solidFill>
-                  <a:schemeClr val="bg1"/>
-                </a:solidFill>
-                <a:latin typeface="Bell MT" panose="02020503060305020303" pitchFamily="18" charset="0"/>
-              </a:rPr>
-              <a:t>The list of businesses in the various sectors of activity by municipality.</a:t>
-            </a:r>
-          </a:p>
-          <a:p>
-            <a:pPr marL="1143000" lvl="1" indent="-457200"/>
-            <a:r>
-              <a:rPr lang="en-US" sz="2100" dirty="0" smtClean="0">
-                <a:solidFill>
-                  <a:schemeClr val="bg1"/>
-                </a:solidFill>
-                <a:latin typeface="Bell MT" panose="02020503060305020303" pitchFamily="18" charset="0"/>
-              </a:rPr>
-              <a:t>Source: Web Scraping from </a:t>
-            </a:r>
-            <a:r>
-              <a:rPr lang="en-US" sz="2100" dirty="0" smtClean="0">
-                <a:solidFill>
-                  <a:schemeClr val="bg1"/>
-                </a:solidFill>
-                <a:latin typeface="Bell MT" panose="02020503060305020303" pitchFamily="18" charset="0"/>
-                <a:hlinkClick r:id="rId2"/>
-              </a:rPr>
-              <a:t>www.pagespro.ht</a:t>
-            </a:r>
-            <a:endParaRPr lang="en-US" sz="2100" dirty="0" smtClean="0">
-              <a:solidFill>
-                <a:schemeClr val="bg1"/>
-              </a:solidFill>
-              <a:latin typeface="Bell MT" panose="02020503060305020303" pitchFamily="18" charset="0"/>
-            </a:endParaRPr>
-          </a:p>
-          <a:p>
-            <a:pPr marL="457200" indent="-457200">
-              <a:buFont typeface="Courier New" panose="02070309020205020404" pitchFamily="49" charset="0"/>
-              <a:buChar char="o"/>
-            </a:pPr>
-            <a:r>
-              <a:rPr lang="en-US" sz="2400" dirty="0">
-                <a:solidFill>
-                  <a:schemeClr val="bg1"/>
-                </a:solidFill>
-                <a:latin typeface="Bell MT" panose="02020503060305020303" pitchFamily="18" charset="0"/>
-              </a:rPr>
-              <a:t>The </a:t>
-            </a:r>
-            <a:r>
-              <a:rPr lang="en-US" sz="2400" dirty="0" smtClean="0">
-                <a:solidFill>
-                  <a:schemeClr val="bg1"/>
-                </a:solidFill>
-                <a:latin typeface="Bell MT" panose="02020503060305020303" pitchFamily="18" charset="0"/>
-              </a:rPr>
-              <a:t>demographic data </a:t>
-            </a:r>
-            <a:r>
-              <a:rPr lang="en-US" sz="2400" dirty="0">
-                <a:solidFill>
-                  <a:schemeClr val="bg1"/>
-                </a:solidFill>
-                <a:latin typeface="Bell MT" panose="02020503060305020303" pitchFamily="18" charset="0"/>
-              </a:rPr>
-              <a:t>of the various municipalities</a:t>
-            </a:r>
-            <a:r>
-              <a:rPr lang="en-US" sz="2400" dirty="0" smtClean="0">
-                <a:solidFill>
-                  <a:schemeClr val="bg1"/>
-                </a:solidFill>
-                <a:latin typeface="Bell MT" panose="02020503060305020303" pitchFamily="18" charset="0"/>
-              </a:rPr>
-              <a:t>.</a:t>
-            </a:r>
-            <a:endParaRPr lang="en-US" sz="2400" dirty="0">
-              <a:solidFill>
-                <a:schemeClr val="bg1"/>
-              </a:solidFill>
-              <a:latin typeface="Bell MT" panose="02020503060305020303" pitchFamily="18" charset="0"/>
-            </a:endParaRPr>
-          </a:p>
-          <a:p>
-            <a:pPr marL="1143000" lvl="1" indent="-457200"/>
-            <a:r>
-              <a:rPr lang="en-US" sz="2100" dirty="0" smtClean="0">
-                <a:solidFill>
-                  <a:schemeClr val="bg1"/>
-                </a:solidFill>
-                <a:latin typeface="Bell MT" panose="02020503060305020303" pitchFamily="18" charset="0"/>
-              </a:rPr>
-              <a:t>Source: Office For The Coordination Of Humanitarian Affairs (OCHA)</a:t>
-            </a:r>
-            <a:endParaRPr lang="en-US" sz="2100" dirty="0">
-              <a:solidFill>
-                <a:schemeClr val="bg1"/>
-              </a:solidFill>
-              <a:latin typeface="Bell MT" panose="02020503060305020303" pitchFamily="18" charset="0"/>
-            </a:endParaRPr>
-          </a:p>
-        </p:txBody>
-      </p:sp>
     </p:spTree>
     <p:extLst>
       <p:ext uri="{BB962C8B-B14F-4D97-AF65-F5344CB8AC3E}">
-        <p14:creationId xmlns:p14="http://schemas.microsoft.com/office/powerpoint/2010/main" val="1848450719"/>
+        <p14:creationId xmlns:p14="http://schemas.microsoft.com/office/powerpoint/2010/main" val="1504550512"/>
       </p:ext>
     </p:extLst>
   </p:cSld>
@@ -24506,76 +23903,6 @@
       </p:grpSpPr>
       <p:sp>
         <p:nvSpPr>
-          <p:cNvPr id="2" name="Titre 1"/>
-          <p:cNvSpPr>
-            <a:spLocks noGrp="1"/>
-          </p:cNvSpPr>
-          <p:nvPr>
-            <p:ph type="title"/>
-          </p:nvPr>
-        </p:nvSpPr>
-        <p:spPr>
-          <a:xfrm>
-            <a:off x="770021" y="1830635"/>
-            <a:ext cx="10510754" cy="2281355"/>
-          </a:xfrm>
-        </p:spPr>
-        <p:txBody>
-          <a:bodyPr/>
-          <a:lstStyle/>
-          <a:p>
-            <a:pPr algn="ctr"/>
-            <a:r>
-              <a:rPr lang="en-US" sz="6000" dirty="0" smtClean="0">
-                <a:latin typeface="Bell MT" panose="02020503060305020303" pitchFamily="18" charset="0"/>
-              </a:rPr>
-              <a:t>Data Visualization</a:t>
-            </a:r>
-            <a:endParaRPr lang="en-US" sz="6000" dirty="0">
-              <a:latin typeface="Bell MT" panose="02020503060305020303" pitchFamily="18" charset="0"/>
-            </a:endParaRPr>
-          </a:p>
-        </p:txBody>
-      </p:sp>
-    </p:spTree>
-    <p:extLst>
-      <p:ext uri="{BB962C8B-B14F-4D97-AF65-F5344CB8AC3E}">
-        <p14:creationId xmlns:p14="http://schemas.microsoft.com/office/powerpoint/2010/main" val="1504550512"/>
-      </p:ext>
-    </p:extLst>
-  </p:cSld>
-  <p:clrMapOvr>
-    <a:masterClrMapping/>
-  </p:clrMapOvr>
-  <p:timing>
-    <p:tnLst>
-      <p:par>
-        <p:cTn id="1" dur="indefinite" restart="never" nodeType="tmRoot"/>
-      </p:par>
-    </p:tnLst>
-  </p:timing>
-</p:sld>
-</file>
-
-<file path=ppt/slides/slide8.xml><?xml version="1.0" encoding="utf-8"?>
-<p:sld xmlns:a="http://schemas.openxmlformats.org/drawingml/2006/main" xmlns:r="http://schemas.openxmlformats.org/officeDocument/2006/relationships" xmlns:p="http://schemas.openxmlformats.org/presentationml/2006/main">
-  <p:cSld>
-    <p:spTree>
-      <p:nvGrpSpPr>
-        <p:cNvPr id="1" name=""/>
-        <p:cNvGrpSpPr/>
-        <p:nvPr/>
-      </p:nvGrpSpPr>
-      <p:grpSpPr>
-        <a:xfrm>
-          <a:off x="0" y="0"/>
-          <a:ext cx="0" cy="0"/>
-          <a:chOff x="0" y="0"/>
-          <a:chExt cx="0" cy="0"/>
-        </a:xfrm>
-      </p:grpSpPr>
-      <p:sp>
-        <p:nvSpPr>
           <p:cNvPr id="2" name="Espace réservé du numéro de diapositive 1"/>
           <p:cNvSpPr>
             <a:spLocks noGrp="1"/>
@@ -24593,7 +23920,7 @@
             <a:fld id="{D495E168-DA5E-4888-8D8A-92B118324C14}" type="slidenum">
               <a:rPr lang="fr-FR" noProof="0" smtClean="0"/>
               <a:pPr rtl="0"/>
-              <a:t>8</a:t>
+              <a:t>7</a:t>
             </a:fld>
             <a:endParaRPr lang="fr-FR" noProof="0"/>
           </a:p>
@@ -24762,7 +24089,7 @@
 </p:sld>
 </file>
 
-<file path=ppt/slides/slide9.xml><?xml version="1.0" encoding="utf-8"?>
+<file path=ppt/slides/slide8.xml><?xml version="1.0" encoding="utf-8"?>
 <p:sld xmlns:a="http://schemas.openxmlformats.org/drawingml/2006/main" xmlns:r="http://schemas.openxmlformats.org/officeDocument/2006/relationships" xmlns:p="http://schemas.openxmlformats.org/presentationml/2006/main">
   <p:cSld>
     <p:spTree>
@@ -24798,7 +24125,7 @@
             <a:fld id="{D495E168-DA5E-4888-8D8A-92B118324C14}" type="slidenum">
               <a:rPr lang="fr-FR" noProof="0" smtClean="0"/>
               <a:pPr rtl="0"/>
-              <a:t>9</a:t>
+              <a:t>8</a:t>
             </a:fld>
             <a:endParaRPr lang="fr-FR" noProof="0"/>
           </a:p>
@@ -24917,6 +24244,431 @@
     <p:extLst>
       <p:ext uri="{BB962C8B-B14F-4D97-AF65-F5344CB8AC3E}">
         <p14:creationId xmlns:p14="http://schemas.microsoft.com/office/powerpoint/2010/main" val="3029694202"/>
+      </p:ext>
+    </p:extLst>
+  </p:cSld>
+  <p:clrMapOvr>
+    <a:masterClrMapping/>
+  </p:clrMapOvr>
+  <p:timing>
+    <p:tnLst>
+      <p:par>
+        <p:cTn id="1" dur="indefinite" restart="never" nodeType="tmRoot"/>
+      </p:par>
+    </p:tnLst>
+  </p:timing>
+</p:sld>
+</file>
+
+<file path=ppt/slides/slide9.xml><?xml version="1.0" encoding="utf-8"?>
+<p:sld xmlns:a="http://schemas.openxmlformats.org/drawingml/2006/main" xmlns:r="http://schemas.openxmlformats.org/officeDocument/2006/relationships" xmlns:p="http://schemas.openxmlformats.org/presentationml/2006/main">
+  <p:cSld>
+    <p:spTree>
+      <p:nvGrpSpPr>
+        <p:cNvPr id="1" name=""/>
+        <p:cNvGrpSpPr/>
+        <p:nvPr/>
+      </p:nvGrpSpPr>
+      <p:grpSpPr>
+        <a:xfrm>
+          <a:off x="0" y="0"/>
+          <a:ext cx="0" cy="0"/>
+          <a:chOff x="0" y="0"/>
+          <a:chExt cx="0" cy="0"/>
+        </a:xfrm>
+      </p:grpSpPr>
+      <p:sp>
+        <p:nvSpPr>
+          <p:cNvPr id="2" name="Espace réservé du numéro de diapositive 1"/>
+          <p:cNvSpPr>
+            <a:spLocks noGrp="1"/>
+          </p:cNvSpPr>
+          <p:nvPr>
+            <p:ph type="sldNum" sz="quarter" idx="10"/>
+          </p:nvPr>
+        </p:nvSpPr>
+        <p:spPr/>
+        <p:txBody>
+          <a:bodyPr/>
+          <a:lstStyle/>
+          <a:p>
+            <a:pPr rtl="0"/>
+            <a:fld id="{D495E168-DA5E-4888-8D8A-92B118324C14}" type="slidenum">
+              <a:rPr lang="fr-FR" noProof="0" smtClean="0"/>
+              <a:pPr rtl="0"/>
+              <a:t>9</a:t>
+            </a:fld>
+            <a:endParaRPr lang="fr-FR" noProof="0"/>
+          </a:p>
+        </p:txBody>
+      </p:sp>
+      <p:pic>
+        <p:nvPicPr>
+          <p:cNvPr id="4" name="Image 3"/>
+          <p:cNvPicPr>
+            <a:picLocks noChangeAspect="1"/>
+          </p:cNvPicPr>
+          <p:nvPr/>
+        </p:nvPicPr>
+        <p:blipFill>
+          <a:blip r:embed="rId2">
+            <a:extLst>
+              <a:ext uri="{28A0092B-C50C-407E-A947-70E740481C1C}">
+                <a14:useLocalDpi xmlns:a14="http://schemas.microsoft.com/office/drawing/2010/main" val="0"/>
+              </a:ext>
+            </a:extLst>
+          </a:blip>
+          <a:stretch>
+            <a:fillRect/>
+          </a:stretch>
+        </p:blipFill>
+        <p:spPr>
+          <a:xfrm>
+            <a:off x="4738254" y="0"/>
+            <a:ext cx="7453745" cy="6858000"/>
+          </a:xfrm>
+          <a:prstGeom prst="rect">
+            <a:avLst/>
+          </a:prstGeom>
+        </p:spPr>
+      </p:pic>
+      <p:sp>
+        <p:nvSpPr>
+          <p:cNvPr id="5" name="ZoneTexte 4"/>
+          <p:cNvSpPr txBox="1"/>
+          <p:nvPr/>
+        </p:nvSpPr>
+        <p:spPr>
+          <a:xfrm>
+            <a:off x="360218" y="387927"/>
+            <a:ext cx="3893127" cy="1200329"/>
+          </a:xfrm>
+          <a:prstGeom prst="rect">
+            <a:avLst/>
+          </a:prstGeom>
+          <a:noFill/>
+        </p:spPr>
+        <p:txBody>
+          <a:bodyPr wrap="square" rtlCol="0">
+            <a:spAutoFit/>
+          </a:bodyPr>
+          <a:lstStyle/>
+          <a:p>
+            <a:pPr algn="ctr"/>
+            <a:r>
+              <a:rPr lang="en-US" sz="2400" b="1" dirty="0" smtClean="0">
+                <a:solidFill>
+                  <a:schemeClr val="bg1"/>
+                </a:solidFill>
+                <a:effectLst>
+                  <a:outerShdw blurRad="38100" dist="38100" dir="2700000" algn="tl">
+                    <a:srgbClr val="000000">
+                      <a:alpha val="43137"/>
+                    </a:srgbClr>
+                  </a:outerShdw>
+                </a:effectLst>
+                <a:latin typeface="Bell MT" panose="02020503060305020303" pitchFamily="18" charset="0"/>
+              </a:rPr>
+              <a:t>Distribution </a:t>
+            </a:r>
+            <a:r>
+              <a:rPr lang="en-US" sz="2400" b="1" dirty="0">
+                <a:solidFill>
+                  <a:schemeClr val="bg1"/>
+                </a:solidFill>
+                <a:effectLst>
+                  <a:outerShdw blurRad="38100" dist="38100" dir="2700000" algn="tl">
+                    <a:srgbClr val="000000">
+                      <a:alpha val="43137"/>
+                    </a:srgbClr>
+                  </a:outerShdw>
+                </a:effectLst>
+                <a:latin typeface="Bell MT" panose="02020503060305020303" pitchFamily="18" charset="0"/>
+              </a:rPr>
+              <a:t>of </a:t>
+            </a:r>
+            <a:endParaRPr lang="en-US" sz="2400" b="1" dirty="0" smtClean="0">
+              <a:solidFill>
+                <a:schemeClr val="bg1"/>
+              </a:solidFill>
+              <a:effectLst>
+                <a:outerShdw blurRad="38100" dist="38100" dir="2700000" algn="tl">
+                  <a:srgbClr val="000000">
+                    <a:alpha val="43137"/>
+                  </a:srgbClr>
+                </a:outerShdw>
+              </a:effectLst>
+              <a:latin typeface="Bell MT" panose="02020503060305020303" pitchFamily="18" charset="0"/>
+            </a:endParaRPr>
+          </a:p>
+          <a:p>
+            <a:pPr algn="ctr"/>
+            <a:r>
+              <a:rPr lang="en-US" sz="2400" b="1" dirty="0" smtClean="0">
+                <a:solidFill>
+                  <a:schemeClr val="bg1"/>
+                </a:solidFill>
+                <a:effectLst>
+                  <a:outerShdw blurRad="38100" dist="38100" dir="2700000" algn="tl">
+                    <a:srgbClr val="000000">
+                      <a:alpha val="43137"/>
+                    </a:srgbClr>
+                  </a:outerShdw>
+                </a:effectLst>
+                <a:latin typeface="Bell MT" panose="02020503060305020303" pitchFamily="18" charset="0"/>
+              </a:rPr>
+              <a:t>health sector business </a:t>
+            </a:r>
+          </a:p>
+          <a:p>
+            <a:pPr algn="ctr"/>
+            <a:r>
+              <a:rPr lang="en-US" sz="2400" b="1" dirty="0" smtClean="0">
+                <a:solidFill>
+                  <a:schemeClr val="bg1"/>
+                </a:solidFill>
+                <a:effectLst>
+                  <a:outerShdw blurRad="38100" dist="38100" dir="2700000" algn="tl">
+                    <a:srgbClr val="000000">
+                      <a:alpha val="43137"/>
+                    </a:srgbClr>
+                  </a:outerShdw>
+                </a:effectLst>
+                <a:latin typeface="Bell MT" panose="02020503060305020303" pitchFamily="18" charset="0"/>
+              </a:rPr>
+              <a:t>by </a:t>
+            </a:r>
+            <a:r>
+              <a:rPr lang="en-US" sz="2400" b="1" dirty="0">
+                <a:solidFill>
+                  <a:schemeClr val="bg1"/>
+                </a:solidFill>
+                <a:effectLst>
+                  <a:outerShdw blurRad="38100" dist="38100" dir="2700000" algn="tl">
+                    <a:srgbClr val="000000">
+                      <a:alpha val="43137"/>
+                    </a:srgbClr>
+                  </a:outerShdw>
+                </a:effectLst>
+                <a:latin typeface="Bell MT" panose="02020503060305020303" pitchFamily="18" charset="0"/>
+              </a:rPr>
+              <a:t>municipality </a:t>
+            </a:r>
+          </a:p>
+        </p:txBody>
+      </p:sp>
+      <p:sp>
+        <p:nvSpPr>
+          <p:cNvPr id="7" name="ZoneTexte 6"/>
+          <p:cNvSpPr txBox="1"/>
+          <p:nvPr/>
+        </p:nvSpPr>
+        <p:spPr>
+          <a:xfrm>
+            <a:off x="0" y="2648634"/>
+            <a:ext cx="4738254" cy="3447098"/>
+          </a:xfrm>
+          <a:prstGeom prst="rect">
+            <a:avLst/>
+          </a:prstGeom>
+          <a:noFill/>
+        </p:spPr>
+        <p:txBody>
+          <a:bodyPr wrap="square" rtlCol="0">
+            <a:spAutoFit/>
+          </a:bodyPr>
+          <a:lstStyle/>
+          <a:p>
+            <a:pPr algn="ctr"/>
+            <a:r>
+              <a:rPr lang="en-US" sz="2000" b="1" dirty="0" smtClean="0">
+                <a:solidFill>
+                  <a:schemeClr val="bg1"/>
+                </a:solidFill>
+                <a:latin typeface="Bell MT" panose="02020503060305020303" pitchFamily="18" charset="0"/>
+              </a:rPr>
+              <a:t>55.1% </a:t>
+            </a:r>
+            <a:r>
+              <a:rPr lang="en-US" sz="2000" b="1" dirty="0">
+                <a:solidFill>
+                  <a:schemeClr val="bg1"/>
+                </a:solidFill>
+                <a:latin typeface="Bell MT" panose="02020503060305020303" pitchFamily="18" charset="0"/>
+              </a:rPr>
+              <a:t>of </a:t>
+            </a:r>
+            <a:r>
+              <a:rPr lang="en-US" sz="2000" b="1" dirty="0" smtClean="0">
+                <a:solidFill>
+                  <a:schemeClr val="bg1"/>
+                </a:solidFill>
+                <a:latin typeface="Bell MT" panose="02020503060305020303" pitchFamily="18" charset="0"/>
+              </a:rPr>
+              <a:t>businesses </a:t>
+            </a:r>
+            <a:r>
+              <a:rPr lang="en-US" sz="2000" b="1" dirty="0">
+                <a:solidFill>
+                  <a:schemeClr val="bg1"/>
+                </a:solidFill>
+                <a:latin typeface="Bell MT" panose="02020503060305020303" pitchFamily="18" charset="0"/>
+              </a:rPr>
+              <a:t>in </a:t>
+            </a:r>
+            <a:r>
+              <a:rPr lang="en-US" sz="2000" b="1" dirty="0" smtClean="0">
+                <a:solidFill>
+                  <a:schemeClr val="bg1"/>
+                </a:solidFill>
+                <a:latin typeface="Bell MT" panose="02020503060305020303" pitchFamily="18" charset="0"/>
+              </a:rPr>
+              <a:t>the</a:t>
+            </a:r>
+          </a:p>
+          <a:p>
+            <a:pPr algn="ctr"/>
+            <a:r>
+              <a:rPr lang="en-US" sz="2000" b="1" dirty="0" smtClean="0">
+                <a:solidFill>
+                  <a:schemeClr val="bg1"/>
+                </a:solidFill>
+                <a:latin typeface="Bell MT" panose="02020503060305020303" pitchFamily="18" charset="0"/>
+              </a:rPr>
+              <a:t> </a:t>
+            </a:r>
+            <a:r>
+              <a:rPr lang="en-US" sz="2000" b="1" dirty="0">
+                <a:solidFill>
+                  <a:schemeClr val="bg1"/>
+                </a:solidFill>
+                <a:latin typeface="Bell MT" panose="02020503060305020303" pitchFamily="18" charset="0"/>
+              </a:rPr>
+              <a:t>health sector are located in </a:t>
+            </a:r>
+            <a:r>
+              <a:rPr lang="en-US" sz="2000" b="1" dirty="0" smtClean="0">
+                <a:solidFill>
+                  <a:schemeClr val="bg1"/>
+                </a:solidFill>
+                <a:latin typeface="Bell MT" panose="02020503060305020303" pitchFamily="18" charset="0"/>
+              </a:rPr>
+              <a:t>Port-au-Prince,</a:t>
+            </a:r>
+          </a:p>
+          <a:p>
+            <a:pPr algn="ctr"/>
+            <a:r>
+              <a:rPr lang="en-US" sz="2000" b="1" dirty="0" smtClean="0">
+                <a:solidFill>
+                  <a:schemeClr val="bg1"/>
+                </a:solidFill>
+                <a:latin typeface="Bell MT" panose="02020503060305020303" pitchFamily="18" charset="0"/>
+              </a:rPr>
+              <a:t>22.7% in Petion-Ville,</a:t>
+            </a:r>
+          </a:p>
+          <a:p>
+            <a:pPr algn="ctr"/>
+            <a:r>
+              <a:rPr lang="en-US" sz="2000" b="1" dirty="0" smtClean="0">
+                <a:solidFill>
+                  <a:schemeClr val="bg1"/>
+                </a:solidFill>
+                <a:latin typeface="Bell MT" panose="02020503060305020303" pitchFamily="18" charset="0"/>
+              </a:rPr>
+              <a:t> 9.7% in </a:t>
+            </a:r>
+            <a:r>
+              <a:rPr lang="en-US" sz="2000" b="1" dirty="0" err="1" smtClean="0">
+                <a:solidFill>
+                  <a:schemeClr val="bg1"/>
+                </a:solidFill>
+                <a:latin typeface="Bell MT" panose="02020503060305020303" pitchFamily="18" charset="0"/>
+              </a:rPr>
+              <a:t>Delmas</a:t>
+            </a:r>
+            <a:r>
+              <a:rPr lang="en-US" sz="2000" b="1" dirty="0" smtClean="0">
+                <a:solidFill>
+                  <a:schemeClr val="bg1"/>
+                </a:solidFill>
+                <a:latin typeface="Bell MT" panose="02020503060305020303" pitchFamily="18" charset="0"/>
+              </a:rPr>
+              <a:t>,</a:t>
+            </a:r>
+          </a:p>
+          <a:p>
+            <a:pPr algn="ctr"/>
+            <a:r>
+              <a:rPr lang="en-US" sz="2000" b="1" dirty="0" smtClean="0">
+                <a:solidFill>
+                  <a:schemeClr val="bg1"/>
+                </a:solidFill>
+                <a:latin typeface="Bell MT" panose="02020503060305020303" pitchFamily="18" charset="0"/>
+              </a:rPr>
+              <a:t> 3.4% in Carrefour,</a:t>
+            </a:r>
+          </a:p>
+          <a:p>
+            <a:pPr algn="ctr"/>
+            <a:r>
+              <a:rPr lang="en-US" sz="2000" b="1" dirty="0" smtClean="0">
+                <a:solidFill>
+                  <a:schemeClr val="bg1"/>
+                </a:solidFill>
+                <a:latin typeface="Bell MT" panose="02020503060305020303" pitchFamily="18" charset="0"/>
+              </a:rPr>
+              <a:t>2.6% in Tabarre.</a:t>
+            </a:r>
+          </a:p>
+          <a:p>
+            <a:pPr algn="ctr"/>
+            <a:endParaRPr lang="en-US" sz="2000" b="1" dirty="0">
+              <a:solidFill>
+                <a:schemeClr val="bg1"/>
+              </a:solidFill>
+              <a:latin typeface="Bell MT" panose="02020503060305020303" pitchFamily="18" charset="0"/>
+            </a:endParaRPr>
+          </a:p>
+          <a:p>
+            <a:pPr algn="ctr"/>
+            <a:r>
+              <a:rPr lang="en-US" sz="2000" b="1" dirty="0" smtClean="0">
+                <a:solidFill>
+                  <a:schemeClr val="bg1"/>
+                </a:solidFill>
+                <a:latin typeface="Bell MT" panose="02020503060305020303" pitchFamily="18" charset="0"/>
+              </a:rPr>
+              <a:t>These are the top 5 </a:t>
+            </a:r>
+          </a:p>
+          <a:p>
+            <a:pPr algn="ctr"/>
+            <a:r>
+              <a:rPr lang="en-US" sz="2000" b="1" dirty="0" smtClean="0">
+                <a:solidFill>
+                  <a:schemeClr val="bg1"/>
+                </a:solidFill>
+                <a:latin typeface="Bell MT" panose="02020503060305020303" pitchFamily="18" charset="0"/>
+              </a:rPr>
+              <a:t>in the health sector business</a:t>
+            </a:r>
+          </a:p>
+          <a:p>
+            <a:pPr algn="ctr"/>
+            <a:endParaRPr lang="en-US" dirty="0">
+              <a:solidFill>
+                <a:schemeClr val="bg1"/>
+              </a:solidFill>
+            </a:endParaRPr>
+          </a:p>
+        </p:txBody>
+      </p:sp>
+    </p:spTree>
+    <p:extLst>
+      <p:ext uri="{BB962C8B-B14F-4D97-AF65-F5344CB8AC3E}">
+        <p14:creationId xmlns:p14="http://schemas.microsoft.com/office/powerpoint/2010/main" val="94561202"/>
       </p:ext>
     </p:extLst>
   </p:cSld>
@@ -25744,21 +25496,21 @@
 </file>
 
 <file path=customXml/item1.xml><?xml version="1.0" encoding="utf-8"?>
+<p:properties xmlns:p="http://schemas.microsoft.com/office/2006/metadata/properties" xmlns:xsi="http://www.w3.org/2001/XMLSchema-instance" xmlns:pc="http://schemas.microsoft.com/office/infopath/2007/PartnerControls">
+  <documentManagement>
+    <_ip_UnifiedCompliancePolicyUIAction xmlns="http://schemas.microsoft.com/sharepoint/v3" xsi:nil="true"/>
+    <_ip_UnifiedCompliancePolicyProperties xmlns="http://schemas.microsoft.com/sharepoint/v3" xsi:nil="true"/>
+  </documentManagement>
+</p:properties>
+</file>
+
+<file path=customXml/item2.xml><?xml version="1.0" encoding="utf-8"?>
 <?mso-contentType ?>
 <FormTemplates xmlns="http://schemas.microsoft.com/sharepoint/v3/contenttype/forms">
   <Display>DocumentLibraryForm</Display>
   <Edit>DocumentLibraryForm</Edit>
   <New>DocumentLibraryForm</New>
 </FormTemplates>
-</file>
-
-<file path=customXml/item2.xml><?xml version="1.0" encoding="utf-8"?>
-<p:properties xmlns:p="http://schemas.microsoft.com/office/2006/metadata/properties" xmlns:xsi="http://www.w3.org/2001/XMLSchema-instance" xmlns:pc="http://schemas.microsoft.com/office/infopath/2007/PartnerControls">
-  <documentManagement>
-    <_ip_UnifiedCompliancePolicyUIAction xmlns="http://schemas.microsoft.com/sharepoint/v3" xsi:nil="true"/>
-    <_ip_UnifiedCompliancePolicyProperties xmlns="http://schemas.microsoft.com/sharepoint/v3" xsi:nil="true"/>
-  </documentManagement>
-</p:properties>
 </file>
 
 <file path=customXml/item3.xml><?xml version="1.0" encoding="utf-8"?>
@@ -25970,14 +25722,6 @@
 </file>
 
 <file path=customXml/itemProps1.xml><?xml version="1.0" encoding="utf-8"?>
-<ds:datastoreItem xmlns:ds="http://schemas.openxmlformats.org/officeDocument/2006/customXml" ds:itemID="{8C5154C8-4BB5-43F2-9F6C-5E79271A0D50}">
-  <ds:schemaRefs>
-    <ds:schemaRef ds:uri="http://schemas.microsoft.com/sharepoint/v3/contenttype/forms"/>
-  </ds:schemaRefs>
-</ds:datastoreItem>
-</file>
-
-<file path=customXml/itemProps2.xml><?xml version="1.0" encoding="utf-8"?>
 <ds:datastoreItem xmlns:ds="http://schemas.openxmlformats.org/officeDocument/2006/customXml" ds:itemID="{947A0EF5-23A9-4627-BC46-745B7DD804D2}">
   <ds:schemaRefs>
     <ds:schemaRef ds:uri="http://www.w3.org/XML/1998/namespace"/>
@@ -25991,6 +25735,14 @@
     <ds:schemaRef ds:uri="http://schemas.microsoft.com/office/infopath/2007/PartnerControls"/>
     <ds:schemaRef ds:uri="fb0879af-3eba-417a-a55a-ffe6dcd6ca77"/>
     <ds:schemaRef ds:uri="http://purl.org/dc/dcmitype/"/>
+  </ds:schemaRefs>
+</ds:datastoreItem>
+</file>
+
+<file path=customXml/itemProps2.xml><?xml version="1.0" encoding="utf-8"?>
+<ds:datastoreItem xmlns:ds="http://schemas.openxmlformats.org/officeDocument/2006/customXml" ds:itemID="{8C5154C8-4BB5-43F2-9F6C-5E79271A0D50}">
+  <ds:schemaRefs>
+    <ds:schemaRef ds:uri="http://schemas.microsoft.com/sharepoint/v3/contenttype/forms"/>
   </ds:schemaRefs>
 </ds:datastoreItem>
 </file>

--- a/Analyzing Business Location in Haiti.pptx
+++ b/Analyzing Business Location in Haiti.pptx
@@ -17795,19 +17795,10 @@
                 </a:solidFill>
                 <a:latin typeface="Bell MT" panose="02020503060305020303" pitchFamily="18" charset="0"/>
               </a:rPr>
-              <a:t>Level </a:t>
-            </a:r>
-            <a:r>
-              <a:rPr lang="en-US" sz="2000" smtClean="0">
-                <a:solidFill>
-                  <a:schemeClr val="bg1"/>
-                </a:solidFill>
-                <a:latin typeface="Bell MT" panose="02020503060305020303" pitchFamily="18" charset="0"/>
-              </a:rPr>
-              <a:t>of income</a:t>
-            </a:r>
-            <a:r>
-              <a:rPr lang="en-US" sz="2000" smtClean="0">
+              <a:t>Level of income</a:t>
+            </a:r>
+            <a:r>
+              <a:rPr lang="en-US" sz="2000" dirty="0" smtClean="0">
                 <a:solidFill>
                   <a:schemeClr val="bg1"/>
                 </a:solidFill>
@@ -20130,8 +20121,32 @@
                 </a:solidFill>
                 <a:latin typeface="Bell MT" panose="02020503060305020303" pitchFamily="18" charset="0"/>
               </a:rPr>
-              <a:t>to start or to expand business activities.</a:t>
-            </a:r>
+              <a:t>to start or to expand business </a:t>
+            </a:r>
+            <a:r>
+              <a:rPr lang="en-US" sz="2400" smtClean="0">
+                <a:solidFill>
+                  <a:schemeClr val="bg1"/>
+                </a:solidFill>
+                <a:latin typeface="Bell MT" panose="02020503060305020303" pitchFamily="18" charset="0"/>
+              </a:rPr>
+              <a:t>activities</a:t>
+            </a:r>
+            <a:r>
+              <a:rPr lang="en-US" sz="2400" smtClean="0">
+                <a:solidFill>
+                  <a:schemeClr val="bg1"/>
+                </a:solidFill>
+                <a:latin typeface="Bell MT" panose="02020503060305020303" pitchFamily="18" charset="0"/>
+              </a:rPr>
+              <a:t>.</a:t>
+            </a:r>
+            <a:endParaRPr lang="en-US" sz="2400" dirty="0" smtClean="0">
+              <a:solidFill>
+                <a:schemeClr val="bg1"/>
+              </a:solidFill>
+              <a:latin typeface="Bell MT" panose="02020503060305020303" pitchFamily="18" charset="0"/>
+            </a:endParaRPr>
           </a:p>
         </p:txBody>
       </p:sp>
@@ -22193,17 +22208,17 @@
 <file path=customXml/itemProps3.xml><?xml version="1.0" encoding="utf-8"?>
 <ds:datastoreItem xmlns:ds="http://schemas.openxmlformats.org/officeDocument/2006/customXml" ds:itemID="{947A0EF5-23A9-4627-BC46-745B7DD804D2}">
   <ds:schemaRefs>
+    <ds:schemaRef ds:uri="http://purl.org/dc/elements/1.1/"/>
+    <ds:schemaRef ds:uri="http://schemas.microsoft.com/sharepoint/v3"/>
+    <ds:schemaRef ds:uri="http://schemas.microsoft.com/office/2006/metadata/properties"/>
+    <ds:schemaRef ds:uri="http://schemas.microsoft.com/office/2006/documentManagement/types"/>
+    <ds:schemaRef ds:uri="http://purl.org/dc/terms/"/>
+    <ds:schemaRef ds:uri="http://schemas.openxmlformats.org/package/2006/metadata/core-properties"/>
     <ds:schemaRef ds:uri="http://www.w3.org/XML/1998/namespace"/>
-    <ds:schemaRef ds:uri="http://purl.org/dc/terms/"/>
-    <ds:schemaRef ds:uri="http://schemas.microsoft.com/sharepoint/v3"/>
-    <ds:schemaRef ds:uri="http://purl.org/dc/elements/1.1/"/>
-    <ds:schemaRef ds:uri="http://schemas.openxmlformats.org/package/2006/metadata/core-properties"/>
-    <ds:schemaRef ds:uri="http://schemas.microsoft.com/office/2006/documentManagement/types"/>
-    <ds:schemaRef ds:uri="6dc4bcd6-49db-4c07-9060-8acfc67cef9f"/>
-    <ds:schemaRef ds:uri="http://schemas.microsoft.com/office/2006/metadata/properties"/>
+    <ds:schemaRef ds:uri="http://purl.org/dc/dcmitype/"/>
     <ds:schemaRef ds:uri="http://schemas.microsoft.com/office/infopath/2007/PartnerControls"/>
     <ds:schemaRef ds:uri="fb0879af-3eba-417a-a55a-ffe6dcd6ca77"/>
-    <ds:schemaRef ds:uri="http://purl.org/dc/dcmitype/"/>
+    <ds:schemaRef ds:uri="6dc4bcd6-49db-4c07-9060-8acfc67cef9f"/>
   </ds:schemaRefs>
 </ds:datastoreItem>
 </file>